--- a/Presentation_Turkey Food Prices.pptx
+++ b/Presentation_Turkey Food Prices.pptx
@@ -8,9 +8,9 @@
     <p:sldId id="273" r:id="rId2"/>
     <p:sldId id="264" r:id="rId3"/>
     <p:sldId id="256" r:id="rId4"/>
-    <p:sldId id="258" r:id="rId5"/>
-    <p:sldId id="262" r:id="rId6"/>
-    <p:sldId id="266" r:id="rId7"/>
+    <p:sldId id="262" r:id="rId5"/>
+    <p:sldId id="266" r:id="rId6"/>
+    <p:sldId id="258" r:id="rId7"/>
     <p:sldId id="267" r:id="rId8"/>
     <p:sldId id="268" r:id="rId9"/>
     <p:sldId id="270" r:id="rId10"/>
@@ -128,11 +128,6 @@
             <p14:sldId id="256"/>
           </p14:sldIdLst>
         </p14:section>
-        <p14:section name="Milk and Dairy" id="{F1FDCD20-16C8-4524-A735-135115450DB7}">
-          <p14:sldIdLst>
-            <p14:sldId id="258"/>
-          </p14:sldIdLst>
-        </p14:section>
         <p14:section name="Cereals and Tubers" id="{28B86C98-91E5-4BFB-9353-A27ADBC28CF0}">
           <p14:sldIdLst>
             <p14:sldId id="262"/>
@@ -141,6 +136,11 @@
         <p14:section name="Meat, Fish and Eggs" id="{BF4FCB8C-144D-4180-85FD-130FD0D5F184}">
           <p14:sldIdLst>
             <p14:sldId id="266"/>
+          </p14:sldIdLst>
+        </p14:section>
+        <p14:section name="Milk and Dairy" id="{F1FDCD20-16C8-4524-A735-135115450DB7}">
+          <p14:sldIdLst>
+            <p14:sldId id="258"/>
           </p14:sldIdLst>
         </p14:section>
         <p14:section name="Miscellaneous Food" id="{16FF7DE0-E033-472A-9C11-3ECBE01DFB06}">
@@ -367,7 +367,7 @@
           <a:p>
             <a:fld id="{A23720DD-5B6D-40BF-8493-A6B52D484E6B}" type="datetimeFigureOut">
               <a:rPr lang="tr-TR" smtClean="0"/>
-              <a:t>25.12.2018</a:t>
+              <a:t>26.12.2018</a:t>
             </a:fld>
             <a:endParaRPr lang="tr-TR"/>
           </a:p>
@@ -535,7 +535,7 @@
           <a:p>
             <a:fld id="{CD702A89-079B-4E69-9E97-AE933A5DF840}" type="datetimeFigureOut">
               <a:rPr lang="tr-TR" smtClean="0"/>
-              <a:t>25.12.2018</a:t>
+              <a:t>26.12.2018</a:t>
             </a:fld>
             <a:endParaRPr lang="tr-TR"/>
           </a:p>
@@ -713,7 +713,7 @@
           <a:p>
             <a:fld id="{CD702A89-079B-4E69-9E97-AE933A5DF840}" type="datetimeFigureOut">
               <a:rPr lang="tr-TR" smtClean="0"/>
-              <a:t>25.12.2018</a:t>
+              <a:t>26.12.2018</a:t>
             </a:fld>
             <a:endParaRPr lang="tr-TR"/>
           </a:p>
@@ -912,7 +912,7 @@
           <a:p>
             <a:fld id="{A23720DD-5B6D-40BF-8493-A6B52D484E6B}" type="datetimeFigureOut">
               <a:rPr lang="tr-TR" smtClean="0"/>
-              <a:t>25.12.2018</a:t>
+              <a:t>26.12.2018</a:t>
             </a:fld>
             <a:endParaRPr lang="tr-TR"/>
           </a:p>
@@ -1157,7 +1157,7 @@
           <a:p>
             <a:fld id="{CD702A89-079B-4E69-9E97-AE933A5DF840}" type="datetimeFigureOut">
               <a:rPr lang="tr-TR" smtClean="0"/>
-              <a:t>25.12.2018</a:t>
+              <a:t>26.12.2018</a:t>
             </a:fld>
             <a:endParaRPr lang="tr-TR"/>
           </a:p>
@@ -1442,7 +1442,7 @@
           <a:p>
             <a:fld id="{CD702A89-079B-4E69-9E97-AE933A5DF840}" type="datetimeFigureOut">
               <a:rPr lang="tr-TR" smtClean="0"/>
-              <a:t>25.12.2018</a:t>
+              <a:t>26.12.2018</a:t>
             </a:fld>
             <a:endParaRPr lang="tr-TR"/>
           </a:p>
@@ -1861,7 +1861,7 @@
           <a:p>
             <a:fld id="{CD702A89-079B-4E69-9E97-AE933A5DF840}" type="datetimeFigureOut">
               <a:rPr lang="tr-TR" smtClean="0"/>
-              <a:t>25.12.2018</a:t>
+              <a:t>26.12.2018</a:t>
             </a:fld>
             <a:endParaRPr lang="tr-TR"/>
           </a:p>
@@ -1978,7 +1978,7 @@
           <a:p>
             <a:fld id="{CD702A89-079B-4E69-9E97-AE933A5DF840}" type="datetimeFigureOut">
               <a:rPr lang="tr-TR" smtClean="0"/>
-              <a:t>25.12.2018</a:t>
+              <a:t>26.12.2018</a:t>
             </a:fld>
             <a:endParaRPr lang="tr-TR"/>
           </a:p>
@@ -2073,7 +2073,7 @@
           <a:p>
             <a:fld id="{CD702A89-079B-4E69-9E97-AE933A5DF840}" type="datetimeFigureOut">
               <a:rPr lang="tr-TR" smtClean="0"/>
-              <a:t>25.12.2018</a:t>
+              <a:t>26.12.2018</a:t>
             </a:fld>
             <a:endParaRPr lang="tr-TR"/>
           </a:p>
@@ -2348,7 +2348,7 @@
           <a:p>
             <a:fld id="{CD702A89-079B-4E69-9E97-AE933A5DF840}" type="datetimeFigureOut">
               <a:rPr lang="tr-TR" smtClean="0"/>
-              <a:t>25.12.2018</a:t>
+              <a:t>26.12.2018</a:t>
             </a:fld>
             <a:endParaRPr lang="tr-TR"/>
           </a:p>
@@ -2600,7 +2600,7 @@
           <a:p>
             <a:fld id="{CD702A89-079B-4E69-9E97-AE933A5DF840}" type="datetimeFigureOut">
               <a:rPr lang="tr-TR" smtClean="0"/>
-              <a:t>25.12.2018</a:t>
+              <a:t>26.12.2018</a:t>
             </a:fld>
             <a:endParaRPr lang="tr-TR"/>
           </a:p>
@@ -2811,7 +2811,7 @@
           <a:p>
             <a:fld id="{CD702A89-079B-4E69-9E97-AE933A5DF840}" type="datetimeFigureOut">
               <a:rPr lang="tr-TR" smtClean="0"/>
-              <a:t>25.12.2018</a:t>
+              <a:t>26.12.2018</a:t>
             </a:fld>
             <a:endParaRPr lang="tr-TR"/>
           </a:p>
@@ -3273,7 +3273,7 @@
               <a:t>I</a:t>
             </a:r>
             <a:r>
-              <a:rPr lang="tr-TR" sz="2800" b="1" dirty="0" smtClean="0">
+              <a:rPr lang="tr-TR" sz="2800" b="1" dirty="0">
                 <a:solidFill>
                   <a:schemeClr val="tx2"/>
                 </a:solidFill>
@@ -3284,7 +3284,7 @@
               <a:t>stem</a:t>
             </a:r>
             <a:r>
-              <a:rPr lang="en-US" sz="2800" b="1" dirty="0" smtClean="0">
+              <a:rPr lang="en-US" sz="2800" b="1" dirty="0">
                 <a:solidFill>
                   <a:schemeClr val="tx2"/>
                 </a:solidFill>
@@ -3295,7 +3295,7 @@
               <a:t> </a:t>
             </a:r>
             <a:r>
-              <a:rPr lang="tr-TR" sz="2800" b="1" dirty="0" smtClean="0">
+              <a:rPr lang="tr-TR" sz="2800" b="1" dirty="0">
                 <a:solidFill>
                   <a:schemeClr val="tx2"/>
                 </a:solidFill>
@@ -3306,7 +3306,7 @@
               <a:t>Ak</a:t>
             </a:r>
             <a:r>
-              <a:rPr lang="en-US" sz="2800" b="1" dirty="0" smtClean="0">
+              <a:rPr lang="en-US" sz="2800" b="1" dirty="0">
                 <a:solidFill>
                   <a:schemeClr val="tx2"/>
                 </a:solidFill>
@@ -3317,7 +3317,7 @@
               <a:t>c</a:t>
             </a:r>
             <a:r>
-              <a:rPr lang="tr-TR" sz="2800" b="1" dirty="0" smtClean="0">
+              <a:rPr lang="tr-TR" sz="2800" b="1" dirty="0">
                 <a:solidFill>
                   <a:schemeClr val="tx2"/>
                 </a:solidFill>
@@ -3328,7 +3328,7 @@
               <a:t>a</a:t>
             </a:r>
             <a:r>
-              <a:rPr lang="en-US" sz="2800" b="1" dirty="0" smtClean="0">
+              <a:rPr lang="en-US" sz="2800" b="1" dirty="0">
                 <a:solidFill>
                   <a:schemeClr val="tx2"/>
                 </a:solidFill>
@@ -3424,7 +3424,7 @@
               <a:t> </a:t>
             </a:r>
             <a:r>
-              <a:rPr lang="tr-TR" sz="2800" b="1" dirty="0" smtClean="0">
+              <a:rPr lang="tr-TR" sz="2800" b="1" dirty="0">
                 <a:solidFill>
                   <a:schemeClr val="tx2"/>
                 </a:solidFill>
@@ -3435,7 +3435,7 @@
               <a:t>S</a:t>
             </a:r>
             <a:r>
-              <a:rPr lang="en-US" sz="2800" b="1" dirty="0" smtClean="0">
+              <a:rPr lang="en-US" sz="2800" b="1" dirty="0">
                 <a:solidFill>
                   <a:schemeClr val="tx2"/>
                 </a:solidFill>
@@ -3446,7 +3446,7 @@
               <a:t>u</a:t>
             </a:r>
             <a:r>
-              <a:rPr lang="tr-TR" sz="2800" b="1" dirty="0" smtClean="0">
+              <a:rPr lang="tr-TR" sz="2800" b="1" dirty="0">
                 <a:solidFill>
                   <a:schemeClr val="tx2"/>
                 </a:solidFill>
@@ -3457,7 +3457,7 @@
               <a:t>er</a:t>
             </a:r>
             <a:r>
-              <a:rPr lang="en-US" sz="2800" b="1" dirty="0" smtClean="0">
+              <a:rPr lang="en-US" sz="2800" b="1" dirty="0">
                 <a:solidFill>
                   <a:schemeClr val="tx2"/>
                 </a:solidFill>
@@ -3548,37 +3548,28 @@
                 </a:solidFill>
                 <a:latin typeface="Corbel" panose="020B0503020204020204" pitchFamily="34" charset="0"/>
               </a:rPr>
-              <a:t>Data </a:t>
-            </a:r>
-            <a:r>
-              <a:rPr lang="tr-TR" sz="3600" b="1" dirty="0" smtClean="0">
+              <a:t>Data R’s</a:t>
+            </a:r>
+            <a:r>
+              <a:rPr lang="en-US" sz="3600" b="1" dirty="0" err="1">
                 <a:solidFill>
                   <a:srgbClr val="C00000"/>
                 </a:solidFill>
                 <a:latin typeface="Corbel" panose="020B0503020204020204" pitchFamily="34" charset="0"/>
               </a:rPr>
-              <a:t>R’s</a:t>
-            </a:r>
-            <a:r>
-              <a:rPr lang="en-US" sz="3600" b="1" dirty="0" err="1" smtClean="0">
+              <a:t>i</a:t>
+            </a:r>
+            <a:r>
+              <a:rPr lang="tr-TR" sz="3600" b="1" dirty="0">
                 <a:solidFill>
                   <a:srgbClr val="C00000"/>
                 </a:solidFill>
                 <a:latin typeface="Corbel" panose="020B0503020204020204" pitchFamily="34" charset="0"/>
               </a:rPr>
-              <a:t>i</a:t>
-            </a:r>
-            <a:r>
-              <a:rPr lang="tr-TR" sz="3600" b="1" dirty="0" smtClean="0">
-                <a:solidFill>
-                  <a:srgbClr val="C00000"/>
-                </a:solidFill>
-                <a:latin typeface="Corbel" panose="020B0503020204020204" pitchFamily="34" charset="0"/>
-              </a:rPr>
               <a:t>zlar</a:t>
             </a:r>
             <a:r>
-              <a:rPr lang="en-US" sz="3600" b="1" dirty="0" err="1" smtClean="0">
+              <a:rPr lang="en-US" sz="3600" b="1" dirty="0" err="1">
                 <a:solidFill>
                   <a:srgbClr val="C00000"/>
                 </a:solidFill>
@@ -3908,13 +3899,6 @@
   <p:clrMapOvr>
     <a:masterClrMapping/>
   </p:clrMapOvr>
-  <p:timing>
-    <p:tnLst>
-      <p:par>
-        <p:cTn id="1" dur="indefinite" restart="never" nodeType="tmRoot"/>
-      </p:par>
-    </p:tnLst>
-  </p:timing>
 </p:sld>
 </file>
 
@@ -5691,13 +5675,6 @@
   <p:clrMapOvr>
     <a:masterClrMapping/>
   </p:clrMapOvr>
-  <p:timing>
-    <p:tnLst>
-      <p:par>
-        <p:cTn id="1" dur="indefinite" restart="never" nodeType="tmRoot"/>
-      </p:par>
-    </p:tnLst>
-  </p:timing>
 </p:sld>
 </file>
 
@@ -5814,12 +5791,6 @@
               </a:rPr>
               <a:t>Key Takeaways</a:t>
             </a:r>
-            <a:endParaRPr lang="en-US" b="1" dirty="0">
-              <a:solidFill>
-                <a:schemeClr val="tx2"/>
-              </a:solidFill>
-              <a:latin typeface="Corbel" panose="020B0503020204020204" pitchFamily="34" charset="0"/>
-            </a:endParaRPr>
           </a:p>
         </p:txBody>
       </p:sp>
@@ -5850,19 +5821,19 @@
               <a:buChar char="ü"/>
             </a:pPr>
             <a:r>
-              <a:rPr lang="en-US" sz="1400" b="1" u="sng" dirty="0" smtClean="0">
+              <a:rPr lang="en-US" sz="1400" b="1" u="sng" dirty="0">
                 <a:latin typeface="Corbel" panose="020B0503020204020204" pitchFamily="34" charset="0"/>
               </a:rPr>
               <a:t>Dataset</a:t>
             </a:r>
             <a:r>
-              <a:rPr lang="en-US" sz="1400" dirty="0" smtClean="0">
+              <a:rPr lang="en-US" sz="1400" dirty="0">
                 <a:latin typeface="Corbel" panose="020B0503020204020204" pitchFamily="34" charset="0"/>
               </a:rPr>
               <a:t>: </a:t>
             </a:r>
             <a:r>
-              <a:rPr lang="tr-TR" sz="1400" b="1" dirty="0" smtClean="0">
+              <a:rPr lang="tr-TR" sz="1400" b="1" dirty="0">
                 <a:solidFill>
                   <a:srgbClr val="C00000"/>
                 </a:solidFill>
@@ -5877,25 +5848,16 @@
                 </a:solidFill>
                 <a:latin typeface="Corbel" panose="020B0503020204020204" pitchFamily="34" charset="0"/>
               </a:rPr>
-              <a:t>Food </a:t>
+              <a:t>Food Prices </a:t>
+            </a:r>
+            <a:r>
+              <a:rPr lang="en-US" sz="1400" dirty="0">
+                <a:latin typeface="Corbel" panose="020B0503020204020204" pitchFamily="34" charset="0"/>
+              </a:rPr>
+              <a:t>from</a:t>
             </a:r>
             <a:r>
               <a:rPr lang="en-US" sz="1400" b="1" dirty="0">
-                <a:solidFill>
-                  <a:srgbClr val="C00000"/>
-                </a:solidFill>
-                <a:latin typeface="Corbel" panose="020B0503020204020204" pitchFamily="34" charset="0"/>
-              </a:rPr>
-              <a:t>Prices </a:t>
-            </a:r>
-            <a:r>
-              <a:rPr lang="en-US" sz="1400" dirty="0" smtClean="0">
-                <a:latin typeface="Corbel" panose="020B0503020204020204" pitchFamily="34" charset="0"/>
-              </a:rPr>
-              <a:t>from</a:t>
-            </a:r>
-            <a:r>
-              <a:rPr lang="en-US" sz="1400" b="1" dirty="0" smtClean="0">
                 <a:solidFill>
                   <a:srgbClr val="C00000"/>
                 </a:solidFill>
@@ -5915,7 +5877,7 @@
               <a:buChar char="ü"/>
             </a:pPr>
             <a:r>
-              <a:rPr lang="en-US" sz="1400" b="1" u="sng" dirty="0" smtClean="0">
+              <a:rPr lang="en-US" sz="1400" b="1" u="sng" dirty="0">
                 <a:latin typeface="Corbel" panose="020B0503020204020204" pitchFamily="34" charset="0"/>
               </a:rPr>
               <a:t>Analysis: </a:t>
@@ -5927,22 +5889,16 @@
               <a:buChar char="•"/>
             </a:pPr>
             <a:r>
-              <a:rPr lang="en-US" sz="1400" b="1" dirty="0" smtClean="0">
+              <a:rPr lang="en-US" sz="1400" b="1" dirty="0">
                 <a:latin typeface="Corbel" panose="020B0503020204020204" pitchFamily="34" charset="0"/>
               </a:rPr>
               <a:t>Initial: </a:t>
             </a:r>
             <a:r>
-              <a:rPr lang="en-US" sz="1400" dirty="0" smtClean="0">
-                <a:latin typeface="Corbel" panose="020B0503020204020204" pitchFamily="34" charset="0"/>
-              </a:rPr>
-              <a:t>yearly </a:t>
-            </a:r>
-            <a:r>
               <a:rPr lang="en-US" sz="1400" dirty="0">
                 <a:latin typeface="Corbel" panose="020B0503020204020204" pitchFamily="34" charset="0"/>
               </a:rPr>
-              <a:t>average </a:t>
+              <a:t>yearly average </a:t>
             </a:r>
             <a:r>
               <a:rPr lang="en-US" sz="1400" b="1" dirty="0">
@@ -5981,7 +5937,7 @@
               <a:t> </a:t>
             </a:r>
             <a:r>
-              <a:rPr lang="en-US" sz="1400" b="1" dirty="0" smtClean="0">
+              <a:rPr lang="en-US" sz="1400" b="1" dirty="0">
                 <a:solidFill>
                   <a:srgbClr val="C00000"/>
                 </a:solidFill>
@@ -5996,7 +5952,7 @@
               <a:t>and </a:t>
             </a:r>
             <a:r>
-              <a:rPr lang="tr-TR" sz="1400" b="1" dirty="0" smtClean="0">
+              <a:rPr lang="tr-TR" sz="1400" b="1" dirty="0">
                 <a:solidFill>
                   <a:srgbClr val="C00000"/>
                 </a:solidFill>
@@ -6014,25 +5970,19 @@
               <a:buChar char="•"/>
             </a:pPr>
             <a:r>
-              <a:rPr lang="en-US" sz="1400" b="1" dirty="0" smtClean="0">
+              <a:rPr lang="en-US" sz="1400" b="1" dirty="0">
                 <a:latin typeface="Corbel" panose="020B0503020204020204" pitchFamily="34" charset="0"/>
               </a:rPr>
               <a:t>Exploratory:</a:t>
             </a:r>
             <a:r>
-              <a:rPr lang="en-US" sz="1400" dirty="0" smtClean="0">
-                <a:latin typeface="Corbel" panose="020B0503020204020204" pitchFamily="34" charset="0"/>
-              </a:rPr>
-              <a:t> </a:t>
-            </a:r>
-            <a:r>
-              <a:rPr lang="en-US" sz="1400" dirty="0" smtClean="0">
-                <a:latin typeface="Corbel" panose="020B0503020204020204" pitchFamily="34" charset="0"/>
-              </a:rPr>
-              <a:t> yearly average </a:t>
-            </a:r>
-            <a:r>
-              <a:rPr lang="en-US" sz="1400" b="1" dirty="0" smtClean="0">
+              <a:rPr lang="en-US" sz="1400" dirty="0">
+                <a:latin typeface="Corbel" panose="020B0503020204020204" pitchFamily="34" charset="0"/>
+              </a:rPr>
+              <a:t>  yearly average </a:t>
+            </a:r>
+            <a:r>
+              <a:rPr lang="en-US" sz="1400" b="1" dirty="0">
                 <a:solidFill>
                   <a:srgbClr val="C00000"/>
                 </a:solidFill>
@@ -6047,7 +5997,7 @@
               <a:t>in each </a:t>
             </a:r>
             <a:r>
-              <a:rPr lang="en-US" sz="1400" b="1" dirty="0" smtClean="0">
+              <a:rPr lang="en-US" sz="1400" b="1" dirty="0">
                 <a:solidFill>
                   <a:srgbClr val="C00000"/>
                 </a:solidFill>
@@ -6061,7 +6011,7 @@
               <a:buFont typeface="Wingdings" panose="05000000000000000000" pitchFamily="2" charset="2"/>
               <a:buChar char="ü"/>
             </a:pPr>
-            <a:endParaRPr lang="en-US" sz="500" dirty="0" smtClean="0">
+            <a:endParaRPr lang="en-US" sz="500" dirty="0">
               <a:latin typeface="Corbel" panose="020B0503020204020204" pitchFamily="34" charset="0"/>
             </a:endParaRPr>
           </a:p>
@@ -6125,39 +6075,21 @@
                 </a:solidFill>
                 <a:latin typeface="Corbel" panose="020B0503020204020204" pitchFamily="34" charset="0"/>
               </a:rPr>
-              <a:t>price </a:t>
-            </a:r>
-            <a:r>
-              <a:rPr lang="en-US" sz="1400" b="1" dirty="0" smtClean="0">
-                <a:solidFill>
-                  <a:srgbClr val="C00000"/>
-                </a:solidFill>
-                <a:latin typeface="Corbel" panose="020B0503020204020204" pitchFamily="34" charset="0"/>
-              </a:rPr>
-              <a:t>changes</a:t>
-            </a:r>
-            <a:r>
-              <a:rPr lang="en-US" sz="1400" dirty="0" smtClean="0">
-                <a:latin typeface="Corbel" panose="020B0503020204020204" pitchFamily="34" charset="0"/>
-              </a:rPr>
-              <a:t>:</a:t>
-            </a:r>
-            <a:r>
-              <a:rPr lang="en-US" sz="1400" dirty="0" smtClean="0">
-                <a:latin typeface="Corbel" panose="020B0503020204020204" pitchFamily="34" charset="0"/>
-              </a:rPr>
-              <a:t> </a:t>
-            </a:r>
-            <a:endParaRPr lang="en-US" sz="1400" dirty="0">
-              <a:latin typeface="Corbel" panose="020B0503020204020204" pitchFamily="34" charset="0"/>
-            </a:endParaRPr>
+              <a:t>price changes</a:t>
+            </a:r>
+            <a:r>
+              <a:rPr lang="en-US" sz="1400" dirty="0">
+                <a:latin typeface="Corbel" panose="020B0503020204020204" pitchFamily="34" charset="0"/>
+              </a:rPr>
+              <a:t>: </a:t>
+            </a:r>
           </a:p>
           <a:p>
             <a:pPr marL="630238" lvl="1" indent="-228600">
               <a:buFont typeface="Arial" panose="020B0604020202020204" pitchFamily="34" charset="0"/>
               <a:buChar char="•"/>
             </a:pPr>
-            <a:endParaRPr lang="en-US" sz="500" dirty="0" smtClean="0">
+            <a:endParaRPr lang="en-US" sz="500" dirty="0">
               <a:latin typeface="Corbel" panose="020B0503020204020204" pitchFamily="34" charset="0"/>
             </a:endParaRPr>
           </a:p>
@@ -6167,28 +6099,10 @@
               <a:buChar char="•"/>
             </a:pPr>
             <a:r>
-              <a:rPr lang="en-US" sz="1400" dirty="0" smtClean="0">
-                <a:latin typeface="Corbel" panose="020B0503020204020204" pitchFamily="34" charset="0"/>
-              </a:rPr>
-              <a:t>Cereals </a:t>
-            </a:r>
-            <a:r>
               <a:rPr lang="en-US" sz="1400" dirty="0">
                 <a:latin typeface="Corbel" panose="020B0503020204020204" pitchFamily="34" charset="0"/>
               </a:rPr>
-              <a:t>and Tubers           </a:t>
-            </a:r>
-            <a:r>
-              <a:rPr lang="en-US" sz="1400" dirty="0" smtClean="0">
-                <a:latin typeface="Corbel" panose="020B0503020204020204" pitchFamily="34" charset="0"/>
-              </a:rPr>
-              <a:t> Rice </a:t>
-            </a:r>
-            <a:r>
-              <a:rPr lang="en-US" sz="1400" dirty="0">
-                <a:latin typeface="Corbel" panose="020B0503020204020204" pitchFamily="34" charset="0"/>
-              </a:rPr>
-              <a:t>and bread </a:t>
+              <a:t>Cereals and Tubers            Rice and bread </a:t>
             </a:r>
           </a:p>
           <a:p>
@@ -6200,25 +6114,7 @@
               <a:rPr lang="en-US" sz="1400" dirty="0">
                 <a:latin typeface="Corbel" panose="020B0503020204020204" pitchFamily="34" charset="0"/>
               </a:rPr>
-              <a:t>Meat, Fish and Eggs        </a:t>
-            </a:r>
-            <a:r>
-              <a:rPr lang="en-US" sz="1400" dirty="0" smtClean="0">
-                <a:latin typeface="Corbel" panose="020B0503020204020204" pitchFamily="34" charset="0"/>
-              </a:rPr>
-              <a:t> Fresh </a:t>
-            </a:r>
-            <a:r>
-              <a:rPr lang="en-US" sz="1400" dirty="0">
-                <a:latin typeface="Corbel" panose="020B0503020204020204" pitchFamily="34" charset="0"/>
-              </a:rPr>
-              <a:t>fish &amp; mutton </a:t>
-            </a:r>
-            <a:r>
-              <a:rPr lang="en-US" sz="1400" dirty="0" smtClean="0">
-                <a:latin typeface="Corbel" panose="020B0503020204020204" pitchFamily="34" charset="0"/>
-              </a:rPr>
-              <a:t>meat</a:t>
+              <a:t>Meat, Fish and Eggs         Fresh fish &amp; mutton meat</a:t>
             </a:r>
           </a:p>
           <a:p>
@@ -6227,16 +6123,10 @@
               <a:buChar char="•"/>
             </a:pPr>
             <a:r>
-              <a:rPr lang="en-US" sz="1400" dirty="0" smtClean="0">
-                <a:latin typeface="Corbel" panose="020B0503020204020204" pitchFamily="34" charset="0"/>
-              </a:rPr>
-              <a:t>Milk and Dairy                     M</a:t>
-            </a:r>
-            <a:r>
-              <a:rPr lang="en-US" sz="1400" dirty="0" smtClean="0">
-                <a:latin typeface="Corbel" panose="020B0503020204020204" pitchFamily="34" charset="0"/>
-              </a:rPr>
-              <a:t>ilk powder for infants</a:t>
+              <a:rPr lang="en-US" sz="1400" dirty="0">
+                <a:latin typeface="Corbel" panose="020B0503020204020204" pitchFamily="34" charset="0"/>
+              </a:rPr>
+              <a:t>Milk and Dairy                     Milk powder for infants</a:t>
             </a:r>
           </a:p>
           <a:p>
@@ -6245,28 +6135,10 @@
               <a:buChar char="•"/>
             </a:pPr>
             <a:r>
-              <a:rPr lang="en-US" sz="1400" dirty="0" smtClean="0">
-                <a:latin typeface="Corbel" panose="020B0503020204020204" pitchFamily="34" charset="0"/>
-              </a:rPr>
-              <a:t>Miscellaneous </a:t>
-            </a:r>
-            <a:r>
               <a:rPr lang="en-US" sz="1400" dirty="0">
                 <a:latin typeface="Corbel" panose="020B0503020204020204" pitchFamily="34" charset="0"/>
               </a:rPr>
-              <a:t>Food         </a:t>
-            </a:r>
-            <a:r>
-              <a:rPr lang="en-US" sz="1400" dirty="0" smtClean="0">
-                <a:latin typeface="Corbel" panose="020B0503020204020204" pitchFamily="34" charset="0"/>
-              </a:rPr>
-              <a:t> Cocoa </a:t>
-            </a:r>
-            <a:r>
-              <a:rPr lang="en-US" sz="1400" dirty="0">
-                <a:latin typeface="Corbel" panose="020B0503020204020204" pitchFamily="34" charset="0"/>
-              </a:rPr>
-              <a:t>and instant coffee</a:t>
+              <a:t>Miscellaneous Food          Cocoa and instant coffee</a:t>
             </a:r>
           </a:p>
           <a:p>
@@ -6278,19 +6150,7 @@
               <a:rPr lang="en-US" sz="1400" dirty="0">
                 <a:latin typeface="Corbel" panose="020B0503020204020204" pitchFamily="34" charset="0"/>
               </a:rPr>
-              <a:t>Oil and Fats                         </a:t>
-            </a:r>
-            <a:r>
-              <a:rPr lang="en-US" sz="1400" dirty="0" smtClean="0">
-                <a:latin typeface="Corbel" panose="020B0503020204020204" pitchFamily="34" charset="0"/>
-              </a:rPr>
-              <a:t>  Olive </a:t>
-            </a:r>
-            <a:r>
-              <a:rPr lang="en-US" sz="1400" dirty="0">
-                <a:latin typeface="Corbel" panose="020B0503020204020204" pitchFamily="34" charset="0"/>
-              </a:rPr>
-              <a:t>oil</a:t>
+              <a:t>Oil and Fats                           Olive oil</a:t>
             </a:r>
           </a:p>
           <a:p>
@@ -6299,32 +6159,11 @@
               <a:buChar char="•"/>
             </a:pPr>
             <a:r>
-              <a:rPr lang="en-US" sz="1400" dirty="0" smtClean="0">
-                <a:latin typeface="Corbel" panose="020B0503020204020204" pitchFamily="34" charset="0"/>
-              </a:rPr>
-              <a:t>Pulses </a:t>
-            </a:r>
-            <a:r>
               <a:rPr lang="en-US" sz="1400" dirty="0">
                 <a:latin typeface="Corbel" panose="020B0503020204020204" pitchFamily="34" charset="0"/>
               </a:rPr>
-              <a:t>and </a:t>
-            </a:r>
-            <a:r>
-              <a:rPr lang="en-US" sz="1400" dirty="0" smtClean="0">
-                <a:latin typeface="Corbel" panose="020B0503020204020204" pitchFamily="34" charset="0"/>
-              </a:rPr>
-              <a:t>Nuts                  G</a:t>
-            </a:r>
-            <a:r>
-              <a:rPr lang="en-US" sz="1400" dirty="0" smtClean="0">
-                <a:latin typeface="Corbel" panose="020B0503020204020204" pitchFamily="34" charset="0"/>
-              </a:rPr>
-              <a:t>roundnuts</a:t>
-            </a:r>
-            <a:endParaRPr lang="en-US" sz="1400" dirty="0">
-              <a:latin typeface="Corbel" panose="020B0503020204020204" pitchFamily="34" charset="0"/>
-            </a:endParaRPr>
+              <a:t>Pulses and Nuts                  Groundnuts</a:t>
+            </a:r>
           </a:p>
           <a:p>
             <a:pPr lvl="1" indent="-173038">
@@ -6335,39 +6174,15 @@
               <a:rPr lang="en-US" sz="1400" dirty="0">
                 <a:latin typeface="Corbel" panose="020B0503020204020204" pitchFamily="34" charset="0"/>
               </a:rPr>
-              <a:t>Vegetables </a:t>
-            </a:r>
-            <a:r>
-              <a:rPr lang="en-US" sz="1400" dirty="0" smtClean="0">
-                <a:latin typeface="Corbel" panose="020B0503020204020204" pitchFamily="34" charset="0"/>
-              </a:rPr>
-              <a:t>and Fruits      C</a:t>
-            </a:r>
-            <a:r>
-              <a:rPr lang="en-US" sz="1400" dirty="0" smtClean="0">
-                <a:latin typeface="Corbel" panose="020B0503020204020204" pitchFamily="34" charset="0"/>
-              </a:rPr>
-              <a:t>ucumbers</a:t>
-            </a:r>
-            <a:r>
-              <a:rPr lang="en-US" sz="1400" dirty="0">
-                <a:latin typeface="Corbel" panose="020B0503020204020204" pitchFamily="34" charset="0"/>
-              </a:rPr>
-              <a:t>, eggplants </a:t>
-            </a:r>
-            <a:r>
-              <a:rPr lang="en-US" sz="1400" dirty="0" smtClean="0">
-                <a:latin typeface="Corbel" panose="020B0503020204020204" pitchFamily="34" charset="0"/>
-              </a:rPr>
-              <a:t>		            and onions</a:t>
-            </a:r>
-            <a:endParaRPr lang="tr-TR" sz="1400" dirty="0" smtClean="0">
+              <a:t>Vegetables and Fruits      Cucumbers, eggplants 		            and onions</a:t>
+            </a:r>
+            <a:endParaRPr lang="tr-TR" sz="1400" dirty="0">
               <a:latin typeface="Corbel" panose="020B0503020204020204" pitchFamily="34" charset="0"/>
             </a:endParaRPr>
           </a:p>
           <a:p>
             <a:pPr lvl="1"/>
-            <a:endParaRPr lang="en-US" sz="500" dirty="0" smtClean="0">
+            <a:endParaRPr lang="en-US" sz="500" dirty="0">
               <a:latin typeface="Corbel" panose="020B0503020204020204" pitchFamily="34" charset="0"/>
             </a:endParaRPr>
           </a:p>
@@ -6383,7 +6198,7 @@
               <a:t>Major</a:t>
             </a:r>
             <a:r>
-              <a:rPr lang="en-US" sz="1400" b="1" dirty="0" smtClean="0">
+              <a:rPr lang="en-US" sz="1400" b="1" dirty="0">
                 <a:solidFill>
                   <a:srgbClr val="C00000"/>
                 </a:solidFill>
@@ -6392,32 +6207,17 @@
               <a:t> reasons</a:t>
             </a:r>
             <a:r>
-              <a:rPr lang="tr-TR" sz="1400" dirty="0" smtClean="0">
-                <a:latin typeface="Corbel" panose="020B0503020204020204" pitchFamily="34" charset="0"/>
-              </a:rPr>
-              <a:t> </a:t>
-            </a:r>
-            <a:r>
               <a:rPr lang="tr-TR" sz="1400" dirty="0">
                 <a:latin typeface="Corbel" panose="020B0503020204020204" pitchFamily="34" charset="0"/>
               </a:rPr>
-              <a:t>of p</a:t>
+              <a:t> of p</a:t>
             </a:r>
             <a:r>
               <a:rPr lang="en-US" sz="1400" dirty="0">
                 <a:latin typeface="Corbel" panose="020B0503020204020204" pitchFamily="34" charset="0"/>
               </a:rPr>
-              <a:t>rice </a:t>
-            </a:r>
-            <a:r>
-              <a:rPr lang="en-US" sz="1400" dirty="0" smtClean="0">
-                <a:latin typeface="Corbel" panose="020B0503020204020204" pitchFamily="34" charset="0"/>
-              </a:rPr>
-              <a:t>increases:</a:t>
-            </a:r>
-            <a:endParaRPr lang="en-US" sz="1400" dirty="0">
-              <a:latin typeface="Corbel" panose="020B0503020204020204" pitchFamily="34" charset="0"/>
-            </a:endParaRPr>
+              <a:t>rice increases:</a:t>
+            </a:r>
           </a:p>
           <a:p>
             <a:pPr lvl="1" indent="-173038">
@@ -6479,13 +6279,7 @@
               <a:rPr lang="en-US" sz="1400" dirty="0">
                 <a:latin typeface="Corbel" panose="020B0503020204020204" pitchFamily="34" charset="0"/>
               </a:rPr>
-              <a:t>Higher </a:t>
-            </a:r>
-            <a:r>
-              <a:rPr lang="en-US" sz="1400" dirty="0" smtClean="0">
-                <a:latin typeface="Corbel" panose="020B0503020204020204" pitchFamily="34" charset="0"/>
-              </a:rPr>
-              <a:t>demand</a:t>
+              <a:t>Higher demand</a:t>
             </a:r>
           </a:p>
           <a:p>
@@ -6497,18 +6291,12 @@
               <a:rPr lang="en-US" sz="1400" dirty="0">
                 <a:latin typeface="Corbel" panose="020B0503020204020204" pitchFamily="34" charset="0"/>
               </a:rPr>
-              <a:t>Insufficient </a:t>
-            </a:r>
-            <a:r>
-              <a:rPr lang="en-US" sz="1400" dirty="0" smtClean="0">
-                <a:latin typeface="Corbel" panose="020B0503020204020204" pitchFamily="34" charset="0"/>
-              </a:rPr>
-              <a:t>supply</a:t>
+              <a:t>Insufficient supply</a:t>
             </a:r>
           </a:p>
           <a:p>
             <a:pPr marL="284162" lvl="1"/>
-            <a:endParaRPr lang="en-US" sz="500" dirty="0" smtClean="0">
+            <a:endParaRPr lang="en-US" sz="500" dirty="0">
               <a:latin typeface="Corbel" panose="020B0503020204020204" pitchFamily="34" charset="0"/>
             </a:endParaRPr>
           </a:p>
@@ -6518,7 +6306,7 @@
               <a:buChar char="ü"/>
             </a:pPr>
             <a:r>
-              <a:rPr lang="en-US" sz="1400" dirty="0" smtClean="0">
+              <a:rPr lang="en-US" sz="1400" dirty="0">
                 <a:latin typeface="Corbel" panose="020B0503020204020204" pitchFamily="34" charset="0"/>
               </a:rPr>
               <a:t>Shiny</a:t>
@@ -6686,7 +6474,7 @@
           <a:lstStyle/>
           <a:p>
             <a:r>
-              <a:rPr lang="en-US" b="1" dirty="0" smtClean="0">
+              <a:rPr lang="en-US" b="1" dirty="0">
                 <a:solidFill>
                   <a:schemeClr val="tx2"/>
                 </a:solidFill>
@@ -6694,12 +6482,6 @@
               </a:rPr>
               <a:t>Dataset</a:t>
             </a:r>
-            <a:endParaRPr lang="en-US" b="1" dirty="0">
-              <a:solidFill>
-                <a:schemeClr val="tx2"/>
-              </a:solidFill>
-              <a:latin typeface="Corbel" panose="020B0503020204020204" pitchFamily="34" charset="0"/>
-            </a:endParaRPr>
           </a:p>
         </p:txBody>
       </p:sp>
@@ -6760,28 +6542,16 @@
               <a:buChar char="ü"/>
             </a:pPr>
             <a:r>
-              <a:rPr lang="en-US" sz="1400" b="1" dirty="0" smtClean="0">
+              <a:rPr lang="en-US" sz="1400" b="1" dirty="0">
                 <a:latin typeface="Corbel" panose="020B0503020204020204" pitchFamily="34" charset="0"/>
               </a:rPr>
               <a:t>52</a:t>
             </a:r>
             <a:r>
-              <a:rPr lang="en-US" sz="1400" dirty="0" smtClean="0">
-                <a:latin typeface="Corbel" panose="020B0503020204020204" pitchFamily="34" charset="0"/>
-              </a:rPr>
-              <a:t> </a:t>
-            </a:r>
-            <a:r>
               <a:rPr lang="en-US" sz="1400" dirty="0">
                 <a:latin typeface="Corbel" panose="020B0503020204020204" pitchFamily="34" charset="0"/>
               </a:rPr>
-              <a:t>different kinds of </a:t>
-            </a:r>
-            <a:r>
-              <a:rPr lang="en-US" sz="1400" dirty="0" smtClean="0">
-                <a:latin typeface="Corbel" panose="020B0503020204020204" pitchFamily="34" charset="0"/>
-              </a:rPr>
-              <a:t>foods</a:t>
+              <a:t> different kinds of foods</a:t>
             </a:r>
           </a:p>
           <a:p>
@@ -6790,26 +6560,17 @@
               <a:buChar char="ü"/>
             </a:pPr>
             <a:r>
-              <a:rPr lang="en-US" sz="1400" b="1" dirty="0" smtClean="0">
+              <a:rPr lang="en-US" sz="1400" b="1" dirty="0">
                 <a:latin typeface="Corbel" panose="020B0503020204020204" pitchFamily="34" charset="0"/>
               </a:rPr>
               <a:t>8</a:t>
             </a:r>
             <a:r>
-              <a:rPr lang="en-US" sz="1400" dirty="0" smtClean="0">
-                <a:latin typeface="Corbel" panose="020B0503020204020204" pitchFamily="34" charset="0"/>
-              </a:rPr>
-              <a:t> </a:t>
-            </a:r>
-            <a:r>
               <a:rPr lang="en-US" sz="1400" dirty="0">
                 <a:latin typeface="Corbel" panose="020B0503020204020204" pitchFamily="34" charset="0"/>
               </a:rPr>
-              <a:t>main categories </a:t>
-            </a:r>
-            <a:endParaRPr lang="en-US" sz="1400" dirty="0">
-              <a:latin typeface="Corbel" panose="020B0503020204020204" pitchFamily="34" charset="0"/>
-            </a:endParaRPr>
+              <a:t> main categories </a:t>
+            </a:r>
           </a:p>
           <a:p>
             <a:pPr marL="285750" indent="-285750">
@@ -6817,20 +6578,17 @@
               <a:buChar char="ü"/>
             </a:pPr>
             <a:r>
-              <a:rPr lang="en-US" sz="1400" b="1" dirty="0" smtClean="0">
+              <a:rPr lang="en-US" sz="1400" b="1" dirty="0">
                 <a:latin typeface="Corbel" panose="020B0503020204020204" pitchFamily="34" charset="0"/>
               </a:rPr>
               <a:t>4 </a:t>
             </a:r>
             <a:r>
-              <a:rPr lang="en-US" sz="1400" dirty="0" smtClean="0">
+              <a:rPr lang="en-US" sz="1400" dirty="0">
                 <a:latin typeface="Corbel" panose="020B0503020204020204" pitchFamily="34" charset="0"/>
               </a:rPr>
               <a:t>markets </a:t>
             </a:r>
-            <a:endParaRPr lang="en-US" sz="1400" dirty="0">
-              <a:latin typeface="Corbel" panose="020B0503020204020204" pitchFamily="34" charset="0"/>
-            </a:endParaRPr>
           </a:p>
           <a:p>
             <a:pPr marL="285750" indent="-285750">
@@ -6838,7 +6596,7 @@
               <a:buChar char="ü"/>
             </a:pPr>
             <a:r>
-              <a:rPr lang="en-US" sz="1400" dirty="0" smtClean="0">
+              <a:rPr lang="en-US" sz="1400" dirty="0">
                 <a:latin typeface="Corbel" panose="020B0503020204020204" pitchFamily="34" charset="0"/>
               </a:rPr>
               <a:t>Data from </a:t>
@@ -6847,16 +6605,10 @@
               <a:rPr lang="en-US" sz="1400" b="1" dirty="0">
                 <a:latin typeface="Corbel" panose="020B0503020204020204" pitchFamily="34" charset="0"/>
               </a:rPr>
-              <a:t>May </a:t>
-            </a:r>
-            <a:r>
-              <a:rPr lang="en-US" sz="1400" b="1" dirty="0" smtClean="0">
-                <a:latin typeface="Corbel" panose="020B0503020204020204" pitchFamily="34" charset="0"/>
-              </a:rPr>
-              <a:t>2013 </a:t>
-            </a:r>
-            <a:r>
-              <a:rPr lang="en-US" sz="1400" dirty="0" smtClean="0">
+              <a:t>May 2013 </a:t>
+            </a:r>
+            <a:r>
+              <a:rPr lang="en-US" sz="1400" dirty="0">
                 <a:latin typeface="Corbel" panose="020B0503020204020204" pitchFamily="34" charset="0"/>
               </a:rPr>
               <a:t>incl. </a:t>
@@ -6871,37 +6623,19 @@
               <a:rPr lang="en-US" sz="1400" dirty="0">
                 <a:latin typeface="Corbel" panose="020B0503020204020204" pitchFamily="34" charset="0"/>
               </a:rPr>
-              <a:t>rows </a:t>
-            </a:r>
-            <a:r>
-              <a:rPr lang="en-US" sz="1400" dirty="0" smtClean="0">
-                <a:latin typeface="Corbel" panose="020B0503020204020204" pitchFamily="34" charset="0"/>
-              </a:rPr>
-              <a:t>&amp;</a:t>
-            </a:r>
-            <a:r>
-              <a:rPr lang="en-US" sz="1400" b="1" dirty="0" smtClean="0">
+              <a:t>rows &amp;</a:t>
+            </a:r>
+            <a:r>
+              <a:rPr lang="en-US" sz="1400" b="1" dirty="0">
                 <a:latin typeface="Corbel" panose="020B0503020204020204" pitchFamily="34" charset="0"/>
               </a:rPr>
               <a:t> 15</a:t>
             </a:r>
             <a:r>
-              <a:rPr lang="en-US" sz="1400" dirty="0" smtClean="0">
-                <a:latin typeface="Corbel" panose="020B0503020204020204" pitchFamily="34" charset="0"/>
-              </a:rPr>
-              <a:t> </a:t>
-            </a:r>
-            <a:r>
               <a:rPr lang="en-US" sz="1400" dirty="0">
                 <a:latin typeface="Corbel" panose="020B0503020204020204" pitchFamily="34" charset="0"/>
               </a:rPr>
-              <a:t>columns</a:t>
-            </a:r>
-            <a:r>
-              <a:rPr lang="en-US" sz="1400" dirty="0" smtClean="0">
-                <a:latin typeface="Corbel" panose="020B0503020204020204" pitchFamily="34" charset="0"/>
-              </a:rPr>
-              <a:t>.</a:t>
+              <a:t> columns.</a:t>
             </a:r>
             <a:endParaRPr lang="en-US" sz="800" dirty="0">
               <a:latin typeface="Corbel" panose="020B0503020204020204" pitchFamily="34" charset="0"/>
@@ -6937,43 +6671,19 @@
                 </a:solidFill>
                 <a:latin typeface="Corbel" panose="020B0503020204020204" pitchFamily="34" charset="0"/>
               </a:rPr>
-              <a:t>Loading The </a:t>
-            </a:r>
-            <a:r>
-              <a:rPr lang="en-US" b="1" dirty="0" smtClean="0">
+              <a:t>Loading The Data &amp; Data Preprocessing</a:t>
+            </a:r>
+          </a:p>
+          <a:p>
+            <a:r>
+              <a:rPr lang="en-US" b="1" dirty="0">
                 <a:solidFill>
                   <a:schemeClr val="tx2"/>
                 </a:solidFill>
                 <a:latin typeface="Corbel" panose="020B0503020204020204" pitchFamily="34" charset="0"/>
               </a:rPr>
-              <a:t>Data &amp; </a:t>
-            </a:r>
-            <a:r>
-              <a:rPr lang="en-US" b="1" dirty="0">
-                <a:solidFill>
-                  <a:schemeClr val="tx2"/>
-                </a:solidFill>
-                <a:latin typeface="Corbel" panose="020B0503020204020204" pitchFamily="34" charset="0"/>
-              </a:rPr>
-              <a:t>Data Preprocessing</a:t>
-            </a:r>
-          </a:p>
-          <a:p>
-            <a:r>
-              <a:rPr lang="en-US" b="1" dirty="0" smtClean="0">
-                <a:solidFill>
-                  <a:schemeClr val="tx2"/>
-                </a:solidFill>
-                <a:latin typeface="Corbel" panose="020B0503020204020204" pitchFamily="34" charset="0"/>
-              </a:rPr>
               <a:t> </a:t>
             </a:r>
-            <a:endParaRPr lang="en-US" b="1" dirty="0">
-              <a:solidFill>
-                <a:schemeClr val="tx2"/>
-              </a:solidFill>
-              <a:latin typeface="Corbel" panose="020B0503020204020204" pitchFamily="34" charset="0"/>
-            </a:endParaRPr>
           </a:p>
         </p:txBody>
       </p:sp>
@@ -7007,12 +6717,6 @@
               </a:rPr>
               <a:t>Data Summary after Preprocessing</a:t>
             </a:r>
-            <a:endParaRPr lang="en-US" b="1" dirty="0">
-              <a:solidFill>
-                <a:schemeClr val="tx2"/>
-              </a:solidFill>
-              <a:latin typeface="Corbel" panose="020B0503020204020204" pitchFamily="34" charset="0"/>
-            </a:endParaRPr>
           </a:p>
         </p:txBody>
       </p:sp>
@@ -7201,14 +6905,14 @@
               <a:buChar char="ü"/>
             </a:pPr>
             <a:r>
-              <a:rPr lang="en-US" sz="1400" dirty="0" smtClean="0">
+              <a:rPr lang="en-US" sz="1400" dirty="0">
                 <a:latin typeface="Corbel" panose="020B0503020204020204" pitchFamily="34" charset="0"/>
               </a:rPr>
               <a:t>Headline setting, elimination of unnecessary data and format adjustment</a:t>
             </a:r>
           </a:p>
           <a:p>
-            <a:endParaRPr lang="en-US" sz="500" dirty="0" smtClean="0">
+            <a:endParaRPr lang="en-US" sz="500" dirty="0">
               <a:latin typeface="Corbel" panose="020B0503020204020204" pitchFamily="34" charset="0"/>
             </a:endParaRPr>
           </a:p>
@@ -7233,24 +6937,15 @@
               <a:rPr lang="en-US" sz="1400" dirty="0">
                 <a:latin typeface="Corbel" panose="020B0503020204020204" pitchFamily="34" charset="0"/>
               </a:rPr>
-              <a:t> file and </a:t>
-            </a:r>
-            <a:r>
-              <a:rPr lang="en-US" sz="1400" dirty="0" smtClean="0">
-                <a:latin typeface="Corbel" panose="020B0503020204020204" pitchFamily="34" charset="0"/>
-              </a:rPr>
-              <a:t>uploading it to GPJ</a:t>
-            </a:r>
-            <a:endParaRPr lang="en-US" sz="1400" dirty="0">
-              <a:latin typeface="Corbel" panose="020B0503020204020204" pitchFamily="34" charset="0"/>
-            </a:endParaRPr>
+              <a:t> file and uploading it to GPJ</a:t>
+            </a:r>
           </a:p>
           <a:p>
             <a:pPr marL="285750" indent="-285750">
               <a:buFont typeface="Wingdings" panose="05000000000000000000" pitchFamily="2" charset="2"/>
               <a:buChar char="ü"/>
             </a:pPr>
-            <a:endParaRPr lang="en-US" sz="500" dirty="0" smtClean="0">
+            <a:endParaRPr lang="en-US" sz="500" dirty="0">
               <a:latin typeface="Corbel" panose="020B0503020204020204" pitchFamily="34" charset="0"/>
             </a:endParaRPr>
           </a:p>
@@ -7266,13 +6961,6 @@
   <p:clrMapOvr>
     <a:masterClrMapping/>
   </p:clrMapOvr>
-  <p:timing>
-    <p:tnLst>
-      <p:par>
-        <p:cTn id="1" dur="indefinite" restart="never" nodeType="tmRoot"/>
-      </p:par>
-    </p:tnLst>
-  </p:timing>
 </p:sld>
 </file>
 
@@ -8062,17 +7750,2587 @@
   <p:clrMapOvr>
     <a:masterClrMapping/>
   </p:clrMapOvr>
+</p:sld>
+</file>
+
+<file path=ppt/slides/slide4.xml><?xml version="1.0" encoding="utf-8"?>
+<p:sld xmlns:a="http://schemas.openxmlformats.org/drawingml/2006/main" xmlns:r="http://schemas.openxmlformats.org/officeDocument/2006/relationships" xmlns:p="http://schemas.openxmlformats.org/presentationml/2006/main">
+  <p:cSld>
+    <p:spTree>
+      <p:nvGrpSpPr>
+        <p:cNvPr id="1" name=""/>
+        <p:cNvGrpSpPr/>
+        <p:nvPr/>
+      </p:nvGrpSpPr>
+      <p:grpSpPr>
+        <a:xfrm>
+          <a:off x="0" y="0"/>
+          <a:ext cx="0" cy="0"/>
+          <a:chOff x="0" y="0"/>
+          <a:chExt cx="0" cy="0"/>
+        </a:xfrm>
+      </p:grpSpPr>
+      <p:pic>
+        <p:nvPicPr>
+          <p:cNvPr id="4" name="Resim 3" descr="Ekran Kırpma"/>
+          <p:cNvPicPr>
+            <a:picLocks noChangeAspect="1"/>
+          </p:cNvPicPr>
+          <p:nvPr/>
+        </p:nvPicPr>
+        <p:blipFill rotWithShape="1">
+          <a:blip r:embed="rId2">
+            <a:extLst>
+              <a:ext uri="{28A0092B-C50C-407E-A947-70E740481C1C}">
+                <a14:useLocalDpi xmlns:a14="http://schemas.microsoft.com/office/drawing/2010/main" val="0"/>
+              </a:ext>
+            </a:extLst>
+          </a:blip>
+          <a:srcRect t="5348" r="13214" b="37425"/>
+          <a:stretch/>
+        </p:blipFill>
+        <p:spPr>
+          <a:xfrm>
+            <a:off x="179512" y="836712"/>
+            <a:ext cx="8942340" cy="4144721"/>
+          </a:xfrm>
+          <a:prstGeom prst="rect">
+            <a:avLst/>
+          </a:prstGeom>
+        </p:spPr>
+      </p:pic>
+      <p:sp>
+        <p:nvSpPr>
+          <p:cNvPr id="7" name="Komut Düğmesi: Giriş 6">
+            <a:hlinkClick r:id="" action="ppaction://hlinkshowjump?jump=firstslide" highlightClick="1"/>
+          </p:cNvPr>
+          <p:cNvSpPr/>
+          <p:nvPr/>
+        </p:nvSpPr>
+        <p:spPr>
+          <a:xfrm>
+            <a:off x="8892241" y="6665673"/>
+            <a:ext cx="251759" cy="216024"/>
+          </a:xfrm>
+          <a:prstGeom prst="actionButtonHome">
+            <a:avLst/>
+          </a:prstGeom>
+        </p:spPr>
+        <p:style>
+          <a:lnRef idx="2">
+            <a:schemeClr val="accent1">
+              <a:shade val="50000"/>
+            </a:schemeClr>
+          </a:lnRef>
+          <a:fillRef idx="1">
+            <a:schemeClr val="accent1"/>
+          </a:fillRef>
+          <a:effectRef idx="0">
+            <a:schemeClr val="accent1"/>
+          </a:effectRef>
+          <a:fontRef idx="minor">
+            <a:schemeClr val="lt1"/>
+          </a:fontRef>
+        </p:style>
+        <p:txBody>
+          <a:bodyPr rtlCol="0" anchor="ctr"/>
+          <a:lstStyle/>
+          <a:p>
+            <a:pPr algn="ctr"/>
+            <a:endParaRPr lang="tr-TR"/>
+          </a:p>
+        </p:txBody>
+      </p:sp>
+      <p:sp>
+        <p:nvSpPr>
+          <p:cNvPr id="2" name="Dikdörtgen 1"/>
+          <p:cNvSpPr/>
+          <p:nvPr/>
+        </p:nvSpPr>
+        <p:spPr>
+          <a:xfrm>
+            <a:off x="539552" y="188640"/>
+            <a:ext cx="4431021" cy="369332"/>
+          </a:xfrm>
+          <a:prstGeom prst="rect">
+            <a:avLst/>
+          </a:prstGeom>
+        </p:spPr>
+        <p:txBody>
+          <a:bodyPr wrap="none">
+            <a:spAutoFit/>
+          </a:bodyPr>
+          <a:lstStyle/>
+          <a:p>
+            <a:r>
+              <a:rPr lang="en-US" b="1" dirty="0">
+                <a:solidFill>
+                  <a:schemeClr val="tx2"/>
+                </a:solidFill>
+                <a:latin typeface="Corbel" panose="020B0503020204020204" pitchFamily="34" charset="0"/>
+              </a:rPr>
+              <a:t>Yearly Average Price for Cereals and Tubers</a:t>
+            </a:r>
+          </a:p>
+        </p:txBody>
+      </p:sp>
+      <p:cxnSp>
+        <p:nvCxnSpPr>
+          <p:cNvPr id="8" name="Düz Bağlayıcı 7"/>
+          <p:cNvCxnSpPr/>
+          <p:nvPr/>
+        </p:nvCxnSpPr>
+        <p:spPr>
+          <a:xfrm>
+            <a:off x="179512" y="116632"/>
+            <a:ext cx="0" cy="522972"/>
+          </a:xfrm>
+          <a:prstGeom prst="line">
+            <a:avLst/>
+          </a:prstGeom>
+          <a:ln w="38100"/>
+        </p:spPr>
+        <p:style>
+          <a:lnRef idx="1">
+            <a:schemeClr val="accent1"/>
+          </a:lnRef>
+          <a:fillRef idx="0">
+            <a:schemeClr val="accent1"/>
+          </a:fillRef>
+          <a:effectRef idx="0">
+            <a:schemeClr val="accent1"/>
+          </a:effectRef>
+          <a:fontRef idx="minor">
+            <a:schemeClr val="tx1"/>
+          </a:fontRef>
+        </p:style>
+      </p:cxnSp>
+      <p:cxnSp>
+        <p:nvCxnSpPr>
+          <p:cNvPr id="9" name="Düz Bağlayıcı 8"/>
+          <p:cNvCxnSpPr/>
+          <p:nvPr/>
+        </p:nvCxnSpPr>
+        <p:spPr>
+          <a:xfrm>
+            <a:off x="395536" y="135548"/>
+            <a:ext cx="0" cy="504056"/>
+          </a:xfrm>
+          <a:prstGeom prst="line">
+            <a:avLst/>
+          </a:prstGeom>
+        </p:spPr>
+        <p:style>
+          <a:lnRef idx="1">
+            <a:schemeClr val="accent1"/>
+          </a:lnRef>
+          <a:fillRef idx="0">
+            <a:schemeClr val="accent1"/>
+          </a:fillRef>
+          <a:effectRef idx="0">
+            <a:schemeClr val="accent1"/>
+          </a:effectRef>
+          <a:fontRef idx="minor">
+            <a:schemeClr val="tx1"/>
+          </a:fontRef>
+        </p:style>
+      </p:cxnSp>
+      <p:pic>
+        <p:nvPicPr>
+          <p:cNvPr id="10" name="Picture 3"/>
+          <p:cNvPicPr>
+            <a:picLocks noChangeAspect="1" noChangeArrowheads="1"/>
+          </p:cNvPicPr>
+          <p:nvPr/>
+        </p:nvPicPr>
+        <p:blipFill rotWithShape="1">
+          <a:blip r:embed="rId3">
+            <a:extLst>
+              <a:ext uri="{28A0092B-C50C-407E-A947-70E740481C1C}">
+                <a14:useLocalDpi xmlns:a14="http://schemas.microsoft.com/office/drawing/2010/main" val="0"/>
+              </a:ext>
+            </a:extLst>
+          </a:blip>
+          <a:srcRect l="59252" t="39639" r="34295" b="38220"/>
+          <a:stretch/>
+        </p:blipFill>
+        <p:spPr bwMode="auto">
+          <a:xfrm>
+            <a:off x="7663904" y="985444"/>
+            <a:ext cx="1177660" cy="2271712"/>
+          </a:xfrm>
+          <a:prstGeom prst="rect">
+            <a:avLst/>
+          </a:prstGeom>
+          <a:noFill/>
+          <a:ln>
+            <a:noFill/>
+          </a:ln>
+          <a:extLst>
+            <a:ext uri="{909E8E84-426E-40DD-AFC4-6F175D3DCCD1}">
+              <a14:hiddenFill xmlns:a14="http://schemas.microsoft.com/office/drawing/2010/main">
+                <a:solidFill>
+                  <a:schemeClr val="accent1"/>
+                </a:solidFill>
+              </a14:hiddenFill>
+            </a:ext>
+            <a:ext uri="{91240B29-F687-4F45-9708-019B960494DF}">
+              <a14:hiddenLine xmlns:a14="http://schemas.microsoft.com/office/drawing/2010/main" w="9525">
+                <a:solidFill>
+                  <a:schemeClr val="tx1"/>
+                </a:solidFill>
+                <a:miter lim="800000"/>
+                <a:headEnd/>
+                <a:tailEnd/>
+              </a14:hiddenLine>
+            </a:ext>
+          </a:extLst>
+        </p:spPr>
+      </p:pic>
+      <p:sp>
+        <p:nvSpPr>
+          <p:cNvPr id="11" name="Yuvarlatılmış Dikdörtgen 10">
+            <a:hlinkClick r:id="rId4" action="ppaction://hlinksldjump"/>
+          </p:cNvPr>
+          <p:cNvSpPr/>
+          <p:nvPr/>
+        </p:nvSpPr>
+        <p:spPr>
+          <a:xfrm>
+            <a:off x="733417" y="5085184"/>
+            <a:ext cx="900000" cy="648072"/>
+          </a:xfrm>
+          <a:prstGeom prst="roundRect">
+            <a:avLst/>
+          </a:prstGeom>
+          <a:solidFill>
+            <a:schemeClr val="bg1">
+              <a:lumMod val="95000"/>
+            </a:schemeClr>
+          </a:solidFill>
+          <a:ln>
+            <a:solidFill>
+              <a:srgbClr val="C00000"/>
+            </a:solidFill>
+          </a:ln>
+          <a:effectLst>
+            <a:outerShdw blurRad="50800" dist="38100" dir="2700000" algn="tl" rotWithShape="0">
+              <a:prstClr val="black">
+                <a:alpha val="40000"/>
+              </a:prstClr>
+            </a:outerShdw>
+            <a:reflection blurRad="6350" stA="52000" endA="300" endPos="35000" dir="5400000" sy="-100000" algn="bl" rotWithShape="0"/>
+          </a:effectLst>
+          <a:scene3d>
+            <a:camera prst="orthographicFront"/>
+            <a:lightRig rig="threePt" dir="t"/>
+          </a:scene3d>
+          <a:sp3d prstMaterial="matte">
+            <a:bevelT/>
+            <a:bevelB/>
+          </a:sp3d>
+        </p:spPr>
+        <p:style>
+          <a:lnRef idx="2">
+            <a:schemeClr val="accent1">
+              <a:shade val="50000"/>
+            </a:schemeClr>
+          </a:lnRef>
+          <a:fillRef idx="1">
+            <a:schemeClr val="accent1"/>
+          </a:fillRef>
+          <a:effectRef idx="0">
+            <a:schemeClr val="accent1"/>
+          </a:effectRef>
+          <a:fontRef idx="minor">
+            <a:schemeClr val="lt1"/>
+          </a:fontRef>
+        </p:style>
+        <p:txBody>
+          <a:bodyPr rtlCol="0" anchor="ctr"/>
+          <a:lstStyle/>
+          <a:p>
+            <a:pPr algn="ctr"/>
+            <a:r>
+              <a:rPr lang="en-US" sz="1100" b="1" dirty="0">
+                <a:solidFill>
+                  <a:srgbClr val="C00000"/>
+                </a:solidFill>
+                <a:latin typeface="Corbel" panose="020B0503020204020204" pitchFamily="34" charset="0"/>
+              </a:rPr>
+              <a:t>Bread</a:t>
+            </a:r>
+          </a:p>
+        </p:txBody>
+      </p:sp>
+      <p:sp>
+        <p:nvSpPr>
+          <p:cNvPr id="12" name="Yuvarlatılmış Dikdörtgen 11"/>
+          <p:cNvSpPr/>
+          <p:nvPr/>
+        </p:nvSpPr>
+        <p:spPr>
+          <a:xfrm>
+            <a:off x="1911637" y="5085184"/>
+            <a:ext cx="900000" cy="648072"/>
+          </a:xfrm>
+          <a:prstGeom prst="roundRect">
+            <a:avLst/>
+          </a:prstGeom>
+          <a:solidFill>
+            <a:schemeClr val="bg1">
+              <a:lumMod val="95000"/>
+            </a:schemeClr>
+          </a:solidFill>
+          <a:ln>
+            <a:noFill/>
+          </a:ln>
+          <a:effectLst/>
+          <a:scene3d>
+            <a:camera prst="orthographicFront"/>
+            <a:lightRig rig="threePt" dir="t"/>
+          </a:scene3d>
+          <a:sp3d prstMaterial="matte">
+            <a:bevelT w="12700"/>
+            <a:bevelB/>
+          </a:sp3d>
+        </p:spPr>
+        <p:style>
+          <a:lnRef idx="2">
+            <a:schemeClr val="accent1">
+              <a:shade val="50000"/>
+            </a:schemeClr>
+          </a:lnRef>
+          <a:fillRef idx="1">
+            <a:schemeClr val="accent1"/>
+          </a:fillRef>
+          <a:effectRef idx="0">
+            <a:schemeClr val="accent1"/>
+          </a:effectRef>
+          <a:fontRef idx="minor">
+            <a:schemeClr val="lt1"/>
+          </a:fontRef>
+        </p:style>
+        <p:txBody>
+          <a:bodyPr rtlCol="0" anchor="ctr"/>
+          <a:lstStyle/>
+          <a:p>
+            <a:pPr algn="ctr"/>
+            <a:r>
+              <a:rPr lang="en-US" sz="1100" dirty="0">
+                <a:solidFill>
+                  <a:schemeClr val="tx1"/>
+                </a:solidFill>
+                <a:latin typeface="Corbel" panose="020B0503020204020204" pitchFamily="34" charset="0"/>
+              </a:rPr>
+              <a:t>Bread (Pita)</a:t>
+            </a:r>
+          </a:p>
+        </p:txBody>
+      </p:sp>
+      <p:sp>
+        <p:nvSpPr>
+          <p:cNvPr id="13" name="Yuvarlatılmış Dikdörtgen 12"/>
+          <p:cNvSpPr/>
+          <p:nvPr/>
+        </p:nvSpPr>
+        <p:spPr>
+          <a:xfrm>
+            <a:off x="3089857" y="5085184"/>
+            <a:ext cx="900000" cy="648072"/>
+          </a:xfrm>
+          <a:prstGeom prst="roundRect">
+            <a:avLst/>
+          </a:prstGeom>
+          <a:solidFill>
+            <a:schemeClr val="bg1">
+              <a:lumMod val="95000"/>
+            </a:schemeClr>
+          </a:solidFill>
+          <a:ln>
+            <a:noFill/>
+          </a:ln>
+          <a:effectLst/>
+          <a:scene3d>
+            <a:camera prst="orthographicFront"/>
+            <a:lightRig rig="threePt" dir="t"/>
+          </a:scene3d>
+          <a:sp3d prstMaterial="matte">
+            <a:bevelT w="12700"/>
+            <a:bevelB/>
+          </a:sp3d>
+        </p:spPr>
+        <p:style>
+          <a:lnRef idx="2">
+            <a:schemeClr val="accent1">
+              <a:shade val="50000"/>
+            </a:schemeClr>
+          </a:lnRef>
+          <a:fillRef idx="1">
+            <a:schemeClr val="accent1"/>
+          </a:fillRef>
+          <a:effectRef idx="0">
+            <a:schemeClr val="accent1"/>
+          </a:effectRef>
+          <a:fontRef idx="minor">
+            <a:schemeClr val="lt1"/>
+          </a:fontRef>
+        </p:style>
+        <p:txBody>
+          <a:bodyPr rtlCol="0" anchor="ctr"/>
+          <a:lstStyle/>
+          <a:p>
+            <a:pPr algn="ctr"/>
+            <a:r>
+              <a:rPr lang="en-US" sz="1100" dirty="0">
+                <a:solidFill>
+                  <a:schemeClr val="tx1"/>
+                </a:solidFill>
+                <a:latin typeface="Corbel" panose="020B0503020204020204" pitchFamily="34" charset="0"/>
+              </a:rPr>
+              <a:t>Bulgur</a:t>
+            </a:r>
+          </a:p>
+        </p:txBody>
+      </p:sp>
+      <p:sp>
+        <p:nvSpPr>
+          <p:cNvPr id="14" name="Yuvarlatılmış Dikdörtgen 13"/>
+          <p:cNvSpPr/>
+          <p:nvPr/>
+        </p:nvSpPr>
+        <p:spPr>
+          <a:xfrm>
+            <a:off x="4268077" y="5085184"/>
+            <a:ext cx="900000" cy="648072"/>
+          </a:xfrm>
+          <a:prstGeom prst="roundRect">
+            <a:avLst/>
+          </a:prstGeom>
+          <a:solidFill>
+            <a:schemeClr val="bg1">
+              <a:lumMod val="95000"/>
+            </a:schemeClr>
+          </a:solidFill>
+          <a:ln>
+            <a:noFill/>
+          </a:ln>
+          <a:effectLst/>
+          <a:scene3d>
+            <a:camera prst="orthographicFront"/>
+            <a:lightRig rig="threePt" dir="t"/>
+          </a:scene3d>
+          <a:sp3d prstMaterial="matte">
+            <a:bevelT w="12700"/>
+            <a:bevelB/>
+          </a:sp3d>
+        </p:spPr>
+        <p:style>
+          <a:lnRef idx="2">
+            <a:schemeClr val="accent1">
+              <a:shade val="50000"/>
+            </a:schemeClr>
+          </a:lnRef>
+          <a:fillRef idx="1">
+            <a:schemeClr val="accent1"/>
+          </a:fillRef>
+          <a:effectRef idx="0">
+            <a:schemeClr val="accent1"/>
+          </a:effectRef>
+          <a:fontRef idx="minor">
+            <a:schemeClr val="lt1"/>
+          </a:fontRef>
+        </p:style>
+        <p:txBody>
+          <a:bodyPr rtlCol="0" anchor="ctr"/>
+          <a:lstStyle/>
+          <a:p>
+            <a:pPr algn="ctr"/>
+            <a:r>
+              <a:rPr lang="en-US" sz="1100" dirty="0">
+                <a:solidFill>
+                  <a:schemeClr val="tx1"/>
+                </a:solidFill>
+                <a:latin typeface="Corbel" panose="020B0503020204020204" pitchFamily="34" charset="0"/>
+              </a:rPr>
+              <a:t>Pasta</a:t>
+            </a:r>
+          </a:p>
+        </p:txBody>
+      </p:sp>
+      <p:sp>
+        <p:nvSpPr>
+          <p:cNvPr id="15" name="Yuvarlatılmış Dikdörtgen 14"/>
+          <p:cNvSpPr/>
+          <p:nvPr/>
+        </p:nvSpPr>
+        <p:spPr>
+          <a:xfrm>
+            <a:off x="5446297" y="5085184"/>
+            <a:ext cx="900000" cy="648072"/>
+          </a:xfrm>
+          <a:prstGeom prst="roundRect">
+            <a:avLst/>
+          </a:prstGeom>
+          <a:solidFill>
+            <a:schemeClr val="bg1">
+              <a:lumMod val="95000"/>
+            </a:schemeClr>
+          </a:solidFill>
+          <a:ln>
+            <a:noFill/>
+          </a:ln>
+          <a:effectLst/>
+          <a:scene3d>
+            <a:camera prst="orthographicFront"/>
+            <a:lightRig rig="threePt" dir="t"/>
+          </a:scene3d>
+          <a:sp3d prstMaterial="matte">
+            <a:bevelT w="12700"/>
+            <a:bevelB/>
+          </a:sp3d>
+        </p:spPr>
+        <p:style>
+          <a:lnRef idx="2">
+            <a:schemeClr val="accent1">
+              <a:shade val="50000"/>
+            </a:schemeClr>
+          </a:lnRef>
+          <a:fillRef idx="1">
+            <a:schemeClr val="accent1"/>
+          </a:fillRef>
+          <a:effectRef idx="0">
+            <a:schemeClr val="accent1"/>
+          </a:effectRef>
+          <a:fontRef idx="minor">
+            <a:schemeClr val="lt1"/>
+          </a:fontRef>
+        </p:style>
+        <p:txBody>
+          <a:bodyPr rtlCol="0" anchor="ctr"/>
+          <a:lstStyle/>
+          <a:p>
+            <a:pPr algn="ctr"/>
+            <a:r>
+              <a:rPr lang="en-US" sz="1100" dirty="0">
+                <a:solidFill>
+                  <a:schemeClr val="tx1"/>
+                </a:solidFill>
+                <a:latin typeface="Corbel" panose="020B0503020204020204" pitchFamily="34" charset="0"/>
+              </a:rPr>
+              <a:t>Potatoes</a:t>
+            </a:r>
+          </a:p>
+        </p:txBody>
+      </p:sp>
+      <p:sp>
+        <p:nvSpPr>
+          <p:cNvPr id="16" name="Yuvarlatılmış Dikdörtgen 15"/>
+          <p:cNvSpPr/>
+          <p:nvPr/>
+        </p:nvSpPr>
+        <p:spPr>
+          <a:xfrm>
+            <a:off x="6624517" y="5085184"/>
+            <a:ext cx="900000" cy="648072"/>
+          </a:xfrm>
+          <a:prstGeom prst="roundRect">
+            <a:avLst/>
+          </a:prstGeom>
+          <a:solidFill>
+            <a:schemeClr val="bg1">
+              <a:lumMod val="95000"/>
+            </a:schemeClr>
+          </a:solidFill>
+          <a:ln>
+            <a:solidFill>
+              <a:srgbClr val="C00000"/>
+            </a:solidFill>
+          </a:ln>
+          <a:effectLst>
+            <a:outerShdw blurRad="50800" dist="38100" dir="2700000" algn="tl" rotWithShape="0">
+              <a:prstClr val="black">
+                <a:alpha val="40000"/>
+              </a:prstClr>
+            </a:outerShdw>
+            <a:reflection blurRad="6350" stA="52000" endA="300" endPos="35000" dir="5400000" sy="-100000" algn="bl" rotWithShape="0"/>
+          </a:effectLst>
+          <a:scene3d>
+            <a:camera prst="orthographicFront"/>
+            <a:lightRig rig="threePt" dir="t"/>
+          </a:scene3d>
+          <a:sp3d prstMaterial="matte">
+            <a:bevelT/>
+            <a:bevelB/>
+          </a:sp3d>
+        </p:spPr>
+        <p:style>
+          <a:lnRef idx="2">
+            <a:schemeClr val="accent1">
+              <a:shade val="50000"/>
+            </a:schemeClr>
+          </a:lnRef>
+          <a:fillRef idx="1">
+            <a:schemeClr val="accent1"/>
+          </a:fillRef>
+          <a:effectRef idx="0">
+            <a:schemeClr val="accent1"/>
+          </a:effectRef>
+          <a:fontRef idx="minor">
+            <a:schemeClr val="lt1"/>
+          </a:fontRef>
+        </p:style>
+        <p:txBody>
+          <a:bodyPr rtlCol="0" anchor="ctr"/>
+          <a:lstStyle/>
+          <a:p>
+            <a:pPr algn="ctr"/>
+            <a:r>
+              <a:rPr lang="en-US" sz="1100" b="1" dirty="0">
+                <a:solidFill>
+                  <a:srgbClr val="C00000"/>
+                </a:solidFill>
+                <a:latin typeface="Corbel" panose="020B0503020204020204" pitchFamily="34" charset="0"/>
+              </a:rPr>
+              <a:t>Rice</a:t>
+            </a:r>
+          </a:p>
+        </p:txBody>
+      </p:sp>
+      <p:sp>
+        <p:nvSpPr>
+          <p:cNvPr id="17" name="Yuvarlatılmış Dikdörtgen 16"/>
+          <p:cNvSpPr/>
+          <p:nvPr/>
+        </p:nvSpPr>
+        <p:spPr>
+          <a:xfrm>
+            <a:off x="7802734" y="5085184"/>
+            <a:ext cx="900000" cy="648072"/>
+          </a:xfrm>
+          <a:prstGeom prst="roundRect">
+            <a:avLst/>
+          </a:prstGeom>
+          <a:solidFill>
+            <a:schemeClr val="bg1">
+              <a:lumMod val="95000"/>
+            </a:schemeClr>
+          </a:solidFill>
+          <a:ln>
+            <a:noFill/>
+          </a:ln>
+          <a:effectLst/>
+          <a:scene3d>
+            <a:camera prst="orthographicFront"/>
+            <a:lightRig rig="threePt" dir="t"/>
+          </a:scene3d>
+          <a:sp3d prstMaterial="matte">
+            <a:bevelT w="12700"/>
+            <a:bevelB/>
+          </a:sp3d>
+        </p:spPr>
+        <p:style>
+          <a:lnRef idx="2">
+            <a:schemeClr val="accent1">
+              <a:shade val="50000"/>
+            </a:schemeClr>
+          </a:lnRef>
+          <a:fillRef idx="1">
+            <a:schemeClr val="accent1"/>
+          </a:fillRef>
+          <a:effectRef idx="0">
+            <a:schemeClr val="accent1"/>
+          </a:effectRef>
+          <a:fontRef idx="minor">
+            <a:schemeClr val="lt1"/>
+          </a:fontRef>
+        </p:style>
+        <p:txBody>
+          <a:bodyPr rtlCol="0" anchor="ctr"/>
+          <a:lstStyle/>
+          <a:p>
+            <a:pPr algn="ctr"/>
+            <a:r>
+              <a:rPr lang="en-US" sz="1100" dirty="0">
+                <a:solidFill>
+                  <a:schemeClr val="tx1"/>
+                </a:solidFill>
+                <a:latin typeface="Corbel" panose="020B0503020204020204" pitchFamily="34" charset="0"/>
+              </a:rPr>
+              <a:t>Wheat Flour</a:t>
+            </a:r>
+          </a:p>
+        </p:txBody>
+      </p:sp>
+      <p:pic>
+        <p:nvPicPr>
+          <p:cNvPr id="18" name="Resim 17" descr="Ekran Kırpma"/>
+          <p:cNvPicPr>
+            <a:picLocks noChangeAspect="1"/>
+          </p:cNvPicPr>
+          <p:nvPr/>
+        </p:nvPicPr>
+        <p:blipFill>
+          <a:blip r:embed="rId5">
+            <a:extLst>
+              <a:ext uri="{28A0092B-C50C-407E-A947-70E740481C1C}">
+                <a14:useLocalDpi xmlns:a14="http://schemas.microsoft.com/office/drawing/2010/main" val="0"/>
+              </a:ext>
+            </a:extLst>
+          </a:blip>
+          <a:stretch>
+            <a:fillRect/>
+          </a:stretch>
+        </p:blipFill>
+        <p:spPr>
+          <a:xfrm>
+            <a:off x="1043608" y="252220"/>
+            <a:ext cx="6895005" cy="4851803"/>
+          </a:xfrm>
+          <a:prstGeom prst="rect">
+            <a:avLst/>
+          </a:prstGeom>
+          <a:ln w="228600" cap="sq" cmpd="thickThin">
+            <a:solidFill>
+              <a:srgbClr val="000000"/>
+            </a:solidFill>
+            <a:prstDash val="solid"/>
+            <a:miter lim="800000"/>
+          </a:ln>
+          <a:effectLst>
+            <a:innerShdw blurRad="76200">
+              <a:srgbClr val="000000"/>
+            </a:innerShdw>
+          </a:effectLst>
+        </p:spPr>
+      </p:pic>
+      <p:sp>
+        <p:nvSpPr>
+          <p:cNvPr id="3" name="Metin kutusu 2"/>
+          <p:cNvSpPr txBox="1"/>
+          <p:nvPr/>
+        </p:nvSpPr>
+        <p:spPr>
+          <a:xfrm>
+            <a:off x="334276" y="6134524"/>
+            <a:ext cx="1654684" cy="369332"/>
+          </a:xfrm>
+          <a:prstGeom prst="rect">
+            <a:avLst/>
+          </a:prstGeom>
+          <a:noFill/>
+        </p:spPr>
+        <p:txBody>
+          <a:bodyPr wrap="none" rtlCol="0">
+            <a:spAutoFit/>
+          </a:bodyPr>
+          <a:lstStyle/>
+          <a:p>
+            <a:r>
+              <a:rPr lang="tr-TR" b="1" dirty="0">
+                <a:solidFill>
+                  <a:srgbClr val="C00000"/>
+                </a:solidFill>
+              </a:rPr>
+              <a:t>Exchange </a:t>
+            </a:r>
+            <a:r>
+              <a:rPr lang="en-US" b="1" dirty="0">
+                <a:solidFill>
+                  <a:srgbClr val="C00000"/>
+                </a:solidFill>
+              </a:rPr>
+              <a:t>Rates</a:t>
+            </a:r>
+          </a:p>
+        </p:txBody>
+      </p:sp>
+      <p:sp>
+        <p:nvSpPr>
+          <p:cNvPr id="20" name="Metin kutusu 19"/>
+          <p:cNvSpPr txBox="1"/>
+          <p:nvPr/>
+        </p:nvSpPr>
+        <p:spPr>
+          <a:xfrm>
+            <a:off x="2578942" y="5996024"/>
+            <a:ext cx="1200970" cy="646331"/>
+          </a:xfrm>
+          <a:prstGeom prst="rect">
+            <a:avLst/>
+          </a:prstGeom>
+          <a:noFill/>
+        </p:spPr>
+        <p:txBody>
+          <a:bodyPr wrap="none" rtlCol="0">
+            <a:spAutoFit/>
+          </a:bodyPr>
+          <a:lstStyle/>
+          <a:p>
+            <a:r>
+              <a:rPr lang="tr-TR" b="1" dirty="0" err="1">
+                <a:solidFill>
+                  <a:srgbClr val="C00000"/>
+                </a:solidFill>
+              </a:rPr>
+              <a:t>Increased</a:t>
+            </a:r>
+            <a:endParaRPr lang="tr-TR" b="1" dirty="0">
+              <a:solidFill>
+                <a:srgbClr val="C00000"/>
+              </a:solidFill>
+            </a:endParaRPr>
+          </a:p>
+          <a:p>
+            <a:r>
+              <a:rPr lang="tr-TR" b="1" dirty="0" err="1">
+                <a:solidFill>
+                  <a:srgbClr val="C00000"/>
+                </a:solidFill>
+              </a:rPr>
+              <a:t>Flour</a:t>
+            </a:r>
+            <a:r>
+              <a:rPr lang="tr-TR" b="1" dirty="0">
+                <a:solidFill>
+                  <a:srgbClr val="C00000"/>
+                </a:solidFill>
+              </a:rPr>
+              <a:t> </a:t>
+            </a:r>
+            <a:r>
+              <a:rPr lang="tr-TR" b="1" dirty="0" err="1">
+                <a:solidFill>
+                  <a:srgbClr val="C00000"/>
+                </a:solidFill>
+              </a:rPr>
+              <a:t>Price</a:t>
+            </a:r>
+            <a:endParaRPr lang="tr-TR" b="1" dirty="0">
+              <a:solidFill>
+                <a:srgbClr val="C00000"/>
+              </a:solidFill>
+            </a:endParaRPr>
+          </a:p>
+        </p:txBody>
+      </p:sp>
+      <p:sp>
+        <p:nvSpPr>
+          <p:cNvPr id="21" name="Metin kutusu 20"/>
+          <p:cNvSpPr txBox="1"/>
+          <p:nvPr/>
+        </p:nvSpPr>
+        <p:spPr>
+          <a:xfrm>
+            <a:off x="5184119" y="6033266"/>
+            <a:ext cx="1207382" cy="646331"/>
+          </a:xfrm>
+          <a:prstGeom prst="rect">
+            <a:avLst/>
+          </a:prstGeom>
+          <a:noFill/>
+        </p:spPr>
+        <p:txBody>
+          <a:bodyPr wrap="none" rtlCol="0">
+            <a:spAutoFit/>
+          </a:bodyPr>
+          <a:lstStyle/>
+          <a:p>
+            <a:r>
+              <a:rPr lang="tr-TR" b="1" dirty="0" err="1">
+                <a:solidFill>
+                  <a:srgbClr val="C00000"/>
+                </a:solidFill>
+              </a:rPr>
+              <a:t>Weather</a:t>
+            </a:r>
+            <a:r>
+              <a:rPr lang="tr-TR" b="1" dirty="0">
+                <a:solidFill>
+                  <a:srgbClr val="C00000"/>
+                </a:solidFill>
+              </a:rPr>
+              <a:t> </a:t>
+            </a:r>
+          </a:p>
+          <a:p>
+            <a:r>
+              <a:rPr lang="tr-TR" b="1" dirty="0" err="1">
+                <a:solidFill>
+                  <a:srgbClr val="C00000"/>
+                </a:solidFill>
+              </a:rPr>
+              <a:t>Conditions</a:t>
+            </a:r>
+            <a:endParaRPr lang="en-US" b="1" dirty="0">
+              <a:solidFill>
+                <a:srgbClr val="C00000"/>
+              </a:solidFill>
+            </a:endParaRPr>
+          </a:p>
+        </p:txBody>
+      </p:sp>
+      <p:sp>
+        <p:nvSpPr>
+          <p:cNvPr id="24" name="Metin kutusu 23"/>
+          <p:cNvSpPr txBox="1"/>
+          <p:nvPr/>
+        </p:nvSpPr>
+        <p:spPr>
+          <a:xfrm>
+            <a:off x="7074517" y="6045504"/>
+            <a:ext cx="1223605" cy="646331"/>
+          </a:xfrm>
+          <a:prstGeom prst="rect">
+            <a:avLst/>
+          </a:prstGeom>
+          <a:noFill/>
+        </p:spPr>
+        <p:txBody>
+          <a:bodyPr wrap="none" rtlCol="0">
+            <a:spAutoFit/>
+          </a:bodyPr>
+          <a:lstStyle/>
+          <a:p>
+            <a:r>
+              <a:rPr lang="tr-TR" b="1" dirty="0" err="1">
+                <a:solidFill>
+                  <a:srgbClr val="C00000"/>
+                </a:solidFill>
+              </a:rPr>
+              <a:t>Decreased</a:t>
+            </a:r>
+            <a:r>
+              <a:rPr lang="tr-TR" b="1" dirty="0">
+                <a:solidFill>
+                  <a:srgbClr val="C00000"/>
+                </a:solidFill>
+              </a:rPr>
+              <a:t> </a:t>
+            </a:r>
+          </a:p>
+          <a:p>
+            <a:r>
+              <a:rPr lang="tr-TR" b="1" dirty="0" err="1">
+                <a:solidFill>
+                  <a:srgbClr val="C00000"/>
+                </a:solidFill>
+              </a:rPr>
+              <a:t>Supply</a:t>
+            </a:r>
+            <a:endParaRPr lang="en-US" b="1" dirty="0">
+              <a:solidFill>
+                <a:srgbClr val="C00000"/>
+              </a:solidFill>
+            </a:endParaRPr>
+          </a:p>
+        </p:txBody>
+      </p:sp>
+      <p:cxnSp>
+        <p:nvCxnSpPr>
+          <p:cNvPr id="31" name="Eğri Bağlayıcı 30"/>
+          <p:cNvCxnSpPr>
+            <a:cxnSpLocks/>
+          </p:cNvCxnSpPr>
+          <p:nvPr/>
+        </p:nvCxnSpPr>
+        <p:spPr>
+          <a:xfrm>
+            <a:off x="1976311" y="6319189"/>
+            <a:ext cx="602631" cy="2478"/>
+          </a:xfrm>
+          <a:prstGeom prst="curvedConnector3">
+            <a:avLst>
+              <a:gd name="adj1" fmla="val 50000"/>
+            </a:avLst>
+          </a:prstGeom>
+          <a:ln w="57150">
+            <a:prstDash val="sysDot"/>
+            <a:tailEnd type="arrow"/>
+          </a:ln>
+        </p:spPr>
+        <p:style>
+          <a:lnRef idx="1">
+            <a:schemeClr val="accent1"/>
+          </a:lnRef>
+          <a:fillRef idx="0">
+            <a:schemeClr val="accent1"/>
+          </a:fillRef>
+          <a:effectRef idx="0">
+            <a:schemeClr val="accent1"/>
+          </a:effectRef>
+          <a:fontRef idx="minor">
+            <a:schemeClr val="tx1"/>
+          </a:fontRef>
+        </p:style>
+      </p:cxnSp>
+      <p:cxnSp>
+        <p:nvCxnSpPr>
+          <p:cNvPr id="36" name="Eğri Bağlayıcı 30">
+            <a:extLst>
+              <a:ext uri="{FF2B5EF4-FFF2-40B4-BE49-F238E27FC236}">
+                <a16:creationId xmlns:a16="http://schemas.microsoft.com/office/drawing/2014/main" id="{09554AC6-1CF5-45F9-AB88-29C5E42884A2}"/>
+              </a:ext>
+            </a:extLst>
+          </p:cNvPr>
+          <p:cNvCxnSpPr>
+            <a:cxnSpLocks/>
+          </p:cNvCxnSpPr>
+          <p:nvPr/>
+        </p:nvCxnSpPr>
+        <p:spPr>
+          <a:xfrm>
+            <a:off x="6418292" y="6368670"/>
+            <a:ext cx="602631" cy="2478"/>
+          </a:xfrm>
+          <a:prstGeom prst="curvedConnector3">
+            <a:avLst>
+              <a:gd name="adj1" fmla="val 50000"/>
+            </a:avLst>
+          </a:prstGeom>
+          <a:ln w="57150">
+            <a:prstDash val="sysDot"/>
+            <a:tailEnd type="arrow"/>
+          </a:ln>
+        </p:spPr>
+        <p:style>
+          <a:lnRef idx="1">
+            <a:schemeClr val="accent1"/>
+          </a:lnRef>
+          <a:fillRef idx="0">
+            <a:schemeClr val="accent1"/>
+          </a:fillRef>
+          <a:effectRef idx="0">
+            <a:schemeClr val="accent1"/>
+          </a:effectRef>
+          <a:fontRef idx="minor">
+            <a:schemeClr val="tx1"/>
+          </a:fontRef>
+        </p:style>
+      </p:cxnSp>
+      <p:sp>
+        <p:nvSpPr>
+          <p:cNvPr id="37" name="Dikdörtgen: Yuvarlatılmış Köşeler 36">
+            <a:extLst>
+              <a:ext uri="{FF2B5EF4-FFF2-40B4-BE49-F238E27FC236}">
+                <a16:creationId xmlns:a16="http://schemas.microsoft.com/office/drawing/2014/main" id="{8CF3FB91-8CAB-492A-BEAE-F8FDE05FA297}"/>
+              </a:ext>
+            </a:extLst>
+          </p:cNvPr>
+          <p:cNvSpPr/>
+          <p:nvPr/>
+        </p:nvSpPr>
+        <p:spPr>
+          <a:xfrm>
+            <a:off x="157252" y="6017051"/>
+            <a:ext cx="3832603" cy="604275"/>
+          </a:xfrm>
+          <a:prstGeom prst="roundRect">
+            <a:avLst/>
+          </a:prstGeom>
+          <a:noFill/>
+          <a:ln>
+            <a:solidFill>
+              <a:schemeClr val="tx2"/>
+            </a:solidFill>
+          </a:ln>
+        </p:spPr>
+        <p:style>
+          <a:lnRef idx="2">
+            <a:schemeClr val="accent1">
+              <a:shade val="50000"/>
+            </a:schemeClr>
+          </a:lnRef>
+          <a:fillRef idx="1">
+            <a:schemeClr val="accent1"/>
+          </a:fillRef>
+          <a:effectRef idx="0">
+            <a:schemeClr val="accent1"/>
+          </a:effectRef>
+          <a:fontRef idx="minor">
+            <a:schemeClr val="lt1"/>
+          </a:fontRef>
+        </p:style>
+        <p:txBody>
+          <a:bodyPr rtlCol="0" anchor="ctr"/>
+          <a:lstStyle/>
+          <a:p>
+            <a:pPr algn="ctr"/>
+            <a:endParaRPr lang="tr-TR"/>
+          </a:p>
+        </p:txBody>
+      </p:sp>
+      <p:sp>
+        <p:nvSpPr>
+          <p:cNvPr id="38" name="Dikdörtgen: Yuvarlatılmış Köşeler 37">
+            <a:extLst>
+              <a:ext uri="{FF2B5EF4-FFF2-40B4-BE49-F238E27FC236}">
+                <a16:creationId xmlns:a16="http://schemas.microsoft.com/office/drawing/2014/main" id="{7D321041-4EB7-4399-8108-BA67B692807E}"/>
+              </a:ext>
+            </a:extLst>
+          </p:cNvPr>
+          <p:cNvSpPr/>
+          <p:nvPr/>
+        </p:nvSpPr>
+        <p:spPr>
+          <a:xfrm>
+            <a:off x="5000632" y="6058224"/>
+            <a:ext cx="3387792" cy="604275"/>
+          </a:xfrm>
+          <a:prstGeom prst="roundRect">
+            <a:avLst/>
+          </a:prstGeom>
+          <a:noFill/>
+          <a:ln>
+            <a:solidFill>
+              <a:schemeClr val="tx2"/>
+            </a:solidFill>
+          </a:ln>
+        </p:spPr>
+        <p:style>
+          <a:lnRef idx="2">
+            <a:schemeClr val="accent1">
+              <a:shade val="50000"/>
+            </a:schemeClr>
+          </a:lnRef>
+          <a:fillRef idx="1">
+            <a:schemeClr val="accent1"/>
+          </a:fillRef>
+          <a:effectRef idx="0">
+            <a:schemeClr val="accent1"/>
+          </a:effectRef>
+          <a:fontRef idx="minor">
+            <a:schemeClr val="lt1"/>
+          </a:fontRef>
+        </p:style>
+        <p:txBody>
+          <a:bodyPr rtlCol="0" anchor="ctr"/>
+          <a:lstStyle/>
+          <a:p>
+            <a:pPr algn="ctr"/>
+            <a:endParaRPr lang="tr-TR"/>
+          </a:p>
+        </p:txBody>
+      </p:sp>
+    </p:spTree>
+    <p:extLst>
+      <p:ext uri="{BB962C8B-B14F-4D97-AF65-F5344CB8AC3E}">
+        <p14:creationId xmlns:p14="http://schemas.microsoft.com/office/powerpoint/2010/main" val="2367583352"/>
+      </p:ext>
+    </p:extLst>
+  </p:cSld>
+  <p:clrMapOvr>
+    <a:masterClrMapping/>
+  </p:clrMapOvr>
   <p:timing>
     <p:tnLst>
       <p:par>
-        <p:cTn id="1" dur="indefinite" restart="never" nodeType="tmRoot"/>
+        <p:cTn id="1" dur="indefinite" restart="never" nodeType="tmRoot">
+          <p:childTnLst>
+            <p:seq concurrent="1" nextAc="seek">
+              <p:cTn id="2" restart="whenNotActive" fill="hold" evtFilter="cancelBubble" nodeType="interactiveSeq">
+                <p:stCondLst>
+                  <p:cond evt="onClick" delay="0">
+                    <p:tgtEl>
+                      <p:spTgt spid="11"/>
+                    </p:tgtEl>
+                  </p:cond>
+                </p:stCondLst>
+                <p:endSync evt="end" delay="0">
+                  <p:rtn val="all"/>
+                </p:endSync>
+                <p:childTnLst>
+                  <p:par>
+                    <p:cTn id="3" fill="hold">
+                      <p:stCondLst>
+                        <p:cond delay="0"/>
+                      </p:stCondLst>
+                      <p:childTnLst>
+                        <p:par>
+                          <p:cTn id="4" fill="hold">
+                            <p:stCondLst>
+                              <p:cond delay="0"/>
+                            </p:stCondLst>
+                            <p:childTnLst>
+                              <p:par>
+                                <p:cTn id="5" presetID="1" presetClass="entr" presetSubtype="0" fill="hold" nodeType="clickEffect">
+                                  <p:stCondLst>
+                                    <p:cond delay="0"/>
+                                  </p:stCondLst>
+                                  <p:childTnLst>
+                                    <p:set>
+                                      <p:cBhvr>
+                                        <p:cTn id="6" dur="1" fill="hold">
+                                          <p:stCondLst>
+                                            <p:cond delay="0"/>
+                                          </p:stCondLst>
+                                        </p:cTn>
+                                        <p:tgtEl>
+                                          <p:spTgt spid="18"/>
+                                        </p:tgtEl>
+                                        <p:attrNameLst>
+                                          <p:attrName>style.visibility</p:attrName>
+                                        </p:attrNameLst>
+                                      </p:cBhvr>
+                                      <p:to>
+                                        <p:strVal val="visible"/>
+                                      </p:to>
+                                    </p:set>
+                                  </p:childTnLst>
+                                  <p:subTnLst>
+                                    <p:set>
+                                      <p:cBhvr override="childStyle">
+                                        <p:cTn dur="1" fill="hold" display="0" masterRel="nextClick" afterEffect="1"/>
+                                        <p:tgtEl>
+                                          <p:spTgt spid="18"/>
+                                        </p:tgtEl>
+                                        <p:attrNameLst>
+                                          <p:attrName>style.visibility</p:attrName>
+                                        </p:attrNameLst>
+                                      </p:cBhvr>
+                                      <p:to>
+                                        <p:strVal val="hidden"/>
+                                      </p:to>
+                                    </p:set>
+                                  </p:subTnLst>
+                                </p:cTn>
+                              </p:par>
+                            </p:childTnLst>
+                          </p:cTn>
+                        </p:par>
+                      </p:childTnLst>
+                    </p:cTn>
+                  </p:par>
+                </p:childTnLst>
+              </p:cTn>
+              <p:nextCondLst>
+                <p:cond evt="onClick" delay="0">
+                  <p:tgtEl>
+                    <p:spTgt spid="11"/>
+                  </p:tgtEl>
+                </p:cond>
+              </p:nextCondLst>
+            </p:seq>
+          </p:childTnLst>
+        </p:cTn>
       </p:par>
     </p:tnLst>
   </p:timing>
 </p:sld>
 </file>
 
-<file path=ppt/slides/slide4.xml><?xml version="1.0" encoding="utf-8"?>
+<file path=ppt/slides/slide5.xml><?xml version="1.0" encoding="utf-8"?>
+<p:sld xmlns:a="http://schemas.openxmlformats.org/drawingml/2006/main" xmlns:r="http://schemas.openxmlformats.org/officeDocument/2006/relationships" xmlns:p="http://schemas.openxmlformats.org/presentationml/2006/main">
+  <p:cSld>
+    <p:spTree>
+      <p:nvGrpSpPr>
+        <p:cNvPr id="1" name=""/>
+        <p:cNvGrpSpPr/>
+        <p:nvPr/>
+      </p:nvGrpSpPr>
+      <p:grpSpPr>
+        <a:xfrm>
+          <a:off x="0" y="0"/>
+          <a:ext cx="0" cy="0"/>
+          <a:chOff x="0" y="0"/>
+          <a:chExt cx="0" cy="0"/>
+        </a:xfrm>
+      </p:grpSpPr>
+      <p:pic>
+        <p:nvPicPr>
+          <p:cNvPr id="4" name="Resim 3" descr="Ekran Kırpma"/>
+          <p:cNvPicPr>
+            <a:picLocks noChangeAspect="1"/>
+          </p:cNvPicPr>
+          <p:nvPr/>
+        </p:nvPicPr>
+        <p:blipFill rotWithShape="1">
+          <a:blip r:embed="rId2">
+            <a:extLst>
+              <a:ext uri="{28A0092B-C50C-407E-A947-70E740481C1C}">
+                <a14:useLocalDpi xmlns:a14="http://schemas.microsoft.com/office/drawing/2010/main" val="0"/>
+              </a:ext>
+            </a:extLst>
+          </a:blip>
+          <a:srcRect t="1596" r="12358" b="36049"/>
+          <a:stretch/>
+        </p:blipFill>
+        <p:spPr>
+          <a:xfrm>
+            <a:off x="133178" y="1160060"/>
+            <a:ext cx="8687294" cy="4193752"/>
+          </a:xfrm>
+          <a:prstGeom prst="rect">
+            <a:avLst/>
+          </a:prstGeom>
+        </p:spPr>
+      </p:pic>
+      <p:sp>
+        <p:nvSpPr>
+          <p:cNvPr id="5" name="Dikdörtgen 4"/>
+          <p:cNvSpPr/>
+          <p:nvPr/>
+        </p:nvSpPr>
+        <p:spPr>
+          <a:xfrm>
+            <a:off x="539552" y="188640"/>
+            <a:ext cx="4589141" cy="369332"/>
+          </a:xfrm>
+          <a:prstGeom prst="rect">
+            <a:avLst/>
+          </a:prstGeom>
+        </p:spPr>
+        <p:txBody>
+          <a:bodyPr wrap="none">
+            <a:spAutoFit/>
+          </a:bodyPr>
+          <a:lstStyle/>
+          <a:p>
+            <a:r>
+              <a:rPr lang="en-US" b="1" dirty="0">
+                <a:solidFill>
+                  <a:schemeClr val="tx2"/>
+                </a:solidFill>
+                <a:latin typeface="Corbel" panose="020B0503020204020204" pitchFamily="34" charset="0"/>
+              </a:rPr>
+              <a:t>Yearly Average Price for Meat, Fish and Eggs</a:t>
+            </a:r>
+          </a:p>
+        </p:txBody>
+      </p:sp>
+      <p:cxnSp>
+        <p:nvCxnSpPr>
+          <p:cNvPr id="6" name="Düz Bağlayıcı 5"/>
+          <p:cNvCxnSpPr/>
+          <p:nvPr/>
+        </p:nvCxnSpPr>
+        <p:spPr>
+          <a:xfrm>
+            <a:off x="179512" y="116632"/>
+            <a:ext cx="0" cy="522972"/>
+          </a:xfrm>
+          <a:prstGeom prst="line">
+            <a:avLst/>
+          </a:prstGeom>
+          <a:ln w="38100"/>
+        </p:spPr>
+        <p:style>
+          <a:lnRef idx="1">
+            <a:schemeClr val="accent1"/>
+          </a:lnRef>
+          <a:fillRef idx="0">
+            <a:schemeClr val="accent1"/>
+          </a:fillRef>
+          <a:effectRef idx="0">
+            <a:schemeClr val="accent1"/>
+          </a:effectRef>
+          <a:fontRef idx="minor">
+            <a:schemeClr val="tx1"/>
+          </a:fontRef>
+        </p:style>
+      </p:cxnSp>
+      <p:cxnSp>
+        <p:nvCxnSpPr>
+          <p:cNvPr id="7" name="Düz Bağlayıcı 6"/>
+          <p:cNvCxnSpPr/>
+          <p:nvPr/>
+        </p:nvCxnSpPr>
+        <p:spPr>
+          <a:xfrm>
+            <a:off x="395536" y="135548"/>
+            <a:ext cx="0" cy="504056"/>
+          </a:xfrm>
+          <a:prstGeom prst="line">
+            <a:avLst/>
+          </a:prstGeom>
+        </p:spPr>
+        <p:style>
+          <a:lnRef idx="1">
+            <a:schemeClr val="accent1"/>
+          </a:lnRef>
+          <a:fillRef idx="0">
+            <a:schemeClr val="accent1"/>
+          </a:fillRef>
+          <a:effectRef idx="0">
+            <a:schemeClr val="accent1"/>
+          </a:effectRef>
+          <a:fontRef idx="minor">
+            <a:schemeClr val="tx1"/>
+          </a:fontRef>
+        </p:style>
+      </p:cxnSp>
+      <p:pic>
+        <p:nvPicPr>
+          <p:cNvPr id="8" name="Picture 3"/>
+          <p:cNvPicPr>
+            <a:picLocks noChangeAspect="1" noChangeArrowheads="1"/>
+          </p:cNvPicPr>
+          <p:nvPr/>
+        </p:nvPicPr>
+        <p:blipFill rotWithShape="1">
+          <a:blip r:embed="rId3">
+            <a:extLst>
+              <a:ext uri="{28A0092B-C50C-407E-A947-70E740481C1C}">
+                <a14:useLocalDpi xmlns:a14="http://schemas.microsoft.com/office/drawing/2010/main" val="0"/>
+              </a:ext>
+            </a:extLst>
+          </a:blip>
+          <a:srcRect l="59252" t="39639" r="34295" b="38220"/>
+          <a:stretch/>
+        </p:blipFill>
+        <p:spPr bwMode="auto">
+          <a:xfrm>
+            <a:off x="683568" y="1499870"/>
+            <a:ext cx="1177660" cy="2271712"/>
+          </a:xfrm>
+          <a:prstGeom prst="rect">
+            <a:avLst/>
+          </a:prstGeom>
+          <a:noFill/>
+          <a:ln>
+            <a:noFill/>
+          </a:ln>
+          <a:extLst>
+            <a:ext uri="{909E8E84-426E-40DD-AFC4-6F175D3DCCD1}">
+              <a14:hiddenFill xmlns:a14="http://schemas.microsoft.com/office/drawing/2010/main">
+                <a:solidFill>
+                  <a:schemeClr val="accent1"/>
+                </a:solidFill>
+              </a14:hiddenFill>
+            </a:ext>
+            <a:ext uri="{91240B29-F687-4F45-9708-019B960494DF}">
+              <a14:hiddenLine xmlns:a14="http://schemas.microsoft.com/office/drawing/2010/main" w="9525">
+                <a:solidFill>
+                  <a:schemeClr val="tx1"/>
+                </a:solidFill>
+                <a:miter lim="800000"/>
+                <a:headEnd/>
+                <a:tailEnd/>
+              </a14:hiddenLine>
+            </a:ext>
+          </a:extLst>
+        </p:spPr>
+      </p:pic>
+      <p:sp>
+        <p:nvSpPr>
+          <p:cNvPr id="9" name="Yuvarlatılmış Dikdörtgen 8"/>
+          <p:cNvSpPr/>
+          <p:nvPr/>
+        </p:nvSpPr>
+        <p:spPr>
+          <a:xfrm>
+            <a:off x="1052727" y="5409220"/>
+            <a:ext cx="900000" cy="648072"/>
+          </a:xfrm>
+          <a:prstGeom prst="roundRect">
+            <a:avLst/>
+          </a:prstGeom>
+          <a:solidFill>
+            <a:schemeClr val="bg1">
+              <a:lumMod val="95000"/>
+            </a:schemeClr>
+          </a:solidFill>
+          <a:ln>
+            <a:noFill/>
+          </a:ln>
+          <a:effectLst/>
+          <a:scene3d>
+            <a:camera prst="orthographicFront"/>
+            <a:lightRig rig="threePt" dir="t"/>
+          </a:scene3d>
+          <a:sp3d prstMaterial="matte">
+            <a:bevelT w="12700"/>
+            <a:bevelB/>
+          </a:sp3d>
+        </p:spPr>
+        <p:style>
+          <a:lnRef idx="2">
+            <a:schemeClr val="accent1">
+              <a:shade val="50000"/>
+            </a:schemeClr>
+          </a:lnRef>
+          <a:fillRef idx="1">
+            <a:schemeClr val="accent1"/>
+          </a:fillRef>
+          <a:effectRef idx="0">
+            <a:schemeClr val="accent1"/>
+          </a:effectRef>
+          <a:fontRef idx="minor">
+            <a:schemeClr val="lt1"/>
+          </a:fontRef>
+        </p:style>
+        <p:txBody>
+          <a:bodyPr rtlCol="0" anchor="ctr"/>
+          <a:lstStyle/>
+          <a:p>
+            <a:pPr algn="ctr"/>
+            <a:r>
+              <a:rPr lang="en-US" sz="1100" dirty="0">
+                <a:solidFill>
+                  <a:schemeClr val="tx1"/>
+                </a:solidFill>
+                <a:latin typeface="Corbel" panose="020B0503020204020204" pitchFamily="34" charset="0"/>
+              </a:rPr>
+              <a:t>Eggs</a:t>
+            </a:r>
+          </a:p>
+        </p:txBody>
+      </p:sp>
+      <p:sp>
+        <p:nvSpPr>
+          <p:cNvPr id="10" name="Yuvarlatılmış Dikdörtgen 9"/>
+          <p:cNvSpPr/>
+          <p:nvPr/>
+        </p:nvSpPr>
+        <p:spPr>
+          <a:xfrm>
+            <a:off x="2634623" y="5409220"/>
+            <a:ext cx="900000" cy="648072"/>
+          </a:xfrm>
+          <a:prstGeom prst="roundRect">
+            <a:avLst/>
+          </a:prstGeom>
+          <a:solidFill>
+            <a:schemeClr val="bg1">
+              <a:lumMod val="95000"/>
+            </a:schemeClr>
+          </a:solidFill>
+          <a:ln>
+            <a:solidFill>
+              <a:srgbClr val="C00000"/>
+            </a:solidFill>
+          </a:ln>
+          <a:effectLst>
+            <a:outerShdw blurRad="50800" dist="38100" dir="2700000" algn="tl" rotWithShape="0">
+              <a:prstClr val="black">
+                <a:alpha val="40000"/>
+              </a:prstClr>
+            </a:outerShdw>
+            <a:reflection blurRad="6350" stA="52000" endA="300" endPos="35000" dir="5400000" sy="-100000" algn="bl" rotWithShape="0"/>
+          </a:effectLst>
+          <a:scene3d>
+            <a:camera prst="orthographicFront"/>
+            <a:lightRig rig="threePt" dir="t"/>
+          </a:scene3d>
+          <a:sp3d prstMaterial="matte">
+            <a:bevelT/>
+            <a:bevelB/>
+          </a:sp3d>
+        </p:spPr>
+        <p:style>
+          <a:lnRef idx="2">
+            <a:schemeClr val="accent1">
+              <a:shade val="50000"/>
+            </a:schemeClr>
+          </a:lnRef>
+          <a:fillRef idx="1">
+            <a:schemeClr val="accent1"/>
+          </a:fillRef>
+          <a:effectRef idx="0">
+            <a:schemeClr val="accent1"/>
+          </a:effectRef>
+          <a:fontRef idx="minor">
+            <a:schemeClr val="lt1"/>
+          </a:fontRef>
+        </p:style>
+        <p:txBody>
+          <a:bodyPr rtlCol="0" anchor="ctr"/>
+          <a:lstStyle/>
+          <a:p>
+            <a:pPr algn="ctr"/>
+            <a:r>
+              <a:rPr lang="en-US" sz="1100" b="1" dirty="0">
+                <a:solidFill>
+                  <a:srgbClr val="C00000"/>
+                </a:solidFill>
+                <a:latin typeface="Corbel" panose="020B0503020204020204" pitchFamily="34" charset="0"/>
+              </a:rPr>
+              <a:t>Fish (fresh)</a:t>
+            </a:r>
+          </a:p>
+        </p:txBody>
+      </p:sp>
+      <p:sp>
+        <p:nvSpPr>
+          <p:cNvPr id="11" name="Yuvarlatılmış Dikdörtgen 10"/>
+          <p:cNvSpPr/>
+          <p:nvPr/>
+        </p:nvSpPr>
+        <p:spPr>
+          <a:xfrm>
+            <a:off x="4216519" y="5409220"/>
+            <a:ext cx="900000" cy="648072"/>
+          </a:xfrm>
+          <a:prstGeom prst="roundRect">
+            <a:avLst/>
+          </a:prstGeom>
+          <a:solidFill>
+            <a:schemeClr val="bg1">
+              <a:lumMod val="95000"/>
+            </a:schemeClr>
+          </a:solidFill>
+          <a:ln>
+            <a:noFill/>
+          </a:ln>
+          <a:effectLst/>
+          <a:scene3d>
+            <a:camera prst="orthographicFront"/>
+            <a:lightRig rig="threePt" dir="t"/>
+          </a:scene3d>
+          <a:sp3d prstMaterial="matte">
+            <a:bevelT w="12700"/>
+            <a:bevelB/>
+          </a:sp3d>
+        </p:spPr>
+        <p:style>
+          <a:lnRef idx="2">
+            <a:schemeClr val="accent1">
+              <a:shade val="50000"/>
+            </a:schemeClr>
+          </a:lnRef>
+          <a:fillRef idx="1">
+            <a:schemeClr val="accent1"/>
+          </a:fillRef>
+          <a:effectRef idx="0">
+            <a:schemeClr val="accent1"/>
+          </a:effectRef>
+          <a:fontRef idx="minor">
+            <a:schemeClr val="lt1"/>
+          </a:fontRef>
+        </p:style>
+        <p:txBody>
+          <a:bodyPr rtlCol="0" anchor="ctr"/>
+          <a:lstStyle/>
+          <a:p>
+            <a:pPr algn="ctr"/>
+            <a:r>
+              <a:rPr lang="en-US" sz="1100" dirty="0">
+                <a:solidFill>
+                  <a:schemeClr val="tx1"/>
+                </a:solidFill>
+                <a:latin typeface="Corbel" panose="020B0503020204020204" pitchFamily="34" charset="0"/>
+              </a:rPr>
+              <a:t>Meat (chicken)</a:t>
+            </a:r>
+          </a:p>
+        </p:txBody>
+      </p:sp>
+      <p:sp>
+        <p:nvSpPr>
+          <p:cNvPr id="12" name="Yuvarlatılmış Dikdörtgen 11"/>
+          <p:cNvSpPr/>
+          <p:nvPr/>
+        </p:nvSpPr>
+        <p:spPr>
+          <a:xfrm>
+            <a:off x="5798415" y="5409220"/>
+            <a:ext cx="900000" cy="648072"/>
+          </a:xfrm>
+          <a:prstGeom prst="roundRect">
+            <a:avLst/>
+          </a:prstGeom>
+          <a:solidFill>
+            <a:schemeClr val="bg1">
+              <a:lumMod val="95000"/>
+            </a:schemeClr>
+          </a:solidFill>
+          <a:ln>
+            <a:solidFill>
+              <a:srgbClr val="C00000"/>
+            </a:solidFill>
+          </a:ln>
+          <a:effectLst>
+            <a:outerShdw blurRad="50800" dist="38100" dir="2700000" algn="tl" rotWithShape="0">
+              <a:prstClr val="black">
+                <a:alpha val="40000"/>
+              </a:prstClr>
+            </a:outerShdw>
+            <a:reflection blurRad="6350" stA="52000" endA="300" endPos="35000" dir="5400000" sy="-100000" algn="bl" rotWithShape="0"/>
+          </a:effectLst>
+          <a:scene3d>
+            <a:camera prst="orthographicFront"/>
+            <a:lightRig rig="threePt" dir="t"/>
+          </a:scene3d>
+          <a:sp3d prstMaterial="matte">
+            <a:bevelT/>
+            <a:bevelB/>
+          </a:sp3d>
+        </p:spPr>
+        <p:style>
+          <a:lnRef idx="2">
+            <a:schemeClr val="accent1">
+              <a:shade val="50000"/>
+            </a:schemeClr>
+          </a:lnRef>
+          <a:fillRef idx="1">
+            <a:schemeClr val="accent1"/>
+          </a:fillRef>
+          <a:effectRef idx="0">
+            <a:schemeClr val="accent1"/>
+          </a:effectRef>
+          <a:fontRef idx="minor">
+            <a:schemeClr val="lt1"/>
+          </a:fontRef>
+        </p:style>
+        <p:txBody>
+          <a:bodyPr rtlCol="0" anchor="ctr"/>
+          <a:lstStyle/>
+          <a:p>
+            <a:pPr algn="ctr"/>
+            <a:r>
+              <a:rPr lang="en-US" sz="1100" b="1" dirty="0">
+                <a:solidFill>
+                  <a:srgbClr val="C00000"/>
+                </a:solidFill>
+                <a:latin typeface="Corbel" panose="020B0503020204020204" pitchFamily="34" charset="0"/>
+              </a:rPr>
+              <a:t>Meat (mutton)</a:t>
+            </a:r>
+          </a:p>
+        </p:txBody>
+      </p:sp>
+      <p:sp>
+        <p:nvSpPr>
+          <p:cNvPr id="13" name="Yuvarlatılmış Dikdörtgen 12"/>
+          <p:cNvSpPr/>
+          <p:nvPr/>
+        </p:nvSpPr>
+        <p:spPr>
+          <a:xfrm>
+            <a:off x="7380312" y="5409220"/>
+            <a:ext cx="900000" cy="648072"/>
+          </a:xfrm>
+          <a:prstGeom prst="roundRect">
+            <a:avLst/>
+          </a:prstGeom>
+          <a:solidFill>
+            <a:schemeClr val="bg1">
+              <a:lumMod val="95000"/>
+            </a:schemeClr>
+          </a:solidFill>
+          <a:ln>
+            <a:noFill/>
+          </a:ln>
+          <a:effectLst/>
+          <a:scene3d>
+            <a:camera prst="orthographicFront"/>
+            <a:lightRig rig="threePt" dir="t"/>
+          </a:scene3d>
+          <a:sp3d prstMaterial="matte">
+            <a:bevelT w="12700"/>
+            <a:bevelB/>
+          </a:sp3d>
+        </p:spPr>
+        <p:style>
+          <a:lnRef idx="2">
+            <a:schemeClr val="accent1">
+              <a:shade val="50000"/>
+            </a:schemeClr>
+          </a:lnRef>
+          <a:fillRef idx="1">
+            <a:schemeClr val="accent1"/>
+          </a:fillRef>
+          <a:effectRef idx="0">
+            <a:schemeClr val="accent1"/>
+          </a:effectRef>
+          <a:fontRef idx="minor">
+            <a:schemeClr val="lt1"/>
+          </a:fontRef>
+        </p:style>
+        <p:txBody>
+          <a:bodyPr rtlCol="0" anchor="ctr"/>
+          <a:lstStyle/>
+          <a:p>
+            <a:pPr algn="ctr"/>
+            <a:r>
+              <a:rPr lang="en-US" sz="1100" dirty="0">
+                <a:solidFill>
+                  <a:schemeClr val="tx1"/>
+                </a:solidFill>
+                <a:latin typeface="Corbel" panose="020B0503020204020204" pitchFamily="34" charset="0"/>
+              </a:rPr>
+              <a:t>Meat (veal)</a:t>
+            </a:r>
+          </a:p>
+        </p:txBody>
+      </p:sp>
+      <p:pic>
+        <p:nvPicPr>
+          <p:cNvPr id="14" name="Resim 13" descr="Ekran Kırpma"/>
+          <p:cNvPicPr>
+            <a:picLocks noChangeAspect="1"/>
+          </p:cNvPicPr>
+          <p:nvPr/>
+        </p:nvPicPr>
+        <p:blipFill>
+          <a:blip r:embed="rId4">
+            <a:extLst>
+              <a:ext uri="{28A0092B-C50C-407E-A947-70E740481C1C}">
+                <a14:useLocalDpi xmlns:a14="http://schemas.microsoft.com/office/drawing/2010/main" val="0"/>
+              </a:ext>
+            </a:extLst>
+          </a:blip>
+          <a:stretch>
+            <a:fillRect/>
+          </a:stretch>
+        </p:blipFill>
+        <p:spPr>
+          <a:xfrm>
+            <a:off x="915988" y="508508"/>
+            <a:ext cx="7121673" cy="4900712"/>
+          </a:xfrm>
+          <a:prstGeom prst="rect">
+            <a:avLst/>
+          </a:prstGeom>
+          <a:ln w="228600" cap="sq" cmpd="thickThin">
+            <a:solidFill>
+              <a:srgbClr val="000000"/>
+            </a:solidFill>
+            <a:prstDash val="solid"/>
+            <a:miter lim="800000"/>
+          </a:ln>
+          <a:effectLst>
+            <a:innerShdw blurRad="76200">
+              <a:srgbClr val="000000"/>
+            </a:innerShdw>
+          </a:effectLst>
+        </p:spPr>
+      </p:pic>
+      <p:sp>
+        <p:nvSpPr>
+          <p:cNvPr id="15" name="Komut Düğmesi: Giriş 14">
+            <a:hlinkClick r:id="" action="ppaction://hlinkshowjump?jump=firstslide" highlightClick="1"/>
+          </p:cNvPr>
+          <p:cNvSpPr/>
+          <p:nvPr/>
+        </p:nvSpPr>
+        <p:spPr>
+          <a:xfrm>
+            <a:off x="8892241" y="6665673"/>
+            <a:ext cx="251759" cy="216024"/>
+          </a:xfrm>
+          <a:prstGeom prst="actionButtonHome">
+            <a:avLst/>
+          </a:prstGeom>
+        </p:spPr>
+        <p:style>
+          <a:lnRef idx="2">
+            <a:schemeClr val="accent1">
+              <a:shade val="50000"/>
+            </a:schemeClr>
+          </a:lnRef>
+          <a:fillRef idx="1">
+            <a:schemeClr val="accent1"/>
+          </a:fillRef>
+          <a:effectRef idx="0">
+            <a:schemeClr val="accent1"/>
+          </a:effectRef>
+          <a:fontRef idx="minor">
+            <a:schemeClr val="lt1"/>
+          </a:fontRef>
+        </p:style>
+        <p:txBody>
+          <a:bodyPr rtlCol="0" anchor="ctr"/>
+          <a:lstStyle/>
+          <a:p>
+            <a:pPr algn="ctr"/>
+            <a:endParaRPr lang="tr-TR"/>
+          </a:p>
+        </p:txBody>
+      </p:sp>
+      <p:sp>
+        <p:nvSpPr>
+          <p:cNvPr id="16" name="Metin kutusu 15"/>
+          <p:cNvSpPr txBox="1"/>
+          <p:nvPr/>
+        </p:nvSpPr>
+        <p:spPr>
+          <a:xfrm>
+            <a:off x="185890" y="6134524"/>
+            <a:ext cx="919226" cy="523220"/>
+          </a:xfrm>
+          <a:prstGeom prst="rect">
+            <a:avLst/>
+          </a:prstGeom>
+          <a:noFill/>
+        </p:spPr>
+        <p:txBody>
+          <a:bodyPr wrap="none" rtlCol="0">
+            <a:spAutoFit/>
+          </a:bodyPr>
+          <a:lstStyle/>
+          <a:p>
+            <a:r>
+              <a:rPr lang="tr-TR" sz="1400" b="1" dirty="0">
+                <a:solidFill>
+                  <a:srgbClr val="C00000"/>
+                </a:solidFill>
+              </a:rPr>
+              <a:t>Exchange </a:t>
+            </a:r>
+          </a:p>
+          <a:p>
+            <a:r>
+              <a:rPr lang="en-US" sz="1400" b="1" dirty="0">
+                <a:solidFill>
+                  <a:srgbClr val="C00000"/>
+                </a:solidFill>
+              </a:rPr>
+              <a:t>Rates</a:t>
+            </a:r>
+          </a:p>
+        </p:txBody>
+      </p:sp>
+      <p:sp>
+        <p:nvSpPr>
+          <p:cNvPr id="18" name="Metin kutusu 17"/>
+          <p:cNvSpPr txBox="1"/>
+          <p:nvPr/>
+        </p:nvSpPr>
+        <p:spPr>
+          <a:xfrm>
+            <a:off x="1738268" y="6072968"/>
+            <a:ext cx="1235403" cy="646331"/>
+          </a:xfrm>
+          <a:prstGeom prst="rect">
+            <a:avLst/>
+          </a:prstGeom>
+          <a:noFill/>
+        </p:spPr>
+        <p:txBody>
+          <a:bodyPr wrap="none" rtlCol="0">
+            <a:spAutoFit/>
+          </a:bodyPr>
+          <a:lstStyle/>
+          <a:p>
+            <a:r>
+              <a:rPr lang="en-US" sz="1200" b="1" dirty="0">
+                <a:solidFill>
+                  <a:srgbClr val="C00000"/>
+                </a:solidFill>
+              </a:rPr>
+              <a:t>Increased</a:t>
+            </a:r>
+          </a:p>
+          <a:p>
+            <a:r>
+              <a:rPr lang="en-US" sz="1200" b="1" dirty="0">
+                <a:solidFill>
+                  <a:srgbClr val="C00000"/>
+                </a:solidFill>
+              </a:rPr>
+              <a:t>Meat &amp; </a:t>
+            </a:r>
+            <a:r>
+              <a:rPr lang="tr-TR" sz="1200" b="1" dirty="0">
+                <a:solidFill>
+                  <a:srgbClr val="C00000"/>
+                </a:solidFill>
+              </a:rPr>
+              <a:t>C</a:t>
+            </a:r>
+            <a:r>
+              <a:rPr lang="en-US" sz="1200" b="1" dirty="0" err="1">
+                <a:solidFill>
+                  <a:srgbClr val="C00000"/>
+                </a:solidFill>
+              </a:rPr>
+              <a:t>hicken</a:t>
+            </a:r>
+            <a:r>
+              <a:rPr lang="en-US" sz="1200" b="1" dirty="0">
+                <a:solidFill>
+                  <a:srgbClr val="C00000"/>
+                </a:solidFill>
+              </a:rPr>
+              <a:t> </a:t>
+            </a:r>
+          </a:p>
+          <a:p>
+            <a:r>
+              <a:rPr lang="tr-TR" sz="1200" b="1" dirty="0">
+                <a:solidFill>
+                  <a:srgbClr val="C00000"/>
+                </a:solidFill>
+              </a:rPr>
+              <a:t>P</a:t>
+            </a:r>
+            <a:r>
+              <a:rPr lang="en-US" sz="1200" b="1" dirty="0">
+                <a:solidFill>
+                  <a:srgbClr val="C00000"/>
+                </a:solidFill>
+              </a:rPr>
+              <a:t>rice</a:t>
+            </a:r>
+          </a:p>
+        </p:txBody>
+      </p:sp>
+      <p:sp>
+        <p:nvSpPr>
+          <p:cNvPr id="19" name="Metin kutusu 18"/>
+          <p:cNvSpPr txBox="1"/>
+          <p:nvPr/>
+        </p:nvSpPr>
+        <p:spPr>
+          <a:xfrm>
+            <a:off x="5587031" y="6174459"/>
+            <a:ext cx="984565" cy="523220"/>
+          </a:xfrm>
+          <a:prstGeom prst="rect">
+            <a:avLst/>
+          </a:prstGeom>
+          <a:noFill/>
+        </p:spPr>
+        <p:txBody>
+          <a:bodyPr wrap="none" rtlCol="0">
+            <a:spAutoFit/>
+          </a:bodyPr>
+          <a:lstStyle/>
+          <a:p>
+            <a:r>
+              <a:rPr lang="tr-TR" sz="1400" b="1" dirty="0">
+                <a:solidFill>
+                  <a:srgbClr val="C00000"/>
+                </a:solidFill>
+              </a:rPr>
+              <a:t>W</a:t>
+            </a:r>
+            <a:r>
+              <a:rPr lang="en-US" sz="1400" b="1" dirty="0" err="1">
+                <a:solidFill>
+                  <a:srgbClr val="C00000"/>
+                </a:solidFill>
+              </a:rPr>
+              <a:t>eather</a:t>
+            </a:r>
+            <a:r>
+              <a:rPr lang="en-US" sz="1400" b="1" dirty="0">
+                <a:solidFill>
+                  <a:srgbClr val="C00000"/>
+                </a:solidFill>
+              </a:rPr>
+              <a:t> </a:t>
+            </a:r>
+          </a:p>
+          <a:p>
+            <a:r>
+              <a:rPr lang="tr-TR" sz="1400" b="1" dirty="0">
+                <a:solidFill>
+                  <a:srgbClr val="C00000"/>
+                </a:solidFill>
+              </a:rPr>
+              <a:t>C</a:t>
+            </a:r>
+            <a:r>
+              <a:rPr lang="en-US" sz="1400" b="1" dirty="0" err="1">
+                <a:solidFill>
+                  <a:srgbClr val="C00000"/>
+                </a:solidFill>
+              </a:rPr>
+              <a:t>onditions</a:t>
+            </a:r>
+            <a:endParaRPr lang="en-US" sz="1400" b="1" dirty="0">
+              <a:solidFill>
+                <a:srgbClr val="C00000"/>
+              </a:solidFill>
+            </a:endParaRPr>
+          </a:p>
+        </p:txBody>
+      </p:sp>
+      <p:sp>
+        <p:nvSpPr>
+          <p:cNvPr id="21" name="Metin kutusu 20"/>
+          <p:cNvSpPr txBox="1"/>
+          <p:nvPr/>
+        </p:nvSpPr>
+        <p:spPr>
+          <a:xfrm>
+            <a:off x="3709051" y="6107859"/>
+            <a:ext cx="1131896" cy="646331"/>
+          </a:xfrm>
+          <a:prstGeom prst="rect">
+            <a:avLst/>
+          </a:prstGeom>
+          <a:noFill/>
+        </p:spPr>
+        <p:txBody>
+          <a:bodyPr wrap="square" rtlCol="0">
+            <a:spAutoFit/>
+          </a:bodyPr>
+          <a:lstStyle/>
+          <a:p>
+            <a:r>
+              <a:rPr lang="en-US" sz="1200" b="1" dirty="0">
+                <a:solidFill>
+                  <a:srgbClr val="C00000"/>
+                </a:solidFill>
+              </a:rPr>
+              <a:t>Higher </a:t>
+            </a:r>
+            <a:r>
+              <a:rPr lang="tr-TR" sz="1200" b="1" dirty="0">
+                <a:solidFill>
+                  <a:srgbClr val="C00000"/>
+                </a:solidFill>
+              </a:rPr>
+              <a:t>D</a:t>
+            </a:r>
+            <a:r>
+              <a:rPr lang="en-US" sz="1200" b="1" dirty="0" err="1">
+                <a:solidFill>
+                  <a:srgbClr val="C00000"/>
+                </a:solidFill>
+              </a:rPr>
+              <a:t>emand</a:t>
+            </a:r>
+            <a:endParaRPr lang="en-US" sz="1200" b="1" dirty="0">
+              <a:solidFill>
+                <a:srgbClr val="C00000"/>
+              </a:solidFill>
+            </a:endParaRPr>
+          </a:p>
+          <a:p>
+            <a:r>
+              <a:rPr lang="en-US" sz="1200" b="1" dirty="0">
+                <a:solidFill>
+                  <a:srgbClr val="C00000"/>
+                </a:solidFill>
+              </a:rPr>
+              <a:t>for </a:t>
+            </a:r>
+            <a:r>
+              <a:rPr lang="tr-TR" sz="1200" b="1" dirty="0">
+                <a:solidFill>
+                  <a:srgbClr val="C00000"/>
+                </a:solidFill>
+              </a:rPr>
+              <a:t>F</a:t>
+            </a:r>
+            <a:r>
+              <a:rPr lang="en-US" sz="1200" b="1" dirty="0" err="1">
+                <a:solidFill>
+                  <a:srgbClr val="C00000"/>
+                </a:solidFill>
+              </a:rPr>
+              <a:t>ish</a:t>
+            </a:r>
+            <a:endParaRPr lang="en-US" sz="1200" b="1" dirty="0">
+              <a:solidFill>
+                <a:srgbClr val="C00000"/>
+              </a:solidFill>
+            </a:endParaRPr>
+          </a:p>
+        </p:txBody>
+      </p:sp>
+      <p:sp>
+        <p:nvSpPr>
+          <p:cNvPr id="24" name="Metin kutusu 23"/>
+          <p:cNvSpPr txBox="1"/>
+          <p:nvPr/>
+        </p:nvSpPr>
+        <p:spPr>
+          <a:xfrm>
+            <a:off x="7148416" y="6172286"/>
+            <a:ext cx="1131896" cy="523220"/>
+          </a:xfrm>
+          <a:prstGeom prst="rect">
+            <a:avLst/>
+          </a:prstGeom>
+          <a:noFill/>
+        </p:spPr>
+        <p:txBody>
+          <a:bodyPr wrap="square" rtlCol="0">
+            <a:spAutoFit/>
+          </a:bodyPr>
+          <a:lstStyle/>
+          <a:p>
+            <a:r>
+              <a:rPr lang="en-US" sz="1400" b="1" dirty="0">
+                <a:solidFill>
+                  <a:srgbClr val="C00000"/>
+                </a:solidFill>
+              </a:rPr>
+              <a:t>Decreased</a:t>
+            </a:r>
+          </a:p>
+          <a:p>
+            <a:r>
+              <a:rPr lang="en-US" sz="1400" b="1" dirty="0">
+                <a:solidFill>
+                  <a:srgbClr val="C00000"/>
+                </a:solidFill>
+              </a:rPr>
+              <a:t>Fish </a:t>
+            </a:r>
+            <a:r>
+              <a:rPr lang="tr-TR" sz="1400" b="1" dirty="0">
+                <a:solidFill>
+                  <a:srgbClr val="C00000"/>
+                </a:solidFill>
+              </a:rPr>
+              <a:t>Su</a:t>
+            </a:r>
+            <a:r>
+              <a:rPr lang="en-US" sz="1400" b="1" dirty="0" err="1">
+                <a:solidFill>
+                  <a:srgbClr val="C00000"/>
+                </a:solidFill>
+              </a:rPr>
+              <a:t>pply</a:t>
+            </a:r>
+            <a:endParaRPr lang="en-US" sz="1400" b="1" dirty="0">
+              <a:solidFill>
+                <a:srgbClr val="C00000"/>
+              </a:solidFill>
+            </a:endParaRPr>
+          </a:p>
+        </p:txBody>
+      </p:sp>
+      <p:cxnSp>
+        <p:nvCxnSpPr>
+          <p:cNvPr id="26" name="Eğri Bağlayıcı 30">
+            <a:extLst>
+              <a:ext uri="{FF2B5EF4-FFF2-40B4-BE49-F238E27FC236}">
+                <a16:creationId xmlns:a16="http://schemas.microsoft.com/office/drawing/2014/main" id="{A210CFC2-F2EC-4D29-AAAC-888FC2DC7E14}"/>
+              </a:ext>
+            </a:extLst>
+          </p:cNvPr>
+          <p:cNvCxnSpPr>
+            <a:cxnSpLocks/>
+          </p:cNvCxnSpPr>
+          <p:nvPr/>
+        </p:nvCxnSpPr>
+        <p:spPr>
+          <a:xfrm>
+            <a:off x="1089049" y="6416064"/>
+            <a:ext cx="602631" cy="2478"/>
+          </a:xfrm>
+          <a:prstGeom prst="curvedConnector3">
+            <a:avLst>
+              <a:gd name="adj1" fmla="val 50000"/>
+            </a:avLst>
+          </a:prstGeom>
+          <a:ln w="57150">
+            <a:prstDash val="sysDot"/>
+            <a:tailEnd type="arrow"/>
+          </a:ln>
+        </p:spPr>
+        <p:style>
+          <a:lnRef idx="1">
+            <a:schemeClr val="accent1"/>
+          </a:lnRef>
+          <a:fillRef idx="0">
+            <a:schemeClr val="accent1"/>
+          </a:fillRef>
+          <a:effectRef idx="0">
+            <a:schemeClr val="accent1"/>
+          </a:effectRef>
+          <a:fontRef idx="minor">
+            <a:schemeClr val="tx1"/>
+          </a:fontRef>
+        </p:style>
+      </p:cxnSp>
+      <p:cxnSp>
+        <p:nvCxnSpPr>
+          <p:cNvPr id="27" name="Eğri Bağlayıcı 30">
+            <a:extLst>
+              <a:ext uri="{FF2B5EF4-FFF2-40B4-BE49-F238E27FC236}">
+                <a16:creationId xmlns:a16="http://schemas.microsoft.com/office/drawing/2014/main" id="{11B83547-6238-425F-9DE5-7A1B2007CC11}"/>
+              </a:ext>
+            </a:extLst>
+          </p:cNvPr>
+          <p:cNvCxnSpPr>
+            <a:cxnSpLocks/>
+          </p:cNvCxnSpPr>
+          <p:nvPr/>
+        </p:nvCxnSpPr>
+        <p:spPr>
+          <a:xfrm>
+            <a:off x="3059832" y="6450858"/>
+            <a:ext cx="602631" cy="2478"/>
+          </a:xfrm>
+          <a:prstGeom prst="curvedConnector3">
+            <a:avLst>
+              <a:gd name="adj1" fmla="val 50000"/>
+            </a:avLst>
+          </a:prstGeom>
+          <a:ln w="57150">
+            <a:prstDash val="sysDot"/>
+            <a:tailEnd type="arrow"/>
+          </a:ln>
+        </p:spPr>
+        <p:style>
+          <a:lnRef idx="1">
+            <a:schemeClr val="accent1"/>
+          </a:lnRef>
+          <a:fillRef idx="0">
+            <a:schemeClr val="accent1"/>
+          </a:fillRef>
+          <a:effectRef idx="0">
+            <a:schemeClr val="accent1"/>
+          </a:effectRef>
+          <a:fontRef idx="minor">
+            <a:schemeClr val="tx1"/>
+          </a:fontRef>
+        </p:style>
+      </p:cxnSp>
+      <p:cxnSp>
+        <p:nvCxnSpPr>
+          <p:cNvPr id="28" name="Eğri Bağlayıcı 30">
+            <a:extLst>
+              <a:ext uri="{FF2B5EF4-FFF2-40B4-BE49-F238E27FC236}">
+                <a16:creationId xmlns:a16="http://schemas.microsoft.com/office/drawing/2014/main" id="{EC3BE46D-B8D4-476D-B889-74BEB7246A78}"/>
+              </a:ext>
+            </a:extLst>
+          </p:cNvPr>
+          <p:cNvCxnSpPr>
+            <a:cxnSpLocks/>
+          </p:cNvCxnSpPr>
+          <p:nvPr/>
+        </p:nvCxnSpPr>
+        <p:spPr>
+          <a:xfrm>
+            <a:off x="6548624" y="6462144"/>
+            <a:ext cx="602631" cy="2478"/>
+          </a:xfrm>
+          <a:prstGeom prst="curvedConnector3">
+            <a:avLst>
+              <a:gd name="adj1" fmla="val 50000"/>
+            </a:avLst>
+          </a:prstGeom>
+          <a:ln w="57150">
+            <a:prstDash val="sysDot"/>
+            <a:tailEnd type="arrow"/>
+          </a:ln>
+        </p:spPr>
+        <p:style>
+          <a:lnRef idx="1">
+            <a:schemeClr val="accent1"/>
+          </a:lnRef>
+          <a:fillRef idx="0">
+            <a:schemeClr val="accent1"/>
+          </a:fillRef>
+          <a:effectRef idx="0">
+            <a:schemeClr val="accent1"/>
+          </a:effectRef>
+          <a:fontRef idx="minor">
+            <a:schemeClr val="tx1"/>
+          </a:fontRef>
+        </p:style>
+      </p:cxnSp>
+      <p:sp>
+        <p:nvSpPr>
+          <p:cNvPr id="29" name="Dikdörtgen: Yuvarlatılmış Köşeler 28">
+            <a:extLst>
+              <a:ext uri="{FF2B5EF4-FFF2-40B4-BE49-F238E27FC236}">
+                <a16:creationId xmlns:a16="http://schemas.microsoft.com/office/drawing/2014/main" id="{5C195DFB-0AFA-44D7-B4A6-B5CE2E9B3A3C}"/>
+              </a:ext>
+            </a:extLst>
+          </p:cNvPr>
+          <p:cNvSpPr/>
+          <p:nvPr/>
+        </p:nvSpPr>
+        <p:spPr>
+          <a:xfrm>
+            <a:off x="133178" y="6107859"/>
+            <a:ext cx="4438822" cy="611439"/>
+          </a:xfrm>
+          <a:prstGeom prst="roundRect">
+            <a:avLst/>
+          </a:prstGeom>
+          <a:noFill/>
+          <a:ln>
+            <a:solidFill>
+              <a:schemeClr val="tx2"/>
+            </a:solidFill>
+          </a:ln>
+        </p:spPr>
+        <p:style>
+          <a:lnRef idx="2">
+            <a:schemeClr val="accent1">
+              <a:shade val="50000"/>
+            </a:schemeClr>
+          </a:lnRef>
+          <a:fillRef idx="1">
+            <a:schemeClr val="accent1"/>
+          </a:fillRef>
+          <a:effectRef idx="0">
+            <a:schemeClr val="accent1"/>
+          </a:effectRef>
+          <a:fontRef idx="minor">
+            <a:schemeClr val="lt1"/>
+          </a:fontRef>
+        </p:style>
+        <p:txBody>
+          <a:bodyPr rtlCol="0" anchor="ctr"/>
+          <a:lstStyle/>
+          <a:p>
+            <a:pPr algn="ctr"/>
+            <a:endParaRPr lang="tr-TR"/>
+          </a:p>
+        </p:txBody>
+      </p:sp>
+      <p:sp>
+        <p:nvSpPr>
+          <p:cNvPr id="30" name="Dikdörtgen: Yuvarlatılmış Köşeler 29">
+            <a:extLst>
+              <a:ext uri="{FF2B5EF4-FFF2-40B4-BE49-F238E27FC236}">
+                <a16:creationId xmlns:a16="http://schemas.microsoft.com/office/drawing/2014/main" id="{8F729D0E-9B6D-4033-9CC9-2AA9EFEFDD11}"/>
+              </a:ext>
+            </a:extLst>
+          </p:cNvPr>
+          <p:cNvSpPr/>
+          <p:nvPr/>
+        </p:nvSpPr>
+        <p:spPr>
+          <a:xfrm>
+            <a:off x="5507784" y="6189949"/>
+            <a:ext cx="2736623" cy="547394"/>
+          </a:xfrm>
+          <a:prstGeom prst="roundRect">
+            <a:avLst/>
+          </a:prstGeom>
+          <a:noFill/>
+          <a:ln>
+            <a:solidFill>
+              <a:schemeClr val="tx2"/>
+            </a:solidFill>
+          </a:ln>
+        </p:spPr>
+        <p:style>
+          <a:lnRef idx="2">
+            <a:schemeClr val="accent1">
+              <a:shade val="50000"/>
+            </a:schemeClr>
+          </a:lnRef>
+          <a:fillRef idx="1">
+            <a:schemeClr val="accent1"/>
+          </a:fillRef>
+          <a:effectRef idx="0">
+            <a:schemeClr val="accent1"/>
+          </a:effectRef>
+          <a:fontRef idx="minor">
+            <a:schemeClr val="lt1"/>
+          </a:fontRef>
+        </p:style>
+        <p:txBody>
+          <a:bodyPr rtlCol="0" anchor="ctr"/>
+          <a:lstStyle/>
+          <a:p>
+            <a:pPr algn="ctr"/>
+            <a:endParaRPr lang="tr-TR"/>
+          </a:p>
+        </p:txBody>
+      </p:sp>
+    </p:spTree>
+    <p:extLst>
+      <p:ext uri="{BB962C8B-B14F-4D97-AF65-F5344CB8AC3E}">
+        <p14:creationId xmlns:p14="http://schemas.microsoft.com/office/powerpoint/2010/main" val="3119007957"/>
+      </p:ext>
+    </p:extLst>
+  </p:cSld>
+  <p:clrMapOvr>
+    <a:masterClrMapping/>
+  </p:clrMapOvr>
+  <p:timing>
+    <p:tnLst>
+      <p:par>
+        <p:cTn id="1" dur="indefinite" restart="never" nodeType="tmRoot">
+          <p:childTnLst>
+            <p:seq concurrent="1" nextAc="seek">
+              <p:cTn id="2" restart="whenNotActive" fill="hold" evtFilter="cancelBubble" nodeType="interactiveSeq">
+                <p:stCondLst>
+                  <p:cond evt="onClick" delay="0">
+                    <p:tgtEl>
+                      <p:spTgt spid="10"/>
+                    </p:tgtEl>
+                  </p:cond>
+                </p:stCondLst>
+                <p:endSync evt="end" delay="0">
+                  <p:rtn val="all"/>
+                </p:endSync>
+                <p:childTnLst>
+                  <p:par>
+                    <p:cTn id="3" fill="hold">
+                      <p:stCondLst>
+                        <p:cond delay="0"/>
+                      </p:stCondLst>
+                      <p:childTnLst>
+                        <p:par>
+                          <p:cTn id="4" fill="hold">
+                            <p:stCondLst>
+                              <p:cond delay="0"/>
+                            </p:stCondLst>
+                            <p:childTnLst>
+                              <p:par>
+                                <p:cTn id="5" presetID="1" presetClass="entr" presetSubtype="0" fill="hold" nodeType="clickEffect">
+                                  <p:stCondLst>
+                                    <p:cond delay="0"/>
+                                  </p:stCondLst>
+                                  <p:childTnLst>
+                                    <p:set>
+                                      <p:cBhvr>
+                                        <p:cTn id="6" dur="1" fill="hold">
+                                          <p:stCondLst>
+                                            <p:cond delay="0"/>
+                                          </p:stCondLst>
+                                        </p:cTn>
+                                        <p:tgtEl>
+                                          <p:spTgt spid="14"/>
+                                        </p:tgtEl>
+                                        <p:attrNameLst>
+                                          <p:attrName>style.visibility</p:attrName>
+                                        </p:attrNameLst>
+                                      </p:cBhvr>
+                                      <p:to>
+                                        <p:strVal val="visible"/>
+                                      </p:to>
+                                    </p:set>
+                                  </p:childTnLst>
+                                  <p:subTnLst>
+                                    <p:set>
+                                      <p:cBhvr override="childStyle">
+                                        <p:cTn dur="1" fill="hold" display="0" masterRel="nextClick" afterEffect="1"/>
+                                        <p:tgtEl>
+                                          <p:spTgt spid="14"/>
+                                        </p:tgtEl>
+                                        <p:attrNameLst>
+                                          <p:attrName>style.visibility</p:attrName>
+                                        </p:attrNameLst>
+                                      </p:cBhvr>
+                                      <p:to>
+                                        <p:strVal val="hidden"/>
+                                      </p:to>
+                                    </p:set>
+                                  </p:subTnLst>
+                                </p:cTn>
+                              </p:par>
+                            </p:childTnLst>
+                          </p:cTn>
+                        </p:par>
+                      </p:childTnLst>
+                    </p:cTn>
+                  </p:par>
+                </p:childTnLst>
+              </p:cTn>
+              <p:nextCondLst>
+                <p:cond evt="onClick" delay="0">
+                  <p:tgtEl>
+                    <p:spTgt spid="10"/>
+                  </p:tgtEl>
+                </p:cond>
+              </p:nextCondLst>
+            </p:seq>
+          </p:childTnLst>
+        </p:cTn>
+      </p:par>
+    </p:tnLst>
+  </p:timing>
+</p:sld>
+</file>
+
+<file path=ppt/slides/slide6.xml><?xml version="1.0" encoding="utf-8"?>
 <p:sld xmlns:a="http://schemas.openxmlformats.org/drawingml/2006/main" xmlns:r="http://schemas.openxmlformats.org/officeDocument/2006/relationships" xmlns:p="http://schemas.openxmlformats.org/presentationml/2006/main">
   <p:cSld>
     <p:spTree>
@@ -8818,7 +11076,7 @@
 </p:sld>
 </file>
 
-<file path=ppt/slides/slide5.xml><?xml version="1.0" encoding="utf-8"?>
+<file path=ppt/slides/slide7.xml><?xml version="1.0" encoding="utf-8"?>
 <p:sld xmlns:a="http://schemas.openxmlformats.org/drawingml/2006/main" xmlns:r="http://schemas.openxmlformats.org/officeDocument/2006/relationships" xmlns:p="http://schemas.openxmlformats.org/presentationml/2006/main">
   <p:cSld>
     <p:spTree>
@@ -8835,9 +11093,103 @@
           <a:chExt cx="0" cy="0"/>
         </a:xfrm>
       </p:grpSpPr>
+      <p:sp>
+        <p:nvSpPr>
+          <p:cNvPr id="4" name="Dikdörtgen 3"/>
+          <p:cNvSpPr/>
+          <p:nvPr/>
+        </p:nvSpPr>
+        <p:spPr>
+          <a:xfrm>
+            <a:off x="539552" y="189262"/>
+            <a:ext cx="4542654" cy="369332"/>
+          </a:xfrm>
+          <a:prstGeom prst="rect">
+            <a:avLst/>
+          </a:prstGeom>
+        </p:spPr>
+        <p:txBody>
+          <a:bodyPr wrap="none">
+            <a:spAutoFit/>
+          </a:bodyPr>
+          <a:lstStyle/>
+          <a:p>
+            <a:r>
+              <a:rPr lang="en-US" b="1" dirty="0">
+                <a:solidFill>
+                  <a:schemeClr val="tx2"/>
+                </a:solidFill>
+                <a:latin typeface="Corbel" panose="020B0503020204020204" pitchFamily="34" charset="0"/>
+              </a:rPr>
+              <a:t>Yearly Average Price for Miscellaneous Food</a:t>
+            </a:r>
+          </a:p>
+        </p:txBody>
+      </p:sp>
+      <p:cxnSp>
+        <p:nvCxnSpPr>
+          <p:cNvPr id="5" name="Düz Bağlayıcı 4"/>
+          <p:cNvCxnSpPr/>
+          <p:nvPr/>
+        </p:nvCxnSpPr>
+        <p:spPr>
+          <a:xfrm>
+            <a:off x="179512" y="116632"/>
+            <a:ext cx="0" cy="522972"/>
+          </a:xfrm>
+          <a:prstGeom prst="line">
+            <a:avLst/>
+          </a:prstGeom>
+          <a:ln w="38100"/>
+        </p:spPr>
+        <p:style>
+          <a:lnRef idx="1">
+            <a:schemeClr val="accent1"/>
+          </a:lnRef>
+          <a:fillRef idx="0">
+            <a:schemeClr val="accent1"/>
+          </a:fillRef>
+          <a:effectRef idx="0">
+            <a:schemeClr val="accent1"/>
+          </a:effectRef>
+          <a:fontRef idx="minor">
+            <a:schemeClr val="tx1"/>
+          </a:fontRef>
+        </p:style>
+      </p:cxnSp>
+      <p:cxnSp>
+        <p:nvCxnSpPr>
+          <p:cNvPr id="6" name="Düz Bağlayıcı 5"/>
+          <p:cNvCxnSpPr/>
+          <p:nvPr/>
+        </p:nvCxnSpPr>
+        <p:spPr>
+          <a:xfrm>
+            <a:off x="395536" y="135548"/>
+            <a:ext cx="0" cy="504056"/>
+          </a:xfrm>
+          <a:prstGeom prst="line">
+            <a:avLst/>
+          </a:prstGeom>
+        </p:spPr>
+        <p:style>
+          <a:lnRef idx="1">
+            <a:schemeClr val="accent1"/>
+          </a:lnRef>
+          <a:fillRef idx="0">
+            <a:schemeClr val="accent1"/>
+          </a:fillRef>
+          <a:effectRef idx="0">
+            <a:schemeClr val="accent1"/>
+          </a:effectRef>
+          <a:fontRef idx="minor">
+            <a:schemeClr val="tx1"/>
+          </a:fontRef>
+        </p:style>
+      </p:cxnSp>
       <p:pic>
         <p:nvPicPr>
-          <p:cNvPr id="4" name="Resim 3" descr="Ekran Kırpma"/>
+          <p:cNvPr id="7" name="Resim 6" descr="Ekran Kırpma"/>
           <p:cNvPicPr>
             <a:picLocks noChangeAspect="1"/>
           </p:cNvPicPr>
@@ -8851,158 +11203,22 @@
               </a:ext>
             </a:extLst>
           </a:blip>
-          <a:srcRect t="5348" r="13214" b="37425"/>
+          <a:srcRect r="12209" b="41429"/>
           <a:stretch/>
         </p:blipFill>
         <p:spPr>
           <a:xfrm>
-            <a:off x="179512" y="836712"/>
-            <a:ext cx="8942340" cy="4144721"/>
+            <a:off x="121870" y="836711"/>
+            <a:ext cx="8971284" cy="4104457"/>
           </a:xfrm>
           <a:prstGeom prst="rect">
             <a:avLst/>
           </a:prstGeom>
         </p:spPr>
       </p:pic>
-      <p:sp>
-        <p:nvSpPr>
-          <p:cNvPr id="7" name="Komut Düğmesi: Giriş 6">
-            <a:hlinkClick r:id="" action="ppaction://hlinkshowjump?jump=firstslide" highlightClick="1"/>
-          </p:cNvPr>
-          <p:cNvSpPr/>
-          <p:nvPr/>
-        </p:nvSpPr>
-        <p:spPr>
-          <a:xfrm>
-            <a:off x="8892241" y="6665673"/>
-            <a:ext cx="251759" cy="216024"/>
-          </a:xfrm>
-          <a:prstGeom prst="actionButtonHome">
-            <a:avLst/>
-          </a:prstGeom>
-        </p:spPr>
-        <p:style>
-          <a:lnRef idx="2">
-            <a:schemeClr val="accent1">
-              <a:shade val="50000"/>
-            </a:schemeClr>
-          </a:lnRef>
-          <a:fillRef idx="1">
-            <a:schemeClr val="accent1"/>
-          </a:fillRef>
-          <a:effectRef idx="0">
-            <a:schemeClr val="accent1"/>
-          </a:effectRef>
-          <a:fontRef idx="minor">
-            <a:schemeClr val="lt1"/>
-          </a:fontRef>
-        </p:style>
-        <p:txBody>
-          <a:bodyPr rtlCol="0" anchor="ctr"/>
-          <a:lstStyle/>
-          <a:p>
-            <a:pPr algn="ctr"/>
-            <a:endParaRPr lang="tr-TR"/>
-          </a:p>
-        </p:txBody>
-      </p:sp>
-      <p:sp>
-        <p:nvSpPr>
-          <p:cNvPr id="2" name="Dikdörtgen 1"/>
-          <p:cNvSpPr/>
-          <p:nvPr/>
-        </p:nvSpPr>
-        <p:spPr>
-          <a:xfrm>
-            <a:off x="539552" y="188640"/>
-            <a:ext cx="4431021" cy="369332"/>
-          </a:xfrm>
-          <a:prstGeom prst="rect">
-            <a:avLst/>
-          </a:prstGeom>
-        </p:spPr>
-        <p:txBody>
-          <a:bodyPr wrap="none">
-            <a:spAutoFit/>
-          </a:bodyPr>
-          <a:lstStyle/>
-          <a:p>
-            <a:r>
-              <a:rPr lang="en-US" b="1" dirty="0">
-                <a:solidFill>
-                  <a:schemeClr val="tx2"/>
-                </a:solidFill>
-                <a:latin typeface="Corbel" panose="020B0503020204020204" pitchFamily="34" charset="0"/>
-              </a:rPr>
-              <a:t>Yearly Average Price for Cereals and Tubers</a:t>
-            </a:r>
-          </a:p>
-        </p:txBody>
-      </p:sp>
-      <p:cxnSp>
-        <p:nvCxnSpPr>
-          <p:cNvPr id="8" name="Düz Bağlayıcı 7"/>
-          <p:cNvCxnSpPr/>
-          <p:nvPr/>
-        </p:nvCxnSpPr>
-        <p:spPr>
-          <a:xfrm>
-            <a:off x="179512" y="116632"/>
-            <a:ext cx="0" cy="522972"/>
-          </a:xfrm>
-          <a:prstGeom prst="line">
-            <a:avLst/>
-          </a:prstGeom>
-          <a:ln w="38100"/>
-        </p:spPr>
-        <p:style>
-          <a:lnRef idx="1">
-            <a:schemeClr val="accent1"/>
-          </a:lnRef>
-          <a:fillRef idx="0">
-            <a:schemeClr val="accent1"/>
-          </a:fillRef>
-          <a:effectRef idx="0">
-            <a:schemeClr val="accent1"/>
-          </a:effectRef>
-          <a:fontRef idx="minor">
-            <a:schemeClr val="tx1"/>
-          </a:fontRef>
-        </p:style>
-      </p:cxnSp>
-      <p:cxnSp>
-        <p:nvCxnSpPr>
-          <p:cNvPr id="9" name="Düz Bağlayıcı 8"/>
-          <p:cNvCxnSpPr/>
-          <p:nvPr/>
-        </p:nvCxnSpPr>
-        <p:spPr>
-          <a:xfrm>
-            <a:off x="395536" y="135548"/>
-            <a:ext cx="0" cy="504056"/>
-          </a:xfrm>
-          <a:prstGeom prst="line">
-            <a:avLst/>
-          </a:prstGeom>
-        </p:spPr>
-        <p:style>
-          <a:lnRef idx="1">
-            <a:schemeClr val="accent1"/>
-          </a:lnRef>
-          <a:fillRef idx="0">
-            <a:schemeClr val="accent1"/>
-          </a:fillRef>
-          <a:effectRef idx="0">
-            <a:schemeClr val="accent1"/>
-          </a:effectRef>
-          <a:fontRef idx="minor">
-            <a:schemeClr val="tx1"/>
-          </a:fontRef>
-        </p:style>
-      </p:cxnSp>
       <p:pic>
         <p:nvPicPr>
-          <p:cNvPr id="10" name="Picture 3"/>
+          <p:cNvPr id="8" name="Picture 3"/>
           <p:cNvPicPr>
             <a:picLocks noChangeAspect="1" noChangeArrowheads="1"/>
           </p:cNvPicPr>
@@ -9021,7 +11237,7 @@
         </p:blipFill>
         <p:spPr bwMode="auto">
           <a:xfrm>
-            <a:off x="7663904" y="985444"/>
+            <a:off x="7679210" y="1124744"/>
             <a:ext cx="1177660" cy="2271712"/>
           </a:xfrm>
           <a:prstGeom prst="rect">
@@ -9054,15 +11270,13 @@
       </p:pic>
       <p:sp>
         <p:nvSpPr>
-          <p:cNvPr id="11" name="Yuvarlatılmış Dikdörtgen 10">
-            <a:hlinkClick r:id="rId4" action="ppaction://hlinksldjump"/>
-          </p:cNvPr>
+          <p:cNvPr id="9" name="Yuvarlatılmış Dikdörtgen 8"/>
           <p:cNvSpPr/>
           <p:nvPr/>
         </p:nvSpPr>
         <p:spPr>
           <a:xfrm>
-            <a:off x="733417" y="5085184"/>
+            <a:off x="395536" y="5085184"/>
             <a:ext cx="900000" cy="648072"/>
           </a:xfrm>
           <a:prstGeom prst="roundRect">
@@ -9123,2549 +11337,7 @@
                 </a:solidFill>
                 <a:latin typeface="Corbel" panose="020B0503020204020204" pitchFamily="34" charset="0"/>
               </a:rPr>
-              <a:t>Bread</a:t>
-            </a:r>
-          </a:p>
-        </p:txBody>
-      </p:sp>
-      <p:sp>
-        <p:nvSpPr>
-          <p:cNvPr id="12" name="Yuvarlatılmış Dikdörtgen 11"/>
-          <p:cNvSpPr/>
-          <p:nvPr/>
-        </p:nvSpPr>
-        <p:spPr>
-          <a:xfrm>
-            <a:off x="1911637" y="5085184"/>
-            <a:ext cx="900000" cy="648072"/>
-          </a:xfrm>
-          <a:prstGeom prst="roundRect">
-            <a:avLst/>
-          </a:prstGeom>
-          <a:solidFill>
-            <a:schemeClr val="bg1">
-              <a:lumMod val="95000"/>
-            </a:schemeClr>
-          </a:solidFill>
-          <a:ln>
-            <a:noFill/>
-          </a:ln>
-          <a:effectLst/>
-          <a:scene3d>
-            <a:camera prst="orthographicFront"/>
-            <a:lightRig rig="threePt" dir="t"/>
-          </a:scene3d>
-          <a:sp3d prstMaterial="matte">
-            <a:bevelT w="12700"/>
-            <a:bevelB/>
-          </a:sp3d>
-        </p:spPr>
-        <p:style>
-          <a:lnRef idx="2">
-            <a:schemeClr val="accent1">
-              <a:shade val="50000"/>
-            </a:schemeClr>
-          </a:lnRef>
-          <a:fillRef idx="1">
-            <a:schemeClr val="accent1"/>
-          </a:fillRef>
-          <a:effectRef idx="0">
-            <a:schemeClr val="accent1"/>
-          </a:effectRef>
-          <a:fontRef idx="minor">
-            <a:schemeClr val="lt1"/>
-          </a:fontRef>
-        </p:style>
-        <p:txBody>
-          <a:bodyPr rtlCol="0" anchor="ctr"/>
-          <a:lstStyle/>
-          <a:p>
-            <a:pPr algn="ctr"/>
-            <a:r>
-              <a:rPr lang="en-US" sz="1100" dirty="0">
-                <a:solidFill>
-                  <a:schemeClr val="tx1"/>
-                </a:solidFill>
-                <a:latin typeface="Corbel" panose="020B0503020204020204" pitchFamily="34" charset="0"/>
-              </a:rPr>
-              <a:t>Bread (Pita)</a:t>
-            </a:r>
-          </a:p>
-        </p:txBody>
-      </p:sp>
-      <p:sp>
-        <p:nvSpPr>
-          <p:cNvPr id="13" name="Yuvarlatılmış Dikdörtgen 12"/>
-          <p:cNvSpPr/>
-          <p:nvPr/>
-        </p:nvSpPr>
-        <p:spPr>
-          <a:xfrm>
-            <a:off x="3089857" y="5085184"/>
-            <a:ext cx="900000" cy="648072"/>
-          </a:xfrm>
-          <a:prstGeom prst="roundRect">
-            <a:avLst/>
-          </a:prstGeom>
-          <a:solidFill>
-            <a:schemeClr val="bg1">
-              <a:lumMod val="95000"/>
-            </a:schemeClr>
-          </a:solidFill>
-          <a:ln>
-            <a:noFill/>
-          </a:ln>
-          <a:effectLst/>
-          <a:scene3d>
-            <a:camera prst="orthographicFront"/>
-            <a:lightRig rig="threePt" dir="t"/>
-          </a:scene3d>
-          <a:sp3d prstMaterial="matte">
-            <a:bevelT w="12700"/>
-            <a:bevelB/>
-          </a:sp3d>
-        </p:spPr>
-        <p:style>
-          <a:lnRef idx="2">
-            <a:schemeClr val="accent1">
-              <a:shade val="50000"/>
-            </a:schemeClr>
-          </a:lnRef>
-          <a:fillRef idx="1">
-            <a:schemeClr val="accent1"/>
-          </a:fillRef>
-          <a:effectRef idx="0">
-            <a:schemeClr val="accent1"/>
-          </a:effectRef>
-          <a:fontRef idx="minor">
-            <a:schemeClr val="lt1"/>
-          </a:fontRef>
-        </p:style>
-        <p:txBody>
-          <a:bodyPr rtlCol="0" anchor="ctr"/>
-          <a:lstStyle/>
-          <a:p>
-            <a:pPr algn="ctr"/>
-            <a:r>
-              <a:rPr lang="en-US" sz="1100" dirty="0">
-                <a:solidFill>
-                  <a:schemeClr val="tx1"/>
-                </a:solidFill>
-                <a:latin typeface="Corbel" panose="020B0503020204020204" pitchFamily="34" charset="0"/>
-              </a:rPr>
-              <a:t>Bulgur</a:t>
-            </a:r>
-          </a:p>
-        </p:txBody>
-      </p:sp>
-      <p:sp>
-        <p:nvSpPr>
-          <p:cNvPr id="14" name="Yuvarlatılmış Dikdörtgen 13"/>
-          <p:cNvSpPr/>
-          <p:nvPr/>
-        </p:nvSpPr>
-        <p:spPr>
-          <a:xfrm>
-            <a:off x="4268077" y="5085184"/>
-            <a:ext cx="900000" cy="648072"/>
-          </a:xfrm>
-          <a:prstGeom prst="roundRect">
-            <a:avLst/>
-          </a:prstGeom>
-          <a:solidFill>
-            <a:schemeClr val="bg1">
-              <a:lumMod val="95000"/>
-            </a:schemeClr>
-          </a:solidFill>
-          <a:ln>
-            <a:noFill/>
-          </a:ln>
-          <a:effectLst/>
-          <a:scene3d>
-            <a:camera prst="orthographicFront"/>
-            <a:lightRig rig="threePt" dir="t"/>
-          </a:scene3d>
-          <a:sp3d prstMaterial="matte">
-            <a:bevelT w="12700"/>
-            <a:bevelB/>
-          </a:sp3d>
-        </p:spPr>
-        <p:style>
-          <a:lnRef idx="2">
-            <a:schemeClr val="accent1">
-              <a:shade val="50000"/>
-            </a:schemeClr>
-          </a:lnRef>
-          <a:fillRef idx="1">
-            <a:schemeClr val="accent1"/>
-          </a:fillRef>
-          <a:effectRef idx="0">
-            <a:schemeClr val="accent1"/>
-          </a:effectRef>
-          <a:fontRef idx="minor">
-            <a:schemeClr val="lt1"/>
-          </a:fontRef>
-        </p:style>
-        <p:txBody>
-          <a:bodyPr rtlCol="0" anchor="ctr"/>
-          <a:lstStyle/>
-          <a:p>
-            <a:pPr algn="ctr"/>
-            <a:r>
-              <a:rPr lang="en-US" sz="1100" dirty="0">
-                <a:solidFill>
-                  <a:schemeClr val="tx1"/>
-                </a:solidFill>
-                <a:latin typeface="Corbel" panose="020B0503020204020204" pitchFamily="34" charset="0"/>
-              </a:rPr>
-              <a:t>Pasta</a:t>
-            </a:r>
-          </a:p>
-        </p:txBody>
-      </p:sp>
-      <p:sp>
-        <p:nvSpPr>
-          <p:cNvPr id="15" name="Yuvarlatılmış Dikdörtgen 14"/>
-          <p:cNvSpPr/>
-          <p:nvPr/>
-        </p:nvSpPr>
-        <p:spPr>
-          <a:xfrm>
-            <a:off x="5446297" y="5085184"/>
-            <a:ext cx="900000" cy="648072"/>
-          </a:xfrm>
-          <a:prstGeom prst="roundRect">
-            <a:avLst/>
-          </a:prstGeom>
-          <a:solidFill>
-            <a:schemeClr val="bg1">
-              <a:lumMod val="95000"/>
-            </a:schemeClr>
-          </a:solidFill>
-          <a:ln>
-            <a:noFill/>
-          </a:ln>
-          <a:effectLst/>
-          <a:scene3d>
-            <a:camera prst="orthographicFront"/>
-            <a:lightRig rig="threePt" dir="t"/>
-          </a:scene3d>
-          <a:sp3d prstMaterial="matte">
-            <a:bevelT w="12700"/>
-            <a:bevelB/>
-          </a:sp3d>
-        </p:spPr>
-        <p:style>
-          <a:lnRef idx="2">
-            <a:schemeClr val="accent1">
-              <a:shade val="50000"/>
-            </a:schemeClr>
-          </a:lnRef>
-          <a:fillRef idx="1">
-            <a:schemeClr val="accent1"/>
-          </a:fillRef>
-          <a:effectRef idx="0">
-            <a:schemeClr val="accent1"/>
-          </a:effectRef>
-          <a:fontRef idx="minor">
-            <a:schemeClr val="lt1"/>
-          </a:fontRef>
-        </p:style>
-        <p:txBody>
-          <a:bodyPr rtlCol="0" anchor="ctr"/>
-          <a:lstStyle/>
-          <a:p>
-            <a:pPr algn="ctr"/>
-            <a:r>
-              <a:rPr lang="en-US" sz="1100" dirty="0">
-                <a:solidFill>
-                  <a:schemeClr val="tx1"/>
-                </a:solidFill>
-                <a:latin typeface="Corbel" panose="020B0503020204020204" pitchFamily="34" charset="0"/>
-              </a:rPr>
-              <a:t>Potatoes</a:t>
-            </a:r>
-          </a:p>
-        </p:txBody>
-      </p:sp>
-      <p:sp>
-        <p:nvSpPr>
-          <p:cNvPr id="16" name="Yuvarlatılmış Dikdörtgen 15"/>
-          <p:cNvSpPr/>
-          <p:nvPr/>
-        </p:nvSpPr>
-        <p:spPr>
-          <a:xfrm>
-            <a:off x="6624517" y="5085184"/>
-            <a:ext cx="900000" cy="648072"/>
-          </a:xfrm>
-          <a:prstGeom prst="roundRect">
-            <a:avLst/>
-          </a:prstGeom>
-          <a:solidFill>
-            <a:schemeClr val="bg1">
-              <a:lumMod val="95000"/>
-            </a:schemeClr>
-          </a:solidFill>
-          <a:ln>
-            <a:solidFill>
-              <a:srgbClr val="C00000"/>
-            </a:solidFill>
-          </a:ln>
-          <a:effectLst>
-            <a:outerShdw blurRad="50800" dist="38100" dir="2700000" algn="tl" rotWithShape="0">
-              <a:prstClr val="black">
-                <a:alpha val="40000"/>
-              </a:prstClr>
-            </a:outerShdw>
-            <a:reflection blurRad="6350" stA="52000" endA="300" endPos="35000" dir="5400000" sy="-100000" algn="bl" rotWithShape="0"/>
-          </a:effectLst>
-          <a:scene3d>
-            <a:camera prst="orthographicFront"/>
-            <a:lightRig rig="threePt" dir="t"/>
-          </a:scene3d>
-          <a:sp3d prstMaterial="matte">
-            <a:bevelT/>
-            <a:bevelB/>
-          </a:sp3d>
-        </p:spPr>
-        <p:style>
-          <a:lnRef idx="2">
-            <a:schemeClr val="accent1">
-              <a:shade val="50000"/>
-            </a:schemeClr>
-          </a:lnRef>
-          <a:fillRef idx="1">
-            <a:schemeClr val="accent1"/>
-          </a:fillRef>
-          <a:effectRef idx="0">
-            <a:schemeClr val="accent1"/>
-          </a:effectRef>
-          <a:fontRef idx="minor">
-            <a:schemeClr val="lt1"/>
-          </a:fontRef>
-        </p:style>
-        <p:txBody>
-          <a:bodyPr rtlCol="0" anchor="ctr"/>
-          <a:lstStyle/>
-          <a:p>
-            <a:pPr algn="ctr"/>
-            <a:r>
-              <a:rPr lang="en-US" sz="1100" b="1" dirty="0">
-                <a:solidFill>
-                  <a:srgbClr val="C00000"/>
-                </a:solidFill>
-                <a:latin typeface="Corbel" panose="020B0503020204020204" pitchFamily="34" charset="0"/>
-              </a:rPr>
-              <a:t>Rice</a:t>
-            </a:r>
-          </a:p>
-        </p:txBody>
-      </p:sp>
-      <p:sp>
-        <p:nvSpPr>
-          <p:cNvPr id="17" name="Yuvarlatılmış Dikdörtgen 16"/>
-          <p:cNvSpPr/>
-          <p:nvPr/>
-        </p:nvSpPr>
-        <p:spPr>
-          <a:xfrm>
-            <a:off x="7802734" y="5085184"/>
-            <a:ext cx="900000" cy="648072"/>
-          </a:xfrm>
-          <a:prstGeom prst="roundRect">
-            <a:avLst/>
-          </a:prstGeom>
-          <a:solidFill>
-            <a:schemeClr val="bg1">
-              <a:lumMod val="95000"/>
-            </a:schemeClr>
-          </a:solidFill>
-          <a:ln>
-            <a:noFill/>
-          </a:ln>
-          <a:effectLst/>
-          <a:scene3d>
-            <a:camera prst="orthographicFront"/>
-            <a:lightRig rig="threePt" dir="t"/>
-          </a:scene3d>
-          <a:sp3d prstMaterial="matte">
-            <a:bevelT w="12700"/>
-            <a:bevelB/>
-          </a:sp3d>
-        </p:spPr>
-        <p:style>
-          <a:lnRef idx="2">
-            <a:schemeClr val="accent1">
-              <a:shade val="50000"/>
-            </a:schemeClr>
-          </a:lnRef>
-          <a:fillRef idx="1">
-            <a:schemeClr val="accent1"/>
-          </a:fillRef>
-          <a:effectRef idx="0">
-            <a:schemeClr val="accent1"/>
-          </a:effectRef>
-          <a:fontRef idx="minor">
-            <a:schemeClr val="lt1"/>
-          </a:fontRef>
-        </p:style>
-        <p:txBody>
-          <a:bodyPr rtlCol="0" anchor="ctr"/>
-          <a:lstStyle/>
-          <a:p>
-            <a:pPr algn="ctr"/>
-            <a:r>
-              <a:rPr lang="en-US" sz="1100" dirty="0">
-                <a:solidFill>
-                  <a:schemeClr val="tx1"/>
-                </a:solidFill>
-                <a:latin typeface="Corbel" panose="020B0503020204020204" pitchFamily="34" charset="0"/>
-              </a:rPr>
-              <a:t>Wheat Flour</a:t>
-            </a:r>
-          </a:p>
-        </p:txBody>
-      </p:sp>
-      <p:pic>
-        <p:nvPicPr>
-          <p:cNvPr id="18" name="Resim 17" descr="Ekran Kırpma"/>
-          <p:cNvPicPr>
-            <a:picLocks noChangeAspect="1"/>
-          </p:cNvPicPr>
-          <p:nvPr/>
-        </p:nvPicPr>
-        <p:blipFill>
-          <a:blip r:embed="rId5">
-            <a:extLst>
-              <a:ext uri="{28A0092B-C50C-407E-A947-70E740481C1C}">
-                <a14:useLocalDpi xmlns:a14="http://schemas.microsoft.com/office/drawing/2010/main" val="0"/>
-              </a:ext>
-            </a:extLst>
-          </a:blip>
-          <a:stretch>
-            <a:fillRect/>
-          </a:stretch>
-        </p:blipFill>
-        <p:spPr>
-          <a:xfrm>
-            <a:off x="1043608" y="252220"/>
-            <a:ext cx="6895005" cy="4851803"/>
-          </a:xfrm>
-          <a:prstGeom prst="rect">
-            <a:avLst/>
-          </a:prstGeom>
-          <a:ln w="228600" cap="sq" cmpd="thickThin">
-            <a:solidFill>
-              <a:srgbClr val="000000"/>
-            </a:solidFill>
-            <a:prstDash val="solid"/>
-            <a:miter lim="800000"/>
-          </a:ln>
-          <a:effectLst>
-            <a:innerShdw blurRad="76200">
-              <a:srgbClr val="000000"/>
-            </a:innerShdw>
-          </a:effectLst>
-        </p:spPr>
-      </p:pic>
-      <p:sp>
-        <p:nvSpPr>
-          <p:cNvPr id="3" name="Metin kutusu 2"/>
-          <p:cNvSpPr txBox="1"/>
-          <p:nvPr/>
-        </p:nvSpPr>
-        <p:spPr>
-          <a:xfrm>
-            <a:off x="334276" y="6134524"/>
-            <a:ext cx="1654684" cy="369332"/>
-          </a:xfrm>
-          <a:prstGeom prst="rect">
-            <a:avLst/>
-          </a:prstGeom>
-          <a:noFill/>
-        </p:spPr>
-        <p:txBody>
-          <a:bodyPr wrap="none" rtlCol="0">
-            <a:spAutoFit/>
-          </a:bodyPr>
-          <a:lstStyle/>
-          <a:p>
-            <a:r>
-              <a:rPr lang="tr-TR" b="1" dirty="0">
-                <a:solidFill>
-                  <a:srgbClr val="C00000"/>
-                </a:solidFill>
-              </a:rPr>
-              <a:t>Exchange </a:t>
-            </a:r>
-            <a:r>
-              <a:rPr lang="en-US" b="1" dirty="0">
-                <a:solidFill>
-                  <a:srgbClr val="C00000"/>
-                </a:solidFill>
-              </a:rPr>
-              <a:t>Rates</a:t>
-            </a:r>
-          </a:p>
-        </p:txBody>
-      </p:sp>
-      <p:sp>
-        <p:nvSpPr>
-          <p:cNvPr id="20" name="Metin kutusu 19"/>
-          <p:cNvSpPr txBox="1"/>
-          <p:nvPr/>
-        </p:nvSpPr>
-        <p:spPr>
-          <a:xfrm>
-            <a:off x="2578942" y="5996024"/>
-            <a:ext cx="1200970" cy="646331"/>
-          </a:xfrm>
-          <a:prstGeom prst="rect">
-            <a:avLst/>
-          </a:prstGeom>
-          <a:noFill/>
-        </p:spPr>
-        <p:txBody>
-          <a:bodyPr wrap="none" rtlCol="0">
-            <a:spAutoFit/>
-          </a:bodyPr>
-          <a:lstStyle/>
-          <a:p>
-            <a:r>
-              <a:rPr lang="tr-TR" b="1" dirty="0" err="1">
-                <a:solidFill>
-                  <a:srgbClr val="C00000"/>
-                </a:solidFill>
-              </a:rPr>
-              <a:t>Increased</a:t>
-            </a:r>
-            <a:endParaRPr lang="tr-TR" b="1" dirty="0">
-              <a:solidFill>
-                <a:srgbClr val="C00000"/>
-              </a:solidFill>
-            </a:endParaRPr>
-          </a:p>
-          <a:p>
-            <a:r>
-              <a:rPr lang="tr-TR" b="1" dirty="0" err="1">
-                <a:solidFill>
-                  <a:srgbClr val="C00000"/>
-                </a:solidFill>
-              </a:rPr>
-              <a:t>Flour</a:t>
-            </a:r>
-            <a:r>
-              <a:rPr lang="tr-TR" b="1" dirty="0">
-                <a:solidFill>
-                  <a:srgbClr val="C00000"/>
-                </a:solidFill>
-              </a:rPr>
-              <a:t> </a:t>
-            </a:r>
-            <a:r>
-              <a:rPr lang="tr-TR" b="1" dirty="0" err="1">
-                <a:solidFill>
-                  <a:srgbClr val="C00000"/>
-                </a:solidFill>
-              </a:rPr>
-              <a:t>Price</a:t>
-            </a:r>
-            <a:endParaRPr lang="tr-TR" b="1" dirty="0">
-              <a:solidFill>
-                <a:srgbClr val="C00000"/>
-              </a:solidFill>
-            </a:endParaRPr>
-          </a:p>
-        </p:txBody>
-      </p:sp>
-      <p:sp>
-        <p:nvSpPr>
-          <p:cNvPr id="21" name="Metin kutusu 20"/>
-          <p:cNvSpPr txBox="1"/>
-          <p:nvPr/>
-        </p:nvSpPr>
-        <p:spPr>
-          <a:xfrm>
-            <a:off x="5184119" y="6033266"/>
-            <a:ext cx="1207382" cy="646331"/>
-          </a:xfrm>
-          <a:prstGeom prst="rect">
-            <a:avLst/>
-          </a:prstGeom>
-          <a:noFill/>
-        </p:spPr>
-        <p:txBody>
-          <a:bodyPr wrap="none" rtlCol="0">
-            <a:spAutoFit/>
-          </a:bodyPr>
-          <a:lstStyle/>
-          <a:p>
-            <a:r>
-              <a:rPr lang="tr-TR" b="1" dirty="0" err="1">
-                <a:solidFill>
-                  <a:srgbClr val="C00000"/>
-                </a:solidFill>
-              </a:rPr>
-              <a:t>Weather</a:t>
-            </a:r>
-            <a:r>
-              <a:rPr lang="tr-TR" b="1" dirty="0">
-                <a:solidFill>
-                  <a:srgbClr val="C00000"/>
-                </a:solidFill>
-              </a:rPr>
-              <a:t> </a:t>
-            </a:r>
-          </a:p>
-          <a:p>
-            <a:r>
-              <a:rPr lang="tr-TR" b="1" dirty="0" err="1">
-                <a:solidFill>
-                  <a:srgbClr val="C00000"/>
-                </a:solidFill>
-              </a:rPr>
-              <a:t>Conditions</a:t>
-            </a:r>
-            <a:endParaRPr lang="en-US" b="1" dirty="0">
-              <a:solidFill>
-                <a:srgbClr val="C00000"/>
-              </a:solidFill>
-            </a:endParaRPr>
-          </a:p>
-        </p:txBody>
-      </p:sp>
-      <p:sp>
-        <p:nvSpPr>
-          <p:cNvPr id="24" name="Metin kutusu 23"/>
-          <p:cNvSpPr txBox="1"/>
-          <p:nvPr/>
-        </p:nvSpPr>
-        <p:spPr>
-          <a:xfrm>
-            <a:off x="7074517" y="6045504"/>
-            <a:ext cx="1223605" cy="646331"/>
-          </a:xfrm>
-          <a:prstGeom prst="rect">
-            <a:avLst/>
-          </a:prstGeom>
-          <a:noFill/>
-        </p:spPr>
-        <p:txBody>
-          <a:bodyPr wrap="none" rtlCol="0">
-            <a:spAutoFit/>
-          </a:bodyPr>
-          <a:lstStyle/>
-          <a:p>
-            <a:r>
-              <a:rPr lang="tr-TR" b="1" dirty="0" err="1">
-                <a:solidFill>
-                  <a:srgbClr val="C00000"/>
-                </a:solidFill>
-              </a:rPr>
-              <a:t>Decreased</a:t>
-            </a:r>
-            <a:r>
-              <a:rPr lang="tr-TR" b="1" dirty="0">
-                <a:solidFill>
-                  <a:srgbClr val="C00000"/>
-                </a:solidFill>
-              </a:rPr>
-              <a:t> </a:t>
-            </a:r>
-          </a:p>
-          <a:p>
-            <a:r>
-              <a:rPr lang="tr-TR" b="1" dirty="0" err="1">
-                <a:solidFill>
-                  <a:srgbClr val="C00000"/>
-                </a:solidFill>
-              </a:rPr>
-              <a:t>Supply</a:t>
-            </a:r>
-            <a:endParaRPr lang="en-US" b="1" dirty="0">
-              <a:solidFill>
-                <a:srgbClr val="C00000"/>
-              </a:solidFill>
-            </a:endParaRPr>
-          </a:p>
-        </p:txBody>
-      </p:sp>
-      <p:cxnSp>
-        <p:nvCxnSpPr>
-          <p:cNvPr id="31" name="Eğri Bağlayıcı 30"/>
-          <p:cNvCxnSpPr>
-            <a:cxnSpLocks/>
-          </p:cNvCxnSpPr>
-          <p:nvPr/>
-        </p:nvCxnSpPr>
-        <p:spPr>
-          <a:xfrm>
-            <a:off x="1976311" y="6319189"/>
-            <a:ext cx="602631" cy="2478"/>
-          </a:xfrm>
-          <a:prstGeom prst="curvedConnector3">
-            <a:avLst>
-              <a:gd name="adj1" fmla="val 50000"/>
-            </a:avLst>
-          </a:prstGeom>
-          <a:ln w="57150">
-            <a:prstDash val="sysDot"/>
-            <a:tailEnd type="arrow"/>
-          </a:ln>
-        </p:spPr>
-        <p:style>
-          <a:lnRef idx="1">
-            <a:schemeClr val="accent1"/>
-          </a:lnRef>
-          <a:fillRef idx="0">
-            <a:schemeClr val="accent1"/>
-          </a:fillRef>
-          <a:effectRef idx="0">
-            <a:schemeClr val="accent1"/>
-          </a:effectRef>
-          <a:fontRef idx="minor">
-            <a:schemeClr val="tx1"/>
-          </a:fontRef>
-        </p:style>
-      </p:cxnSp>
-      <p:cxnSp>
-        <p:nvCxnSpPr>
-          <p:cNvPr id="36" name="Eğri Bağlayıcı 30">
-            <a:extLst>
-              <a:ext uri="{FF2B5EF4-FFF2-40B4-BE49-F238E27FC236}">
-                <a16:creationId xmlns:a16="http://schemas.microsoft.com/office/drawing/2014/main" id="{09554AC6-1CF5-45F9-AB88-29C5E42884A2}"/>
-              </a:ext>
-            </a:extLst>
-          </p:cNvPr>
-          <p:cNvCxnSpPr>
-            <a:cxnSpLocks/>
-          </p:cNvCxnSpPr>
-          <p:nvPr/>
-        </p:nvCxnSpPr>
-        <p:spPr>
-          <a:xfrm>
-            <a:off x="6418292" y="6368670"/>
-            <a:ext cx="602631" cy="2478"/>
-          </a:xfrm>
-          <a:prstGeom prst="curvedConnector3">
-            <a:avLst>
-              <a:gd name="adj1" fmla="val 50000"/>
-            </a:avLst>
-          </a:prstGeom>
-          <a:ln w="57150">
-            <a:prstDash val="sysDot"/>
-            <a:tailEnd type="arrow"/>
-          </a:ln>
-        </p:spPr>
-        <p:style>
-          <a:lnRef idx="1">
-            <a:schemeClr val="accent1"/>
-          </a:lnRef>
-          <a:fillRef idx="0">
-            <a:schemeClr val="accent1"/>
-          </a:fillRef>
-          <a:effectRef idx="0">
-            <a:schemeClr val="accent1"/>
-          </a:effectRef>
-          <a:fontRef idx="minor">
-            <a:schemeClr val="tx1"/>
-          </a:fontRef>
-        </p:style>
-      </p:cxnSp>
-      <p:sp>
-        <p:nvSpPr>
-          <p:cNvPr id="37" name="Dikdörtgen: Yuvarlatılmış Köşeler 36">
-            <a:extLst>
-              <a:ext uri="{FF2B5EF4-FFF2-40B4-BE49-F238E27FC236}">
-                <a16:creationId xmlns:a16="http://schemas.microsoft.com/office/drawing/2014/main" id="{8CF3FB91-8CAB-492A-BEAE-F8FDE05FA297}"/>
-              </a:ext>
-            </a:extLst>
-          </p:cNvPr>
-          <p:cNvSpPr/>
-          <p:nvPr/>
-        </p:nvSpPr>
-        <p:spPr>
-          <a:xfrm>
-            <a:off x="157252" y="6017051"/>
-            <a:ext cx="3832603" cy="604275"/>
-          </a:xfrm>
-          <a:prstGeom prst="roundRect">
-            <a:avLst/>
-          </a:prstGeom>
-          <a:noFill/>
-          <a:ln>
-            <a:solidFill>
-              <a:schemeClr val="tx2"/>
-            </a:solidFill>
-          </a:ln>
-        </p:spPr>
-        <p:style>
-          <a:lnRef idx="2">
-            <a:schemeClr val="accent1">
-              <a:shade val="50000"/>
-            </a:schemeClr>
-          </a:lnRef>
-          <a:fillRef idx="1">
-            <a:schemeClr val="accent1"/>
-          </a:fillRef>
-          <a:effectRef idx="0">
-            <a:schemeClr val="accent1"/>
-          </a:effectRef>
-          <a:fontRef idx="minor">
-            <a:schemeClr val="lt1"/>
-          </a:fontRef>
-        </p:style>
-        <p:txBody>
-          <a:bodyPr rtlCol="0" anchor="ctr"/>
-          <a:lstStyle/>
-          <a:p>
-            <a:pPr algn="ctr"/>
-            <a:endParaRPr lang="tr-TR"/>
-          </a:p>
-        </p:txBody>
-      </p:sp>
-      <p:sp>
-        <p:nvSpPr>
-          <p:cNvPr id="38" name="Dikdörtgen: Yuvarlatılmış Köşeler 37">
-            <a:extLst>
-              <a:ext uri="{FF2B5EF4-FFF2-40B4-BE49-F238E27FC236}">
-                <a16:creationId xmlns:a16="http://schemas.microsoft.com/office/drawing/2014/main" id="{7D321041-4EB7-4399-8108-BA67B692807E}"/>
-              </a:ext>
-            </a:extLst>
-          </p:cNvPr>
-          <p:cNvSpPr/>
-          <p:nvPr/>
-        </p:nvSpPr>
-        <p:spPr>
-          <a:xfrm>
-            <a:off x="5000632" y="6058224"/>
-            <a:ext cx="3387792" cy="604275"/>
-          </a:xfrm>
-          <a:prstGeom prst="roundRect">
-            <a:avLst/>
-          </a:prstGeom>
-          <a:noFill/>
-          <a:ln>
-            <a:solidFill>
-              <a:schemeClr val="tx2"/>
-            </a:solidFill>
-          </a:ln>
-        </p:spPr>
-        <p:style>
-          <a:lnRef idx="2">
-            <a:schemeClr val="accent1">
-              <a:shade val="50000"/>
-            </a:schemeClr>
-          </a:lnRef>
-          <a:fillRef idx="1">
-            <a:schemeClr val="accent1"/>
-          </a:fillRef>
-          <a:effectRef idx="0">
-            <a:schemeClr val="accent1"/>
-          </a:effectRef>
-          <a:fontRef idx="minor">
-            <a:schemeClr val="lt1"/>
-          </a:fontRef>
-        </p:style>
-        <p:txBody>
-          <a:bodyPr rtlCol="0" anchor="ctr"/>
-          <a:lstStyle/>
-          <a:p>
-            <a:pPr algn="ctr"/>
-            <a:endParaRPr lang="tr-TR"/>
-          </a:p>
-        </p:txBody>
-      </p:sp>
-    </p:spTree>
-    <p:extLst>
-      <p:ext uri="{BB962C8B-B14F-4D97-AF65-F5344CB8AC3E}">
-        <p14:creationId xmlns:p14="http://schemas.microsoft.com/office/powerpoint/2010/main" val="2367583352"/>
-      </p:ext>
-    </p:extLst>
-  </p:cSld>
-  <p:clrMapOvr>
-    <a:masterClrMapping/>
-  </p:clrMapOvr>
-  <p:timing>
-    <p:tnLst>
-      <p:par>
-        <p:cTn id="1" dur="indefinite" restart="never" nodeType="tmRoot">
-          <p:childTnLst>
-            <p:seq concurrent="1" nextAc="seek">
-              <p:cTn id="2" restart="whenNotActive" fill="hold" evtFilter="cancelBubble" nodeType="interactiveSeq">
-                <p:stCondLst>
-                  <p:cond evt="onClick" delay="0">
-                    <p:tgtEl>
-                      <p:spTgt spid="11"/>
-                    </p:tgtEl>
-                  </p:cond>
-                </p:stCondLst>
-                <p:endSync evt="end" delay="0">
-                  <p:rtn val="all"/>
-                </p:endSync>
-                <p:childTnLst>
-                  <p:par>
-                    <p:cTn id="3" fill="hold">
-                      <p:stCondLst>
-                        <p:cond delay="0"/>
-                      </p:stCondLst>
-                      <p:childTnLst>
-                        <p:par>
-                          <p:cTn id="4" fill="hold">
-                            <p:stCondLst>
-                              <p:cond delay="0"/>
-                            </p:stCondLst>
-                            <p:childTnLst>
-                              <p:par>
-                                <p:cTn id="5" presetID="1" presetClass="entr" presetSubtype="0" fill="hold" nodeType="clickEffect">
-                                  <p:stCondLst>
-                                    <p:cond delay="0"/>
-                                  </p:stCondLst>
-                                  <p:childTnLst>
-                                    <p:set>
-                                      <p:cBhvr>
-                                        <p:cTn id="6" dur="1" fill="hold">
-                                          <p:stCondLst>
-                                            <p:cond delay="0"/>
-                                          </p:stCondLst>
-                                        </p:cTn>
-                                        <p:tgtEl>
-                                          <p:spTgt spid="18"/>
-                                        </p:tgtEl>
-                                        <p:attrNameLst>
-                                          <p:attrName>style.visibility</p:attrName>
-                                        </p:attrNameLst>
-                                      </p:cBhvr>
-                                      <p:to>
-                                        <p:strVal val="visible"/>
-                                      </p:to>
-                                    </p:set>
-                                  </p:childTnLst>
-                                  <p:subTnLst>
-                                    <p:set>
-                                      <p:cBhvr override="childStyle">
-                                        <p:cTn dur="1" fill="hold" display="0" masterRel="nextClick" afterEffect="1"/>
-                                        <p:tgtEl>
-                                          <p:spTgt spid="18"/>
-                                        </p:tgtEl>
-                                        <p:attrNameLst>
-                                          <p:attrName>style.visibility</p:attrName>
-                                        </p:attrNameLst>
-                                      </p:cBhvr>
-                                      <p:to>
-                                        <p:strVal val="hidden"/>
-                                      </p:to>
-                                    </p:set>
-                                  </p:subTnLst>
-                                </p:cTn>
-                              </p:par>
-                            </p:childTnLst>
-                          </p:cTn>
-                        </p:par>
-                      </p:childTnLst>
-                    </p:cTn>
-                  </p:par>
-                </p:childTnLst>
-              </p:cTn>
-              <p:nextCondLst>
-                <p:cond evt="onClick" delay="0">
-                  <p:tgtEl>
-                    <p:spTgt spid="11"/>
-                  </p:tgtEl>
-                </p:cond>
-              </p:nextCondLst>
-            </p:seq>
-          </p:childTnLst>
-        </p:cTn>
-      </p:par>
-    </p:tnLst>
-  </p:timing>
-</p:sld>
-</file>
-
-<file path=ppt/slides/slide6.xml><?xml version="1.0" encoding="utf-8"?>
-<p:sld xmlns:a="http://schemas.openxmlformats.org/drawingml/2006/main" xmlns:r="http://schemas.openxmlformats.org/officeDocument/2006/relationships" xmlns:p="http://schemas.openxmlformats.org/presentationml/2006/main">
-  <p:cSld>
-    <p:spTree>
-      <p:nvGrpSpPr>
-        <p:cNvPr id="1" name=""/>
-        <p:cNvGrpSpPr/>
-        <p:nvPr/>
-      </p:nvGrpSpPr>
-      <p:grpSpPr>
-        <a:xfrm>
-          <a:off x="0" y="0"/>
-          <a:ext cx="0" cy="0"/>
-          <a:chOff x="0" y="0"/>
-          <a:chExt cx="0" cy="0"/>
-        </a:xfrm>
-      </p:grpSpPr>
-      <p:pic>
-        <p:nvPicPr>
-          <p:cNvPr id="4" name="Resim 3" descr="Ekran Kırpma"/>
-          <p:cNvPicPr>
-            <a:picLocks noChangeAspect="1"/>
-          </p:cNvPicPr>
-          <p:nvPr/>
-        </p:nvPicPr>
-        <p:blipFill rotWithShape="1">
-          <a:blip r:embed="rId2">
-            <a:extLst>
-              <a:ext uri="{28A0092B-C50C-407E-A947-70E740481C1C}">
-                <a14:useLocalDpi xmlns:a14="http://schemas.microsoft.com/office/drawing/2010/main" val="0"/>
-              </a:ext>
-            </a:extLst>
-          </a:blip>
-          <a:srcRect t="1596" r="12358" b="36049"/>
-          <a:stretch/>
-        </p:blipFill>
-        <p:spPr>
-          <a:xfrm>
-            <a:off x="133178" y="1160060"/>
-            <a:ext cx="8687294" cy="4193752"/>
-          </a:xfrm>
-          <a:prstGeom prst="rect">
-            <a:avLst/>
-          </a:prstGeom>
-        </p:spPr>
-      </p:pic>
-      <p:sp>
-        <p:nvSpPr>
-          <p:cNvPr id="5" name="Dikdörtgen 4"/>
-          <p:cNvSpPr/>
-          <p:nvPr/>
-        </p:nvSpPr>
-        <p:spPr>
-          <a:xfrm>
-            <a:off x="539552" y="188640"/>
-            <a:ext cx="4589141" cy="369332"/>
-          </a:xfrm>
-          <a:prstGeom prst="rect">
-            <a:avLst/>
-          </a:prstGeom>
-        </p:spPr>
-        <p:txBody>
-          <a:bodyPr wrap="none">
-            <a:spAutoFit/>
-          </a:bodyPr>
-          <a:lstStyle/>
-          <a:p>
-            <a:r>
-              <a:rPr lang="en-US" b="1" dirty="0">
-                <a:solidFill>
-                  <a:schemeClr val="tx2"/>
-                </a:solidFill>
-                <a:latin typeface="Corbel" panose="020B0503020204020204" pitchFamily="34" charset="0"/>
-              </a:rPr>
-              <a:t>Yearly Average Price for Meat, Fish and Eggs</a:t>
-            </a:r>
-          </a:p>
-        </p:txBody>
-      </p:sp>
-      <p:cxnSp>
-        <p:nvCxnSpPr>
-          <p:cNvPr id="6" name="Düz Bağlayıcı 5"/>
-          <p:cNvCxnSpPr/>
-          <p:nvPr/>
-        </p:nvCxnSpPr>
-        <p:spPr>
-          <a:xfrm>
-            <a:off x="179512" y="116632"/>
-            <a:ext cx="0" cy="522972"/>
-          </a:xfrm>
-          <a:prstGeom prst="line">
-            <a:avLst/>
-          </a:prstGeom>
-          <a:ln w="38100"/>
-        </p:spPr>
-        <p:style>
-          <a:lnRef idx="1">
-            <a:schemeClr val="accent1"/>
-          </a:lnRef>
-          <a:fillRef idx="0">
-            <a:schemeClr val="accent1"/>
-          </a:fillRef>
-          <a:effectRef idx="0">
-            <a:schemeClr val="accent1"/>
-          </a:effectRef>
-          <a:fontRef idx="minor">
-            <a:schemeClr val="tx1"/>
-          </a:fontRef>
-        </p:style>
-      </p:cxnSp>
-      <p:cxnSp>
-        <p:nvCxnSpPr>
-          <p:cNvPr id="7" name="Düz Bağlayıcı 6"/>
-          <p:cNvCxnSpPr/>
-          <p:nvPr/>
-        </p:nvCxnSpPr>
-        <p:spPr>
-          <a:xfrm>
-            <a:off x="395536" y="135548"/>
-            <a:ext cx="0" cy="504056"/>
-          </a:xfrm>
-          <a:prstGeom prst="line">
-            <a:avLst/>
-          </a:prstGeom>
-        </p:spPr>
-        <p:style>
-          <a:lnRef idx="1">
-            <a:schemeClr val="accent1"/>
-          </a:lnRef>
-          <a:fillRef idx="0">
-            <a:schemeClr val="accent1"/>
-          </a:fillRef>
-          <a:effectRef idx="0">
-            <a:schemeClr val="accent1"/>
-          </a:effectRef>
-          <a:fontRef idx="minor">
-            <a:schemeClr val="tx1"/>
-          </a:fontRef>
-        </p:style>
-      </p:cxnSp>
-      <p:pic>
-        <p:nvPicPr>
-          <p:cNvPr id="8" name="Picture 3"/>
-          <p:cNvPicPr>
-            <a:picLocks noChangeAspect="1" noChangeArrowheads="1"/>
-          </p:cNvPicPr>
-          <p:nvPr/>
-        </p:nvPicPr>
-        <p:blipFill rotWithShape="1">
-          <a:blip r:embed="rId3">
-            <a:extLst>
-              <a:ext uri="{28A0092B-C50C-407E-A947-70E740481C1C}">
-                <a14:useLocalDpi xmlns:a14="http://schemas.microsoft.com/office/drawing/2010/main" val="0"/>
-              </a:ext>
-            </a:extLst>
-          </a:blip>
-          <a:srcRect l="59252" t="39639" r="34295" b="38220"/>
-          <a:stretch/>
-        </p:blipFill>
-        <p:spPr bwMode="auto">
-          <a:xfrm>
-            <a:off x="683568" y="1499870"/>
-            <a:ext cx="1177660" cy="2271712"/>
-          </a:xfrm>
-          <a:prstGeom prst="rect">
-            <a:avLst/>
-          </a:prstGeom>
-          <a:noFill/>
-          <a:ln>
-            <a:noFill/>
-          </a:ln>
-          <a:extLst>
-            <a:ext uri="{909E8E84-426E-40DD-AFC4-6F175D3DCCD1}">
-              <a14:hiddenFill xmlns:a14="http://schemas.microsoft.com/office/drawing/2010/main">
-                <a:solidFill>
-                  <a:schemeClr val="accent1"/>
-                </a:solidFill>
-              </a14:hiddenFill>
-            </a:ext>
-            <a:ext uri="{91240B29-F687-4F45-9708-019B960494DF}">
-              <a14:hiddenLine xmlns:a14="http://schemas.microsoft.com/office/drawing/2010/main" w="9525">
-                <a:solidFill>
-                  <a:schemeClr val="tx1"/>
-                </a:solidFill>
-                <a:miter lim="800000"/>
-                <a:headEnd/>
-                <a:tailEnd/>
-              </a14:hiddenLine>
-            </a:ext>
-          </a:extLst>
-        </p:spPr>
-      </p:pic>
-      <p:sp>
-        <p:nvSpPr>
-          <p:cNvPr id="9" name="Yuvarlatılmış Dikdörtgen 8"/>
-          <p:cNvSpPr/>
-          <p:nvPr/>
-        </p:nvSpPr>
-        <p:spPr>
-          <a:xfrm>
-            <a:off x="1052727" y="5409220"/>
-            <a:ext cx="900000" cy="648072"/>
-          </a:xfrm>
-          <a:prstGeom prst="roundRect">
-            <a:avLst/>
-          </a:prstGeom>
-          <a:solidFill>
-            <a:schemeClr val="bg1">
-              <a:lumMod val="95000"/>
-            </a:schemeClr>
-          </a:solidFill>
-          <a:ln>
-            <a:noFill/>
-          </a:ln>
-          <a:effectLst/>
-          <a:scene3d>
-            <a:camera prst="orthographicFront"/>
-            <a:lightRig rig="threePt" dir="t"/>
-          </a:scene3d>
-          <a:sp3d prstMaterial="matte">
-            <a:bevelT w="12700"/>
-            <a:bevelB/>
-          </a:sp3d>
-        </p:spPr>
-        <p:style>
-          <a:lnRef idx="2">
-            <a:schemeClr val="accent1">
-              <a:shade val="50000"/>
-            </a:schemeClr>
-          </a:lnRef>
-          <a:fillRef idx="1">
-            <a:schemeClr val="accent1"/>
-          </a:fillRef>
-          <a:effectRef idx="0">
-            <a:schemeClr val="accent1"/>
-          </a:effectRef>
-          <a:fontRef idx="minor">
-            <a:schemeClr val="lt1"/>
-          </a:fontRef>
-        </p:style>
-        <p:txBody>
-          <a:bodyPr rtlCol="0" anchor="ctr"/>
-          <a:lstStyle/>
-          <a:p>
-            <a:pPr algn="ctr"/>
-            <a:r>
-              <a:rPr lang="en-US" sz="1100" dirty="0">
-                <a:solidFill>
-                  <a:schemeClr val="tx1"/>
-                </a:solidFill>
-                <a:latin typeface="Corbel" panose="020B0503020204020204" pitchFamily="34" charset="0"/>
-              </a:rPr>
-              <a:t>Eggs</a:t>
-            </a:r>
-          </a:p>
-        </p:txBody>
-      </p:sp>
-      <p:sp>
-        <p:nvSpPr>
-          <p:cNvPr id="10" name="Yuvarlatılmış Dikdörtgen 9"/>
-          <p:cNvSpPr/>
-          <p:nvPr/>
-        </p:nvSpPr>
-        <p:spPr>
-          <a:xfrm>
-            <a:off x="2634623" y="5409220"/>
-            <a:ext cx="900000" cy="648072"/>
-          </a:xfrm>
-          <a:prstGeom prst="roundRect">
-            <a:avLst/>
-          </a:prstGeom>
-          <a:solidFill>
-            <a:schemeClr val="bg1">
-              <a:lumMod val="95000"/>
-            </a:schemeClr>
-          </a:solidFill>
-          <a:ln>
-            <a:solidFill>
-              <a:srgbClr val="C00000"/>
-            </a:solidFill>
-          </a:ln>
-          <a:effectLst>
-            <a:outerShdw blurRad="50800" dist="38100" dir="2700000" algn="tl" rotWithShape="0">
-              <a:prstClr val="black">
-                <a:alpha val="40000"/>
-              </a:prstClr>
-            </a:outerShdw>
-            <a:reflection blurRad="6350" stA="52000" endA="300" endPos="35000" dir="5400000" sy="-100000" algn="bl" rotWithShape="0"/>
-          </a:effectLst>
-          <a:scene3d>
-            <a:camera prst="orthographicFront"/>
-            <a:lightRig rig="threePt" dir="t"/>
-          </a:scene3d>
-          <a:sp3d prstMaterial="matte">
-            <a:bevelT/>
-            <a:bevelB/>
-          </a:sp3d>
-        </p:spPr>
-        <p:style>
-          <a:lnRef idx="2">
-            <a:schemeClr val="accent1">
-              <a:shade val="50000"/>
-            </a:schemeClr>
-          </a:lnRef>
-          <a:fillRef idx="1">
-            <a:schemeClr val="accent1"/>
-          </a:fillRef>
-          <a:effectRef idx="0">
-            <a:schemeClr val="accent1"/>
-          </a:effectRef>
-          <a:fontRef idx="minor">
-            <a:schemeClr val="lt1"/>
-          </a:fontRef>
-        </p:style>
-        <p:txBody>
-          <a:bodyPr rtlCol="0" anchor="ctr"/>
-          <a:lstStyle/>
-          <a:p>
-            <a:pPr algn="ctr"/>
-            <a:r>
-              <a:rPr lang="en-US" sz="1100" b="1" dirty="0">
-                <a:solidFill>
-                  <a:srgbClr val="C00000"/>
-                </a:solidFill>
-                <a:latin typeface="Corbel" panose="020B0503020204020204" pitchFamily="34" charset="0"/>
-              </a:rPr>
-              <a:t>Fish (fresh)</a:t>
-            </a:r>
-          </a:p>
-        </p:txBody>
-      </p:sp>
-      <p:sp>
-        <p:nvSpPr>
-          <p:cNvPr id="11" name="Yuvarlatılmış Dikdörtgen 10"/>
-          <p:cNvSpPr/>
-          <p:nvPr/>
-        </p:nvSpPr>
-        <p:spPr>
-          <a:xfrm>
-            <a:off x="4216519" y="5409220"/>
-            <a:ext cx="900000" cy="648072"/>
-          </a:xfrm>
-          <a:prstGeom prst="roundRect">
-            <a:avLst/>
-          </a:prstGeom>
-          <a:solidFill>
-            <a:schemeClr val="bg1">
-              <a:lumMod val="95000"/>
-            </a:schemeClr>
-          </a:solidFill>
-          <a:ln>
-            <a:noFill/>
-          </a:ln>
-          <a:effectLst/>
-          <a:scene3d>
-            <a:camera prst="orthographicFront"/>
-            <a:lightRig rig="threePt" dir="t"/>
-          </a:scene3d>
-          <a:sp3d prstMaterial="matte">
-            <a:bevelT w="12700"/>
-            <a:bevelB/>
-          </a:sp3d>
-        </p:spPr>
-        <p:style>
-          <a:lnRef idx="2">
-            <a:schemeClr val="accent1">
-              <a:shade val="50000"/>
-            </a:schemeClr>
-          </a:lnRef>
-          <a:fillRef idx="1">
-            <a:schemeClr val="accent1"/>
-          </a:fillRef>
-          <a:effectRef idx="0">
-            <a:schemeClr val="accent1"/>
-          </a:effectRef>
-          <a:fontRef idx="minor">
-            <a:schemeClr val="lt1"/>
-          </a:fontRef>
-        </p:style>
-        <p:txBody>
-          <a:bodyPr rtlCol="0" anchor="ctr"/>
-          <a:lstStyle/>
-          <a:p>
-            <a:pPr algn="ctr"/>
-            <a:r>
-              <a:rPr lang="en-US" sz="1100" dirty="0">
-                <a:solidFill>
-                  <a:schemeClr val="tx1"/>
-                </a:solidFill>
-                <a:latin typeface="Corbel" panose="020B0503020204020204" pitchFamily="34" charset="0"/>
-              </a:rPr>
-              <a:t>Meat (chicken)</a:t>
-            </a:r>
-          </a:p>
-        </p:txBody>
-      </p:sp>
-      <p:sp>
-        <p:nvSpPr>
-          <p:cNvPr id="12" name="Yuvarlatılmış Dikdörtgen 11"/>
-          <p:cNvSpPr/>
-          <p:nvPr/>
-        </p:nvSpPr>
-        <p:spPr>
-          <a:xfrm>
-            <a:off x="5798415" y="5409220"/>
-            <a:ext cx="900000" cy="648072"/>
-          </a:xfrm>
-          <a:prstGeom prst="roundRect">
-            <a:avLst/>
-          </a:prstGeom>
-          <a:solidFill>
-            <a:schemeClr val="bg1">
-              <a:lumMod val="95000"/>
-            </a:schemeClr>
-          </a:solidFill>
-          <a:ln>
-            <a:solidFill>
-              <a:srgbClr val="C00000"/>
-            </a:solidFill>
-          </a:ln>
-          <a:effectLst>
-            <a:outerShdw blurRad="50800" dist="38100" dir="2700000" algn="tl" rotWithShape="0">
-              <a:prstClr val="black">
-                <a:alpha val="40000"/>
-              </a:prstClr>
-            </a:outerShdw>
-            <a:reflection blurRad="6350" stA="52000" endA="300" endPos="35000" dir="5400000" sy="-100000" algn="bl" rotWithShape="0"/>
-          </a:effectLst>
-          <a:scene3d>
-            <a:camera prst="orthographicFront"/>
-            <a:lightRig rig="threePt" dir="t"/>
-          </a:scene3d>
-          <a:sp3d prstMaterial="matte">
-            <a:bevelT/>
-            <a:bevelB/>
-          </a:sp3d>
-        </p:spPr>
-        <p:style>
-          <a:lnRef idx="2">
-            <a:schemeClr val="accent1">
-              <a:shade val="50000"/>
-            </a:schemeClr>
-          </a:lnRef>
-          <a:fillRef idx="1">
-            <a:schemeClr val="accent1"/>
-          </a:fillRef>
-          <a:effectRef idx="0">
-            <a:schemeClr val="accent1"/>
-          </a:effectRef>
-          <a:fontRef idx="minor">
-            <a:schemeClr val="lt1"/>
-          </a:fontRef>
-        </p:style>
-        <p:txBody>
-          <a:bodyPr rtlCol="0" anchor="ctr"/>
-          <a:lstStyle/>
-          <a:p>
-            <a:pPr algn="ctr"/>
-            <a:r>
-              <a:rPr lang="en-US" sz="1100" b="1" dirty="0">
-                <a:solidFill>
-                  <a:srgbClr val="C00000"/>
-                </a:solidFill>
-                <a:latin typeface="Corbel" panose="020B0503020204020204" pitchFamily="34" charset="0"/>
-              </a:rPr>
-              <a:t>Meat (mutton)</a:t>
-            </a:r>
-          </a:p>
-        </p:txBody>
-      </p:sp>
-      <p:sp>
-        <p:nvSpPr>
-          <p:cNvPr id="13" name="Yuvarlatılmış Dikdörtgen 12"/>
-          <p:cNvSpPr/>
-          <p:nvPr/>
-        </p:nvSpPr>
-        <p:spPr>
-          <a:xfrm>
-            <a:off x="7380312" y="5409220"/>
-            <a:ext cx="900000" cy="648072"/>
-          </a:xfrm>
-          <a:prstGeom prst="roundRect">
-            <a:avLst/>
-          </a:prstGeom>
-          <a:solidFill>
-            <a:schemeClr val="bg1">
-              <a:lumMod val="95000"/>
-            </a:schemeClr>
-          </a:solidFill>
-          <a:ln>
-            <a:noFill/>
-          </a:ln>
-          <a:effectLst/>
-          <a:scene3d>
-            <a:camera prst="orthographicFront"/>
-            <a:lightRig rig="threePt" dir="t"/>
-          </a:scene3d>
-          <a:sp3d prstMaterial="matte">
-            <a:bevelT w="12700"/>
-            <a:bevelB/>
-          </a:sp3d>
-        </p:spPr>
-        <p:style>
-          <a:lnRef idx="2">
-            <a:schemeClr val="accent1">
-              <a:shade val="50000"/>
-            </a:schemeClr>
-          </a:lnRef>
-          <a:fillRef idx="1">
-            <a:schemeClr val="accent1"/>
-          </a:fillRef>
-          <a:effectRef idx="0">
-            <a:schemeClr val="accent1"/>
-          </a:effectRef>
-          <a:fontRef idx="minor">
-            <a:schemeClr val="lt1"/>
-          </a:fontRef>
-        </p:style>
-        <p:txBody>
-          <a:bodyPr rtlCol="0" anchor="ctr"/>
-          <a:lstStyle/>
-          <a:p>
-            <a:pPr algn="ctr"/>
-            <a:r>
-              <a:rPr lang="en-US" sz="1100" dirty="0">
-                <a:solidFill>
-                  <a:schemeClr val="tx1"/>
-                </a:solidFill>
-                <a:latin typeface="Corbel" panose="020B0503020204020204" pitchFamily="34" charset="0"/>
-              </a:rPr>
-              <a:t>Meat (veal)</a:t>
-            </a:r>
-          </a:p>
-        </p:txBody>
-      </p:sp>
-      <p:pic>
-        <p:nvPicPr>
-          <p:cNvPr id="14" name="Resim 13" descr="Ekran Kırpma"/>
-          <p:cNvPicPr>
-            <a:picLocks noChangeAspect="1"/>
-          </p:cNvPicPr>
-          <p:nvPr/>
-        </p:nvPicPr>
-        <p:blipFill>
-          <a:blip r:embed="rId4">
-            <a:extLst>
-              <a:ext uri="{28A0092B-C50C-407E-A947-70E740481C1C}">
-                <a14:useLocalDpi xmlns:a14="http://schemas.microsoft.com/office/drawing/2010/main" val="0"/>
-              </a:ext>
-            </a:extLst>
-          </a:blip>
-          <a:stretch>
-            <a:fillRect/>
-          </a:stretch>
-        </p:blipFill>
-        <p:spPr>
-          <a:xfrm>
-            <a:off x="915988" y="508508"/>
-            <a:ext cx="7121673" cy="4900712"/>
-          </a:xfrm>
-          <a:prstGeom prst="rect">
-            <a:avLst/>
-          </a:prstGeom>
-          <a:ln w="228600" cap="sq" cmpd="thickThin">
-            <a:solidFill>
-              <a:srgbClr val="000000"/>
-            </a:solidFill>
-            <a:prstDash val="solid"/>
-            <a:miter lim="800000"/>
-          </a:ln>
-          <a:effectLst>
-            <a:innerShdw blurRad="76200">
-              <a:srgbClr val="000000"/>
-            </a:innerShdw>
-          </a:effectLst>
-        </p:spPr>
-      </p:pic>
-      <p:sp>
-        <p:nvSpPr>
-          <p:cNvPr id="15" name="Komut Düğmesi: Giriş 14">
-            <a:hlinkClick r:id="" action="ppaction://hlinkshowjump?jump=firstslide" highlightClick="1"/>
-          </p:cNvPr>
-          <p:cNvSpPr/>
-          <p:nvPr/>
-        </p:nvSpPr>
-        <p:spPr>
-          <a:xfrm>
-            <a:off x="8892241" y="6665673"/>
-            <a:ext cx="251759" cy="216024"/>
-          </a:xfrm>
-          <a:prstGeom prst="actionButtonHome">
-            <a:avLst/>
-          </a:prstGeom>
-        </p:spPr>
-        <p:style>
-          <a:lnRef idx="2">
-            <a:schemeClr val="accent1">
-              <a:shade val="50000"/>
-            </a:schemeClr>
-          </a:lnRef>
-          <a:fillRef idx="1">
-            <a:schemeClr val="accent1"/>
-          </a:fillRef>
-          <a:effectRef idx="0">
-            <a:schemeClr val="accent1"/>
-          </a:effectRef>
-          <a:fontRef idx="minor">
-            <a:schemeClr val="lt1"/>
-          </a:fontRef>
-        </p:style>
-        <p:txBody>
-          <a:bodyPr rtlCol="0" anchor="ctr"/>
-          <a:lstStyle/>
-          <a:p>
-            <a:pPr algn="ctr"/>
-            <a:endParaRPr lang="tr-TR"/>
-          </a:p>
-        </p:txBody>
-      </p:sp>
-      <p:sp>
-        <p:nvSpPr>
-          <p:cNvPr id="16" name="Metin kutusu 15"/>
-          <p:cNvSpPr txBox="1"/>
-          <p:nvPr/>
-        </p:nvSpPr>
-        <p:spPr>
-          <a:xfrm>
-            <a:off x="185890" y="6134524"/>
-            <a:ext cx="919226" cy="523220"/>
-          </a:xfrm>
-          <a:prstGeom prst="rect">
-            <a:avLst/>
-          </a:prstGeom>
-          <a:noFill/>
-        </p:spPr>
-        <p:txBody>
-          <a:bodyPr wrap="none" rtlCol="0">
-            <a:spAutoFit/>
-          </a:bodyPr>
-          <a:lstStyle/>
-          <a:p>
-            <a:r>
-              <a:rPr lang="tr-TR" sz="1400" b="1" dirty="0">
-                <a:solidFill>
-                  <a:srgbClr val="C00000"/>
-                </a:solidFill>
-              </a:rPr>
-              <a:t>Exchange </a:t>
-            </a:r>
-          </a:p>
-          <a:p>
-            <a:r>
-              <a:rPr lang="en-US" sz="1400" b="1" dirty="0">
-                <a:solidFill>
-                  <a:srgbClr val="C00000"/>
-                </a:solidFill>
-              </a:rPr>
-              <a:t>Rates</a:t>
-            </a:r>
-          </a:p>
-        </p:txBody>
-      </p:sp>
-      <p:sp>
-        <p:nvSpPr>
-          <p:cNvPr id="18" name="Metin kutusu 17"/>
-          <p:cNvSpPr txBox="1"/>
-          <p:nvPr/>
-        </p:nvSpPr>
-        <p:spPr>
-          <a:xfrm>
-            <a:off x="1738268" y="6072968"/>
-            <a:ext cx="1235403" cy="646331"/>
-          </a:xfrm>
-          <a:prstGeom prst="rect">
-            <a:avLst/>
-          </a:prstGeom>
-          <a:noFill/>
-        </p:spPr>
-        <p:txBody>
-          <a:bodyPr wrap="none" rtlCol="0">
-            <a:spAutoFit/>
-          </a:bodyPr>
-          <a:lstStyle/>
-          <a:p>
-            <a:r>
-              <a:rPr lang="en-US" sz="1200" b="1" dirty="0">
-                <a:solidFill>
-                  <a:srgbClr val="C00000"/>
-                </a:solidFill>
-              </a:rPr>
-              <a:t>Increased</a:t>
-            </a:r>
-          </a:p>
-          <a:p>
-            <a:r>
-              <a:rPr lang="en-US" sz="1200" b="1" dirty="0">
-                <a:solidFill>
-                  <a:srgbClr val="C00000"/>
-                </a:solidFill>
-              </a:rPr>
-              <a:t>Meat &amp; </a:t>
-            </a:r>
-            <a:r>
-              <a:rPr lang="tr-TR" sz="1200" b="1" dirty="0">
-                <a:solidFill>
-                  <a:srgbClr val="C00000"/>
-                </a:solidFill>
-              </a:rPr>
-              <a:t>C</a:t>
-            </a:r>
-            <a:r>
-              <a:rPr lang="en-US" sz="1200" b="1" dirty="0" err="1">
-                <a:solidFill>
-                  <a:srgbClr val="C00000"/>
-                </a:solidFill>
-              </a:rPr>
-              <a:t>hicken</a:t>
-            </a:r>
-            <a:r>
-              <a:rPr lang="en-US" sz="1200" b="1" dirty="0">
-                <a:solidFill>
-                  <a:srgbClr val="C00000"/>
-                </a:solidFill>
-              </a:rPr>
-              <a:t> </a:t>
-            </a:r>
-          </a:p>
-          <a:p>
-            <a:r>
-              <a:rPr lang="tr-TR" sz="1200" b="1" dirty="0">
-                <a:solidFill>
-                  <a:srgbClr val="C00000"/>
-                </a:solidFill>
-              </a:rPr>
-              <a:t>P</a:t>
-            </a:r>
-            <a:r>
-              <a:rPr lang="en-US" sz="1200" b="1" dirty="0">
-                <a:solidFill>
-                  <a:srgbClr val="C00000"/>
-                </a:solidFill>
-              </a:rPr>
-              <a:t>rice</a:t>
-            </a:r>
-          </a:p>
-        </p:txBody>
-      </p:sp>
-      <p:sp>
-        <p:nvSpPr>
-          <p:cNvPr id="19" name="Metin kutusu 18"/>
-          <p:cNvSpPr txBox="1"/>
-          <p:nvPr/>
-        </p:nvSpPr>
-        <p:spPr>
-          <a:xfrm>
-            <a:off x="5587031" y="6174459"/>
-            <a:ext cx="984565" cy="523220"/>
-          </a:xfrm>
-          <a:prstGeom prst="rect">
-            <a:avLst/>
-          </a:prstGeom>
-          <a:noFill/>
-        </p:spPr>
-        <p:txBody>
-          <a:bodyPr wrap="none" rtlCol="0">
-            <a:spAutoFit/>
-          </a:bodyPr>
-          <a:lstStyle/>
-          <a:p>
-            <a:r>
-              <a:rPr lang="tr-TR" sz="1400" b="1" dirty="0">
-                <a:solidFill>
-                  <a:srgbClr val="C00000"/>
-                </a:solidFill>
-              </a:rPr>
-              <a:t>W</a:t>
-            </a:r>
-            <a:r>
-              <a:rPr lang="en-US" sz="1400" b="1" dirty="0" err="1">
-                <a:solidFill>
-                  <a:srgbClr val="C00000"/>
-                </a:solidFill>
-              </a:rPr>
-              <a:t>eather</a:t>
-            </a:r>
-            <a:r>
-              <a:rPr lang="en-US" sz="1400" b="1" dirty="0">
-                <a:solidFill>
-                  <a:srgbClr val="C00000"/>
-                </a:solidFill>
-              </a:rPr>
-              <a:t> </a:t>
-            </a:r>
-          </a:p>
-          <a:p>
-            <a:r>
-              <a:rPr lang="tr-TR" sz="1400" b="1" dirty="0">
-                <a:solidFill>
-                  <a:srgbClr val="C00000"/>
-                </a:solidFill>
-              </a:rPr>
-              <a:t>C</a:t>
-            </a:r>
-            <a:r>
-              <a:rPr lang="en-US" sz="1400" b="1" dirty="0" err="1">
-                <a:solidFill>
-                  <a:srgbClr val="C00000"/>
-                </a:solidFill>
-              </a:rPr>
-              <a:t>onditions</a:t>
-            </a:r>
-            <a:endParaRPr lang="en-US" sz="1400" b="1" dirty="0">
-              <a:solidFill>
-                <a:srgbClr val="C00000"/>
-              </a:solidFill>
-            </a:endParaRPr>
-          </a:p>
-        </p:txBody>
-      </p:sp>
-      <p:sp>
-        <p:nvSpPr>
-          <p:cNvPr id="21" name="Metin kutusu 20"/>
-          <p:cNvSpPr txBox="1"/>
-          <p:nvPr/>
-        </p:nvSpPr>
-        <p:spPr>
-          <a:xfrm>
-            <a:off x="3709051" y="6107859"/>
-            <a:ext cx="1131896" cy="646331"/>
-          </a:xfrm>
-          <a:prstGeom prst="rect">
-            <a:avLst/>
-          </a:prstGeom>
-          <a:noFill/>
-        </p:spPr>
-        <p:txBody>
-          <a:bodyPr wrap="square" rtlCol="0">
-            <a:spAutoFit/>
-          </a:bodyPr>
-          <a:lstStyle/>
-          <a:p>
-            <a:r>
-              <a:rPr lang="en-US" sz="1200" b="1" dirty="0">
-                <a:solidFill>
-                  <a:srgbClr val="C00000"/>
-                </a:solidFill>
-              </a:rPr>
-              <a:t>Higher </a:t>
-            </a:r>
-            <a:r>
-              <a:rPr lang="tr-TR" sz="1200" b="1" dirty="0">
-                <a:solidFill>
-                  <a:srgbClr val="C00000"/>
-                </a:solidFill>
-              </a:rPr>
-              <a:t>D</a:t>
-            </a:r>
-            <a:r>
-              <a:rPr lang="en-US" sz="1200" b="1" dirty="0" err="1">
-                <a:solidFill>
-                  <a:srgbClr val="C00000"/>
-                </a:solidFill>
-              </a:rPr>
-              <a:t>emand</a:t>
-            </a:r>
-            <a:endParaRPr lang="en-US" sz="1200" b="1" dirty="0">
-              <a:solidFill>
-                <a:srgbClr val="C00000"/>
-              </a:solidFill>
-            </a:endParaRPr>
-          </a:p>
-          <a:p>
-            <a:r>
-              <a:rPr lang="en-US" sz="1200" b="1" dirty="0">
-                <a:solidFill>
-                  <a:srgbClr val="C00000"/>
-                </a:solidFill>
-              </a:rPr>
-              <a:t>for </a:t>
-            </a:r>
-            <a:r>
-              <a:rPr lang="tr-TR" sz="1200" b="1" dirty="0">
-                <a:solidFill>
-                  <a:srgbClr val="C00000"/>
-                </a:solidFill>
-              </a:rPr>
-              <a:t>F</a:t>
-            </a:r>
-            <a:r>
-              <a:rPr lang="en-US" sz="1200" b="1" dirty="0" err="1">
-                <a:solidFill>
-                  <a:srgbClr val="C00000"/>
-                </a:solidFill>
-              </a:rPr>
-              <a:t>ish</a:t>
-            </a:r>
-            <a:endParaRPr lang="en-US" sz="1200" b="1" dirty="0">
-              <a:solidFill>
-                <a:srgbClr val="C00000"/>
-              </a:solidFill>
-            </a:endParaRPr>
-          </a:p>
-        </p:txBody>
-      </p:sp>
-      <p:sp>
-        <p:nvSpPr>
-          <p:cNvPr id="24" name="Metin kutusu 23"/>
-          <p:cNvSpPr txBox="1"/>
-          <p:nvPr/>
-        </p:nvSpPr>
-        <p:spPr>
-          <a:xfrm>
-            <a:off x="7148416" y="6172286"/>
-            <a:ext cx="1131896" cy="523220"/>
-          </a:xfrm>
-          <a:prstGeom prst="rect">
-            <a:avLst/>
-          </a:prstGeom>
-          <a:noFill/>
-        </p:spPr>
-        <p:txBody>
-          <a:bodyPr wrap="square" rtlCol="0">
-            <a:spAutoFit/>
-          </a:bodyPr>
-          <a:lstStyle/>
-          <a:p>
-            <a:r>
-              <a:rPr lang="en-US" sz="1400" b="1" dirty="0">
-                <a:solidFill>
-                  <a:srgbClr val="C00000"/>
-                </a:solidFill>
-              </a:rPr>
-              <a:t>Decreased</a:t>
-            </a:r>
-          </a:p>
-          <a:p>
-            <a:r>
-              <a:rPr lang="en-US" sz="1400" b="1" dirty="0">
-                <a:solidFill>
-                  <a:srgbClr val="C00000"/>
-                </a:solidFill>
-              </a:rPr>
-              <a:t>Fish </a:t>
-            </a:r>
-            <a:r>
-              <a:rPr lang="tr-TR" sz="1400" b="1" dirty="0">
-                <a:solidFill>
-                  <a:srgbClr val="C00000"/>
-                </a:solidFill>
-              </a:rPr>
-              <a:t>Su</a:t>
-            </a:r>
-            <a:r>
-              <a:rPr lang="en-US" sz="1400" b="1" dirty="0" err="1">
-                <a:solidFill>
-                  <a:srgbClr val="C00000"/>
-                </a:solidFill>
-              </a:rPr>
-              <a:t>pply</a:t>
-            </a:r>
-            <a:endParaRPr lang="en-US" sz="1400" b="1" dirty="0">
-              <a:solidFill>
-                <a:srgbClr val="C00000"/>
-              </a:solidFill>
-            </a:endParaRPr>
-          </a:p>
-        </p:txBody>
-      </p:sp>
-      <p:cxnSp>
-        <p:nvCxnSpPr>
-          <p:cNvPr id="26" name="Eğri Bağlayıcı 30">
-            <a:extLst>
-              <a:ext uri="{FF2B5EF4-FFF2-40B4-BE49-F238E27FC236}">
-                <a16:creationId xmlns:a16="http://schemas.microsoft.com/office/drawing/2014/main" id="{A210CFC2-F2EC-4D29-AAAC-888FC2DC7E14}"/>
-              </a:ext>
-            </a:extLst>
-          </p:cNvPr>
-          <p:cNvCxnSpPr>
-            <a:cxnSpLocks/>
-          </p:cNvCxnSpPr>
-          <p:nvPr/>
-        </p:nvCxnSpPr>
-        <p:spPr>
-          <a:xfrm>
-            <a:off x="1089049" y="6416064"/>
-            <a:ext cx="602631" cy="2478"/>
-          </a:xfrm>
-          <a:prstGeom prst="curvedConnector3">
-            <a:avLst>
-              <a:gd name="adj1" fmla="val 50000"/>
-            </a:avLst>
-          </a:prstGeom>
-          <a:ln w="57150">
-            <a:prstDash val="sysDot"/>
-            <a:tailEnd type="arrow"/>
-          </a:ln>
-        </p:spPr>
-        <p:style>
-          <a:lnRef idx="1">
-            <a:schemeClr val="accent1"/>
-          </a:lnRef>
-          <a:fillRef idx="0">
-            <a:schemeClr val="accent1"/>
-          </a:fillRef>
-          <a:effectRef idx="0">
-            <a:schemeClr val="accent1"/>
-          </a:effectRef>
-          <a:fontRef idx="minor">
-            <a:schemeClr val="tx1"/>
-          </a:fontRef>
-        </p:style>
-      </p:cxnSp>
-      <p:cxnSp>
-        <p:nvCxnSpPr>
-          <p:cNvPr id="27" name="Eğri Bağlayıcı 30">
-            <a:extLst>
-              <a:ext uri="{FF2B5EF4-FFF2-40B4-BE49-F238E27FC236}">
-                <a16:creationId xmlns:a16="http://schemas.microsoft.com/office/drawing/2014/main" id="{11B83547-6238-425F-9DE5-7A1B2007CC11}"/>
-              </a:ext>
-            </a:extLst>
-          </p:cNvPr>
-          <p:cNvCxnSpPr>
-            <a:cxnSpLocks/>
-          </p:cNvCxnSpPr>
-          <p:nvPr/>
-        </p:nvCxnSpPr>
-        <p:spPr>
-          <a:xfrm>
-            <a:off x="3059832" y="6450858"/>
-            <a:ext cx="602631" cy="2478"/>
-          </a:xfrm>
-          <a:prstGeom prst="curvedConnector3">
-            <a:avLst>
-              <a:gd name="adj1" fmla="val 50000"/>
-            </a:avLst>
-          </a:prstGeom>
-          <a:ln w="57150">
-            <a:prstDash val="sysDot"/>
-            <a:tailEnd type="arrow"/>
-          </a:ln>
-        </p:spPr>
-        <p:style>
-          <a:lnRef idx="1">
-            <a:schemeClr val="accent1"/>
-          </a:lnRef>
-          <a:fillRef idx="0">
-            <a:schemeClr val="accent1"/>
-          </a:fillRef>
-          <a:effectRef idx="0">
-            <a:schemeClr val="accent1"/>
-          </a:effectRef>
-          <a:fontRef idx="minor">
-            <a:schemeClr val="tx1"/>
-          </a:fontRef>
-        </p:style>
-      </p:cxnSp>
-      <p:cxnSp>
-        <p:nvCxnSpPr>
-          <p:cNvPr id="28" name="Eğri Bağlayıcı 30">
-            <a:extLst>
-              <a:ext uri="{FF2B5EF4-FFF2-40B4-BE49-F238E27FC236}">
-                <a16:creationId xmlns:a16="http://schemas.microsoft.com/office/drawing/2014/main" id="{EC3BE46D-B8D4-476D-B889-74BEB7246A78}"/>
-              </a:ext>
-            </a:extLst>
-          </p:cNvPr>
-          <p:cNvCxnSpPr>
-            <a:cxnSpLocks/>
-          </p:cNvCxnSpPr>
-          <p:nvPr/>
-        </p:nvCxnSpPr>
-        <p:spPr>
-          <a:xfrm>
-            <a:off x="6548624" y="6462144"/>
-            <a:ext cx="602631" cy="2478"/>
-          </a:xfrm>
-          <a:prstGeom prst="curvedConnector3">
-            <a:avLst>
-              <a:gd name="adj1" fmla="val 50000"/>
-            </a:avLst>
-          </a:prstGeom>
-          <a:ln w="57150">
-            <a:prstDash val="sysDot"/>
-            <a:tailEnd type="arrow"/>
-          </a:ln>
-        </p:spPr>
-        <p:style>
-          <a:lnRef idx="1">
-            <a:schemeClr val="accent1"/>
-          </a:lnRef>
-          <a:fillRef idx="0">
-            <a:schemeClr val="accent1"/>
-          </a:fillRef>
-          <a:effectRef idx="0">
-            <a:schemeClr val="accent1"/>
-          </a:effectRef>
-          <a:fontRef idx="minor">
-            <a:schemeClr val="tx1"/>
-          </a:fontRef>
-        </p:style>
-      </p:cxnSp>
-      <p:sp>
-        <p:nvSpPr>
-          <p:cNvPr id="29" name="Dikdörtgen: Yuvarlatılmış Köşeler 28">
-            <a:extLst>
-              <a:ext uri="{FF2B5EF4-FFF2-40B4-BE49-F238E27FC236}">
-                <a16:creationId xmlns:a16="http://schemas.microsoft.com/office/drawing/2014/main" id="{5C195DFB-0AFA-44D7-B4A6-B5CE2E9B3A3C}"/>
-              </a:ext>
-            </a:extLst>
-          </p:cNvPr>
-          <p:cNvSpPr/>
-          <p:nvPr/>
-        </p:nvSpPr>
-        <p:spPr>
-          <a:xfrm>
-            <a:off x="133178" y="6107859"/>
-            <a:ext cx="4438822" cy="611439"/>
-          </a:xfrm>
-          <a:prstGeom prst="roundRect">
-            <a:avLst/>
-          </a:prstGeom>
-          <a:noFill/>
-          <a:ln>
-            <a:solidFill>
-              <a:schemeClr val="tx2"/>
-            </a:solidFill>
-          </a:ln>
-        </p:spPr>
-        <p:style>
-          <a:lnRef idx="2">
-            <a:schemeClr val="accent1">
-              <a:shade val="50000"/>
-            </a:schemeClr>
-          </a:lnRef>
-          <a:fillRef idx="1">
-            <a:schemeClr val="accent1"/>
-          </a:fillRef>
-          <a:effectRef idx="0">
-            <a:schemeClr val="accent1"/>
-          </a:effectRef>
-          <a:fontRef idx="minor">
-            <a:schemeClr val="lt1"/>
-          </a:fontRef>
-        </p:style>
-        <p:txBody>
-          <a:bodyPr rtlCol="0" anchor="ctr"/>
-          <a:lstStyle/>
-          <a:p>
-            <a:pPr algn="ctr"/>
-            <a:endParaRPr lang="tr-TR"/>
-          </a:p>
-        </p:txBody>
-      </p:sp>
-      <p:sp>
-        <p:nvSpPr>
-          <p:cNvPr id="30" name="Dikdörtgen: Yuvarlatılmış Köşeler 29">
-            <a:extLst>
-              <a:ext uri="{FF2B5EF4-FFF2-40B4-BE49-F238E27FC236}">
-                <a16:creationId xmlns:a16="http://schemas.microsoft.com/office/drawing/2014/main" id="{8F729D0E-9B6D-4033-9CC9-2AA9EFEFDD11}"/>
-              </a:ext>
-            </a:extLst>
-          </p:cNvPr>
-          <p:cNvSpPr/>
-          <p:nvPr/>
-        </p:nvSpPr>
-        <p:spPr>
-          <a:xfrm>
-            <a:off x="5507784" y="6189949"/>
-            <a:ext cx="2736623" cy="547394"/>
-          </a:xfrm>
-          <a:prstGeom prst="roundRect">
-            <a:avLst/>
-          </a:prstGeom>
-          <a:noFill/>
-          <a:ln>
-            <a:solidFill>
-              <a:schemeClr val="tx2"/>
-            </a:solidFill>
-          </a:ln>
-        </p:spPr>
-        <p:style>
-          <a:lnRef idx="2">
-            <a:schemeClr val="accent1">
-              <a:shade val="50000"/>
-            </a:schemeClr>
-          </a:lnRef>
-          <a:fillRef idx="1">
-            <a:schemeClr val="accent1"/>
-          </a:fillRef>
-          <a:effectRef idx="0">
-            <a:schemeClr val="accent1"/>
-          </a:effectRef>
-          <a:fontRef idx="minor">
-            <a:schemeClr val="lt1"/>
-          </a:fontRef>
-        </p:style>
-        <p:txBody>
-          <a:bodyPr rtlCol="0" anchor="ctr"/>
-          <a:lstStyle/>
-          <a:p>
-            <a:pPr algn="ctr"/>
-            <a:endParaRPr lang="tr-TR"/>
-          </a:p>
-        </p:txBody>
-      </p:sp>
-    </p:spTree>
-    <p:extLst>
-      <p:ext uri="{BB962C8B-B14F-4D97-AF65-F5344CB8AC3E}">
-        <p14:creationId xmlns:p14="http://schemas.microsoft.com/office/powerpoint/2010/main" val="3119007957"/>
-      </p:ext>
-    </p:extLst>
-  </p:cSld>
-  <p:clrMapOvr>
-    <a:masterClrMapping/>
-  </p:clrMapOvr>
-  <p:timing>
-    <p:tnLst>
-      <p:par>
-        <p:cTn id="1" dur="indefinite" restart="never" nodeType="tmRoot">
-          <p:childTnLst>
-            <p:seq concurrent="1" nextAc="seek">
-              <p:cTn id="2" restart="whenNotActive" fill="hold" evtFilter="cancelBubble" nodeType="interactiveSeq">
-                <p:stCondLst>
-                  <p:cond evt="onClick" delay="0">
-                    <p:tgtEl>
-                      <p:spTgt spid="10"/>
-                    </p:tgtEl>
-                  </p:cond>
-                </p:stCondLst>
-                <p:endSync evt="end" delay="0">
-                  <p:rtn val="all"/>
-                </p:endSync>
-                <p:childTnLst>
-                  <p:par>
-                    <p:cTn id="3" fill="hold">
-                      <p:stCondLst>
-                        <p:cond delay="0"/>
-                      </p:stCondLst>
-                      <p:childTnLst>
-                        <p:par>
-                          <p:cTn id="4" fill="hold">
-                            <p:stCondLst>
-                              <p:cond delay="0"/>
-                            </p:stCondLst>
-                            <p:childTnLst>
-                              <p:par>
-                                <p:cTn id="5" presetID="1" presetClass="entr" presetSubtype="0" fill="hold" nodeType="clickEffect">
-                                  <p:stCondLst>
-                                    <p:cond delay="0"/>
-                                  </p:stCondLst>
-                                  <p:childTnLst>
-                                    <p:set>
-                                      <p:cBhvr>
-                                        <p:cTn id="6" dur="1" fill="hold">
-                                          <p:stCondLst>
-                                            <p:cond delay="0"/>
-                                          </p:stCondLst>
-                                        </p:cTn>
-                                        <p:tgtEl>
-                                          <p:spTgt spid="14"/>
-                                        </p:tgtEl>
-                                        <p:attrNameLst>
-                                          <p:attrName>style.visibility</p:attrName>
-                                        </p:attrNameLst>
-                                      </p:cBhvr>
-                                      <p:to>
-                                        <p:strVal val="visible"/>
-                                      </p:to>
-                                    </p:set>
-                                  </p:childTnLst>
-                                  <p:subTnLst>
-                                    <p:set>
-                                      <p:cBhvr override="childStyle">
-                                        <p:cTn dur="1" fill="hold" display="0" masterRel="nextClick" afterEffect="1"/>
-                                        <p:tgtEl>
-                                          <p:spTgt spid="14"/>
-                                        </p:tgtEl>
-                                        <p:attrNameLst>
-                                          <p:attrName>style.visibility</p:attrName>
-                                        </p:attrNameLst>
-                                      </p:cBhvr>
-                                      <p:to>
-                                        <p:strVal val="hidden"/>
-                                      </p:to>
-                                    </p:set>
-                                  </p:subTnLst>
-                                </p:cTn>
-                              </p:par>
-                            </p:childTnLst>
-                          </p:cTn>
-                        </p:par>
-                      </p:childTnLst>
-                    </p:cTn>
-                  </p:par>
-                </p:childTnLst>
-              </p:cTn>
-              <p:nextCondLst>
-                <p:cond evt="onClick" delay="0">
-                  <p:tgtEl>
-                    <p:spTgt spid="10"/>
-                  </p:tgtEl>
-                </p:cond>
-              </p:nextCondLst>
-            </p:seq>
-          </p:childTnLst>
-        </p:cTn>
-      </p:par>
-    </p:tnLst>
-  </p:timing>
-</p:sld>
-</file>
-
-<file path=ppt/slides/slide7.xml><?xml version="1.0" encoding="utf-8"?>
-<p:sld xmlns:a="http://schemas.openxmlformats.org/drawingml/2006/main" xmlns:r="http://schemas.openxmlformats.org/officeDocument/2006/relationships" xmlns:p="http://schemas.openxmlformats.org/presentationml/2006/main">
-  <p:cSld>
-    <p:spTree>
-      <p:nvGrpSpPr>
-        <p:cNvPr id="1" name=""/>
-        <p:cNvGrpSpPr/>
-        <p:nvPr/>
-      </p:nvGrpSpPr>
-      <p:grpSpPr>
-        <a:xfrm>
-          <a:off x="0" y="0"/>
-          <a:ext cx="0" cy="0"/>
-          <a:chOff x="0" y="0"/>
-          <a:chExt cx="0" cy="0"/>
-        </a:xfrm>
-      </p:grpSpPr>
-      <p:sp>
-        <p:nvSpPr>
-          <p:cNvPr id="4" name="Dikdörtgen 3"/>
-          <p:cNvSpPr/>
-          <p:nvPr/>
-        </p:nvSpPr>
-        <p:spPr>
-          <a:xfrm>
-            <a:off x="539552" y="189262"/>
-            <a:ext cx="4542654" cy="369332"/>
-          </a:xfrm>
-          <a:prstGeom prst="rect">
-            <a:avLst/>
-          </a:prstGeom>
-        </p:spPr>
-        <p:txBody>
-          <a:bodyPr wrap="none">
-            <a:spAutoFit/>
-          </a:bodyPr>
-          <a:lstStyle/>
-          <a:p>
-            <a:r>
-              <a:rPr lang="en-US" b="1" dirty="0">
-                <a:solidFill>
-                  <a:schemeClr val="tx2"/>
-                </a:solidFill>
-                <a:latin typeface="Corbel" panose="020B0503020204020204" pitchFamily="34" charset="0"/>
-              </a:rPr>
-              <a:t>Yearly Average Price for Miscellaneous Food</a:t>
-            </a:r>
-          </a:p>
-        </p:txBody>
-      </p:sp>
-      <p:cxnSp>
-        <p:nvCxnSpPr>
-          <p:cNvPr id="5" name="Düz Bağlayıcı 4"/>
-          <p:cNvCxnSpPr/>
-          <p:nvPr/>
-        </p:nvCxnSpPr>
-        <p:spPr>
-          <a:xfrm>
-            <a:off x="179512" y="116632"/>
-            <a:ext cx="0" cy="522972"/>
-          </a:xfrm>
-          <a:prstGeom prst="line">
-            <a:avLst/>
-          </a:prstGeom>
-          <a:ln w="38100"/>
-        </p:spPr>
-        <p:style>
-          <a:lnRef idx="1">
-            <a:schemeClr val="accent1"/>
-          </a:lnRef>
-          <a:fillRef idx="0">
-            <a:schemeClr val="accent1"/>
-          </a:fillRef>
-          <a:effectRef idx="0">
-            <a:schemeClr val="accent1"/>
-          </a:effectRef>
-          <a:fontRef idx="minor">
-            <a:schemeClr val="tx1"/>
-          </a:fontRef>
-        </p:style>
-      </p:cxnSp>
-      <p:cxnSp>
-        <p:nvCxnSpPr>
-          <p:cNvPr id="6" name="Düz Bağlayıcı 5"/>
-          <p:cNvCxnSpPr/>
-          <p:nvPr/>
-        </p:nvCxnSpPr>
-        <p:spPr>
-          <a:xfrm>
-            <a:off x="395536" y="135548"/>
-            <a:ext cx="0" cy="504056"/>
-          </a:xfrm>
-          <a:prstGeom prst="line">
-            <a:avLst/>
-          </a:prstGeom>
-        </p:spPr>
-        <p:style>
-          <a:lnRef idx="1">
-            <a:schemeClr val="accent1"/>
-          </a:lnRef>
-          <a:fillRef idx="0">
-            <a:schemeClr val="accent1"/>
-          </a:fillRef>
-          <a:effectRef idx="0">
-            <a:schemeClr val="accent1"/>
-          </a:effectRef>
-          <a:fontRef idx="minor">
-            <a:schemeClr val="tx1"/>
-          </a:fontRef>
-        </p:style>
-      </p:cxnSp>
-      <p:pic>
-        <p:nvPicPr>
-          <p:cNvPr id="7" name="Resim 6" descr="Ekran Kırpma"/>
-          <p:cNvPicPr>
-            <a:picLocks noChangeAspect="1"/>
-          </p:cNvPicPr>
-          <p:nvPr/>
-        </p:nvPicPr>
-        <p:blipFill rotWithShape="1">
-          <a:blip r:embed="rId2">
-            <a:extLst>
-              <a:ext uri="{28A0092B-C50C-407E-A947-70E740481C1C}">
-                <a14:useLocalDpi xmlns:a14="http://schemas.microsoft.com/office/drawing/2010/main" val="0"/>
-              </a:ext>
-            </a:extLst>
-          </a:blip>
-          <a:srcRect r="12209" b="41429"/>
-          <a:stretch/>
-        </p:blipFill>
-        <p:spPr>
-          <a:xfrm>
-            <a:off x="121870" y="836711"/>
-            <a:ext cx="8971284" cy="4104457"/>
-          </a:xfrm>
-          <a:prstGeom prst="rect">
-            <a:avLst/>
-          </a:prstGeom>
-        </p:spPr>
-      </p:pic>
-      <p:pic>
-        <p:nvPicPr>
-          <p:cNvPr id="8" name="Picture 3"/>
-          <p:cNvPicPr>
-            <a:picLocks noChangeAspect="1" noChangeArrowheads="1"/>
-          </p:cNvPicPr>
-          <p:nvPr/>
-        </p:nvPicPr>
-        <p:blipFill rotWithShape="1">
-          <a:blip r:embed="rId3">
-            <a:extLst>
-              <a:ext uri="{28A0092B-C50C-407E-A947-70E740481C1C}">
-                <a14:useLocalDpi xmlns:a14="http://schemas.microsoft.com/office/drawing/2010/main" val="0"/>
-              </a:ext>
-            </a:extLst>
-          </a:blip>
-          <a:srcRect l="59252" t="39639" r="34295" b="38220"/>
-          <a:stretch/>
-        </p:blipFill>
-        <p:spPr bwMode="auto">
-          <a:xfrm>
-            <a:off x="7679210" y="1124744"/>
-            <a:ext cx="1177660" cy="2271712"/>
-          </a:xfrm>
-          <a:prstGeom prst="rect">
-            <a:avLst/>
-          </a:prstGeom>
-          <a:noFill/>
-          <a:ln>
-            <a:noFill/>
-          </a:ln>
-          <a:extLst>
-            <a:ext uri="{909E8E84-426E-40DD-AFC4-6F175D3DCCD1}">
-              <a14:hiddenFill xmlns:a14="http://schemas.microsoft.com/office/drawing/2010/main">
-                <a:solidFill>
-                  <a:schemeClr val="accent1"/>
-                </a:solidFill>
-              </a14:hiddenFill>
-            </a:ext>
-            <a:ext uri="{91240B29-F687-4F45-9708-019B960494DF}">
-              <a14:hiddenLine xmlns:a14="http://schemas.microsoft.com/office/drawing/2010/main" w="9525">
-                <a:solidFill>
-                  <a:schemeClr val="tx1"/>
-                </a:solidFill>
-                <a:miter lim="800000"/>
-                <a:headEnd/>
-                <a:tailEnd/>
-              </a14:hiddenLine>
-            </a:ext>
-          </a:extLst>
-        </p:spPr>
-      </p:pic>
-      <p:sp>
-        <p:nvSpPr>
-          <p:cNvPr id="9" name="Yuvarlatılmış Dikdörtgen 8"/>
-          <p:cNvSpPr/>
-          <p:nvPr/>
-        </p:nvSpPr>
-        <p:spPr>
-          <a:xfrm>
-            <a:off x="395536" y="5085184"/>
-            <a:ext cx="900000" cy="648072"/>
-          </a:xfrm>
-          <a:prstGeom prst="roundRect">
-            <a:avLst/>
-          </a:prstGeom>
-          <a:solidFill>
-            <a:schemeClr val="bg1">
-              <a:lumMod val="95000"/>
-            </a:schemeClr>
-          </a:solidFill>
-          <a:ln>
-            <a:solidFill>
-              <a:srgbClr val="C00000"/>
-            </a:solidFill>
-          </a:ln>
-          <a:effectLst>
-            <a:outerShdw blurRad="50800" dist="38100" dir="2700000" algn="tl" rotWithShape="0">
-              <a:prstClr val="black">
-                <a:alpha val="40000"/>
-              </a:prstClr>
-            </a:outerShdw>
-            <a:reflection blurRad="6350" stA="52000" endA="300" endPos="35000" dir="5400000" sy="-100000" algn="bl" rotWithShape="0"/>
-          </a:effectLst>
-          <a:scene3d>
-            <a:camera prst="orthographicFront"/>
-            <a:lightRig rig="threePt" dir="t"/>
-          </a:scene3d>
-          <a:sp3d prstMaterial="matte">
-            <a:bevelT/>
-            <a:bevelB/>
-          </a:sp3d>
-        </p:spPr>
-        <p:style>
-          <a:lnRef idx="2">
-            <a:schemeClr val="accent1">
-              <a:shade val="50000"/>
-            </a:schemeClr>
-          </a:lnRef>
-          <a:fillRef idx="1">
-            <a:schemeClr val="accent1"/>
-          </a:fillRef>
-          <a:effectRef idx="0">
-            <a:schemeClr val="accent1"/>
-          </a:effectRef>
-          <a:fontRef idx="minor">
-            <a:schemeClr val="lt1"/>
-          </a:fontRef>
-        </p:style>
-        <p:txBody>
-          <a:bodyPr rtlCol="0" anchor="ctr"/>
-          <a:lstStyle/>
-          <a:p>
-            <a:pPr algn="ctr"/>
-            <a:r>
-              <a:rPr lang="en-US" sz="1100" b="1" dirty="0">
-                <a:solidFill>
-                  <a:srgbClr val="C00000"/>
-                </a:solidFill>
-                <a:latin typeface="Corbel" panose="020B0503020204020204" pitchFamily="34" charset="0"/>
-              </a:rPr>
-              <a:t>Cocoa </a:t>
-            </a:r>
-            <a:r>
-              <a:rPr lang="en-US" sz="1100" b="1" dirty="0">
-                <a:solidFill>
-                  <a:srgbClr val="C00000"/>
-                </a:solidFill>
-                <a:latin typeface="Corbel" panose="020B0503020204020204" pitchFamily="34" charset="0"/>
-              </a:rPr>
-              <a:t>(powder)</a:t>
+              <a:t>Cocoa (powder)</a:t>
             </a:r>
           </a:p>
         </p:txBody>
